--- a/cGAN4FluidFlow.pptx
+++ b/cGAN4FluidFlow.pptx
@@ -6,15 +6,16 @@
   </p:sldMasterIdLst>
   <p:sldIdLst>
     <p:sldId id="256" r:id="rId2"/>
-    <p:sldId id="264" r:id="rId3"/>
-    <p:sldId id="265" r:id="rId4"/>
-    <p:sldId id="266" r:id="rId5"/>
-    <p:sldId id="267" r:id="rId6"/>
-    <p:sldId id="257" r:id="rId7"/>
-    <p:sldId id="258" r:id="rId8"/>
-    <p:sldId id="259" r:id="rId9"/>
-    <p:sldId id="262" r:id="rId10"/>
-    <p:sldId id="261" r:id="rId11"/>
+    <p:sldId id="268" r:id="rId3"/>
+    <p:sldId id="264" r:id="rId4"/>
+    <p:sldId id="265" r:id="rId5"/>
+    <p:sldId id="266" r:id="rId6"/>
+    <p:sldId id="267" r:id="rId7"/>
+    <p:sldId id="257" r:id="rId8"/>
+    <p:sldId id="258" r:id="rId9"/>
+    <p:sldId id="259" r:id="rId10"/>
+    <p:sldId id="262" r:id="rId11"/>
+    <p:sldId id="261" r:id="rId12"/>
   </p:sldIdLst>
   <p:sldSz cx="12192000" cy="6858000"/>
   <p:notesSz cx="6858000" cy="9144000"/>
@@ -124,7 +125,8 @@
 <file path=ppt/revisionInfo.xml><?xml version="1.0" encoding="utf-8"?>
 <p1510:revInfo xmlns:a="http://schemas.openxmlformats.org/drawingml/2006/main" xmlns:r="http://schemas.openxmlformats.org/officeDocument/2006/relationships" xmlns:p1510="http://schemas.microsoft.com/office/powerpoint/2015/10/main">
   <p1510:revLst>
-    <p1510:client id="{204A0C2B-7D07-4EE7-8784-E9AA73766C00}" v="265" dt="2021-09-14T11:48:14.341"/>
+    <p1510:client id="{204A0C2B-7D07-4EE7-8784-E9AA73766C00}" v="287" dt="2021-09-14T14:21:03.700"/>
+    <p1510:client id="{87F0ABD2-00E9-4B91-AAD3-5244124A3C47}" v="291" dt="2021-09-14T16:35:19.408"/>
   </p1510:revLst>
 </p1510:revInfo>
 </file>
@@ -598,18 +600,26 @@
   </pc:docChgLst>
   <pc:docChgLst>
     <pc:chgData name="Mirko Kemna" userId="766ba680-80f5-4b8b-844c-94b6db81444d" providerId="ADAL" clId="{204A0C2B-7D07-4EE7-8784-E9AA73766C00}"/>
-    <pc:docChg chg="undo custSel modSld">
-      <pc:chgData name="Mirko Kemna" userId="766ba680-80f5-4b8b-844c-94b6db81444d" providerId="ADAL" clId="{204A0C2B-7D07-4EE7-8784-E9AA73766C00}" dt="2021-09-14T11:49:25.334" v="1043" actId="20577"/>
+    <pc:docChg chg="undo redo custSel modSld">
+      <pc:chgData name="Mirko Kemna" userId="766ba680-80f5-4b8b-844c-94b6db81444d" providerId="ADAL" clId="{204A0C2B-7D07-4EE7-8784-E9AA73766C00}" dt="2021-09-14T14:42:03.549" v="1411" actId="1076"/>
       <pc:docMkLst>
         <pc:docMk/>
       </pc:docMkLst>
       <pc:sldChg chg="modSp mod">
-        <pc:chgData name="Mirko Kemna" userId="766ba680-80f5-4b8b-844c-94b6db81444d" providerId="ADAL" clId="{204A0C2B-7D07-4EE7-8784-E9AA73766C00}" dt="2021-09-14T11:44:46.405" v="725" actId="20577"/>
+        <pc:chgData name="Mirko Kemna" userId="766ba680-80f5-4b8b-844c-94b6db81444d" providerId="ADAL" clId="{204A0C2B-7D07-4EE7-8784-E9AA73766C00}" dt="2021-09-14T14:20:27.069" v="1130" actId="1076"/>
         <pc:sldMkLst>
           <pc:docMk/>
           <pc:sldMk cId="3139671170" sldId="257"/>
         </pc:sldMkLst>
         <pc:spChg chg="mod">
+          <ac:chgData name="Mirko Kemna" userId="766ba680-80f5-4b8b-844c-94b6db81444d" providerId="ADAL" clId="{204A0C2B-7D07-4EE7-8784-E9AA73766C00}" dt="2021-09-14T14:20:27.069" v="1130" actId="1076"/>
+          <ac:spMkLst>
+            <pc:docMk/>
+            <pc:sldMk cId="3139671170" sldId="257"/>
+            <ac:spMk id="2" creationId="{7AE2D2C5-4E45-4376-9EB9-DEABF601B99B}"/>
+          </ac:spMkLst>
+        </pc:spChg>
+        <pc:spChg chg="mod">
           <ac:chgData name="Mirko Kemna" userId="766ba680-80f5-4b8b-844c-94b6db81444d" providerId="ADAL" clId="{204A0C2B-7D07-4EE7-8784-E9AA73766C00}" dt="2021-09-14T11:44:46.405" v="725" actId="20577"/>
           <ac:spMkLst>
             <pc:docMk/>
@@ -619,13 +629,21 @@
         </pc:spChg>
       </pc:sldChg>
       <pc:sldChg chg="addSp modSp mod modAnim">
-        <pc:chgData name="Mirko Kemna" userId="766ba680-80f5-4b8b-844c-94b6db81444d" providerId="ADAL" clId="{204A0C2B-7D07-4EE7-8784-E9AA73766C00}" dt="2021-09-14T11:27:57.911" v="143" actId="27636"/>
+        <pc:chgData name="Mirko Kemna" userId="766ba680-80f5-4b8b-844c-94b6db81444d" providerId="ADAL" clId="{204A0C2B-7D07-4EE7-8784-E9AA73766C00}" dt="2021-09-14T14:21:26.305" v="1136" actId="404"/>
         <pc:sldMkLst>
           <pc:docMk/>
           <pc:sldMk cId="4208012773" sldId="258"/>
         </pc:sldMkLst>
         <pc:spChg chg="mod">
-          <ac:chgData name="Mirko Kemna" userId="766ba680-80f5-4b8b-844c-94b6db81444d" providerId="ADAL" clId="{204A0C2B-7D07-4EE7-8784-E9AA73766C00}" dt="2021-09-14T11:27:57.911" v="143" actId="27636"/>
+          <ac:chgData name="Mirko Kemna" userId="766ba680-80f5-4b8b-844c-94b6db81444d" providerId="ADAL" clId="{204A0C2B-7D07-4EE7-8784-E9AA73766C00}" dt="2021-09-14T14:21:26.305" v="1136" actId="404"/>
+          <ac:spMkLst>
+            <pc:docMk/>
+            <pc:sldMk cId="4208012773" sldId="258"/>
+            <ac:spMk id="2" creationId="{E44538F1-5D5E-4F25-8A69-FDF8D0C1A1B9}"/>
+          </ac:spMkLst>
+        </pc:spChg>
+        <pc:spChg chg="mod">
+          <ac:chgData name="Mirko Kemna" userId="766ba680-80f5-4b8b-844c-94b6db81444d" providerId="ADAL" clId="{204A0C2B-7D07-4EE7-8784-E9AA73766C00}" dt="2021-09-14T14:20:49.850" v="1135" actId="1076"/>
           <ac:spMkLst>
             <pc:docMk/>
             <pc:sldMk cId="4208012773" sldId="258"/>
@@ -633,7 +651,7 @@
           </ac:spMkLst>
         </pc:spChg>
         <pc:spChg chg="mod">
-          <ac:chgData name="Mirko Kemna" userId="766ba680-80f5-4b8b-844c-94b6db81444d" providerId="ADAL" clId="{204A0C2B-7D07-4EE7-8784-E9AA73766C00}" dt="2021-09-14T11:24:17.970" v="30" actId="1076"/>
+          <ac:chgData name="Mirko Kemna" userId="766ba680-80f5-4b8b-844c-94b6db81444d" providerId="ADAL" clId="{204A0C2B-7D07-4EE7-8784-E9AA73766C00}" dt="2021-09-14T14:20:49.850" v="1135" actId="1076"/>
           <ac:spMkLst>
             <pc:docMk/>
             <pc:sldMk cId="4208012773" sldId="258"/>
@@ -641,7 +659,7 @@
           </ac:spMkLst>
         </pc:spChg>
         <pc:spChg chg="mod">
-          <ac:chgData name="Mirko Kemna" userId="766ba680-80f5-4b8b-844c-94b6db81444d" providerId="ADAL" clId="{204A0C2B-7D07-4EE7-8784-E9AA73766C00}" dt="2021-09-14T11:24:17.970" v="30" actId="1076"/>
+          <ac:chgData name="Mirko Kemna" userId="766ba680-80f5-4b8b-844c-94b6db81444d" providerId="ADAL" clId="{204A0C2B-7D07-4EE7-8784-E9AA73766C00}" dt="2021-09-14T14:20:49.850" v="1135" actId="1076"/>
           <ac:spMkLst>
             <pc:docMk/>
             <pc:sldMk cId="4208012773" sldId="258"/>
@@ -649,7 +667,23 @@
           </ac:spMkLst>
         </pc:spChg>
         <pc:spChg chg="mod">
-          <ac:chgData name="Mirko Kemna" userId="766ba680-80f5-4b8b-844c-94b6db81444d" providerId="ADAL" clId="{204A0C2B-7D07-4EE7-8784-E9AA73766C00}" dt="2021-09-14T11:26:41.997" v="58" actId="1076"/>
+          <ac:chgData name="Mirko Kemna" userId="766ba680-80f5-4b8b-844c-94b6db81444d" providerId="ADAL" clId="{204A0C2B-7D07-4EE7-8784-E9AA73766C00}" dt="2021-09-14T14:20:49.850" v="1135" actId="1076"/>
+          <ac:spMkLst>
+            <pc:docMk/>
+            <pc:sldMk cId="4208012773" sldId="258"/>
+            <ac:spMk id="16" creationId="{B77DB797-3525-4019-86CB-6395AC8A6078}"/>
+          </ac:spMkLst>
+        </pc:spChg>
+        <pc:spChg chg="mod">
+          <ac:chgData name="Mirko Kemna" userId="766ba680-80f5-4b8b-844c-94b6db81444d" providerId="ADAL" clId="{204A0C2B-7D07-4EE7-8784-E9AA73766C00}" dt="2021-09-14T14:20:49.850" v="1135" actId="1076"/>
+          <ac:spMkLst>
+            <pc:docMk/>
+            <pc:sldMk cId="4208012773" sldId="258"/>
+            <ac:spMk id="19" creationId="{DE754F27-AA0D-46BE-A06C-DF8ED34328DC}"/>
+          </ac:spMkLst>
+        </pc:spChg>
+        <pc:spChg chg="mod">
+          <ac:chgData name="Mirko Kemna" userId="766ba680-80f5-4b8b-844c-94b6db81444d" providerId="ADAL" clId="{204A0C2B-7D07-4EE7-8784-E9AA73766C00}" dt="2021-09-14T14:20:49.850" v="1135" actId="1076"/>
           <ac:spMkLst>
             <pc:docMk/>
             <pc:sldMk cId="4208012773" sldId="258"/>
@@ -657,7 +691,7 @@
           </ac:spMkLst>
         </pc:spChg>
         <pc:spChg chg="add mod">
-          <ac:chgData name="Mirko Kemna" userId="766ba680-80f5-4b8b-844c-94b6db81444d" providerId="ADAL" clId="{204A0C2B-7D07-4EE7-8784-E9AA73766C00}" dt="2021-09-14T11:25:40.051" v="39" actId="1076"/>
+          <ac:chgData name="Mirko Kemna" userId="766ba680-80f5-4b8b-844c-94b6db81444d" providerId="ADAL" clId="{204A0C2B-7D07-4EE7-8784-E9AA73766C00}" dt="2021-09-14T14:20:49.850" v="1135" actId="1076"/>
           <ac:spMkLst>
             <pc:docMk/>
             <pc:sldMk cId="4208012773" sldId="258"/>
@@ -665,7 +699,7 @@
           </ac:spMkLst>
         </pc:spChg>
         <pc:spChg chg="add mod">
-          <ac:chgData name="Mirko Kemna" userId="766ba680-80f5-4b8b-844c-94b6db81444d" providerId="ADAL" clId="{204A0C2B-7D07-4EE7-8784-E9AA73766C00}" dt="2021-09-14T11:26:57.472" v="60" actId="1076"/>
+          <ac:chgData name="Mirko Kemna" userId="766ba680-80f5-4b8b-844c-94b6db81444d" providerId="ADAL" clId="{204A0C2B-7D07-4EE7-8784-E9AA73766C00}" dt="2021-09-14T14:20:49.850" v="1135" actId="1076"/>
           <ac:spMkLst>
             <pc:docMk/>
             <pc:sldMk cId="4208012773" sldId="258"/>
@@ -673,7 +707,7 @@
           </ac:spMkLst>
         </pc:spChg>
         <pc:cxnChg chg="mod">
-          <ac:chgData name="Mirko Kemna" userId="766ba680-80f5-4b8b-844c-94b6db81444d" providerId="ADAL" clId="{204A0C2B-7D07-4EE7-8784-E9AA73766C00}" dt="2021-09-14T11:24:17.970" v="30" actId="1076"/>
+          <ac:chgData name="Mirko Kemna" userId="766ba680-80f5-4b8b-844c-94b6db81444d" providerId="ADAL" clId="{204A0C2B-7D07-4EE7-8784-E9AA73766C00}" dt="2021-09-14T14:20:49.850" v="1135" actId="1076"/>
           <ac:cxnSpMkLst>
             <pc:docMk/>
             <pc:sldMk cId="4208012773" sldId="258"/>
@@ -681,7 +715,7 @@
           </ac:cxnSpMkLst>
         </pc:cxnChg>
         <pc:cxnChg chg="mod">
-          <ac:chgData name="Mirko Kemna" userId="766ba680-80f5-4b8b-844c-94b6db81444d" providerId="ADAL" clId="{204A0C2B-7D07-4EE7-8784-E9AA73766C00}" dt="2021-09-14T11:24:17.970" v="30" actId="1076"/>
+          <ac:chgData name="Mirko Kemna" userId="766ba680-80f5-4b8b-844c-94b6db81444d" providerId="ADAL" clId="{204A0C2B-7D07-4EE7-8784-E9AA73766C00}" dt="2021-09-14T14:20:49.850" v="1135" actId="1076"/>
           <ac:cxnSpMkLst>
             <pc:docMk/>
             <pc:sldMk cId="4208012773" sldId="258"/>
@@ -689,7 +723,7 @@
           </ac:cxnSpMkLst>
         </pc:cxnChg>
         <pc:cxnChg chg="mod">
-          <ac:chgData name="Mirko Kemna" userId="766ba680-80f5-4b8b-844c-94b6db81444d" providerId="ADAL" clId="{204A0C2B-7D07-4EE7-8784-E9AA73766C00}" dt="2021-09-14T11:24:17.970" v="30" actId="1076"/>
+          <ac:chgData name="Mirko Kemna" userId="766ba680-80f5-4b8b-844c-94b6db81444d" providerId="ADAL" clId="{204A0C2B-7D07-4EE7-8784-E9AA73766C00}" dt="2021-09-14T14:20:49.850" v="1135" actId="1076"/>
           <ac:cxnSpMkLst>
             <pc:docMk/>
             <pc:sldMk cId="4208012773" sldId="258"/>
@@ -697,7 +731,7 @@
           </ac:cxnSpMkLst>
         </pc:cxnChg>
         <pc:cxnChg chg="mod">
-          <ac:chgData name="Mirko Kemna" userId="766ba680-80f5-4b8b-844c-94b6db81444d" providerId="ADAL" clId="{204A0C2B-7D07-4EE7-8784-E9AA73766C00}" dt="2021-09-14T11:24:17.970" v="30" actId="1076"/>
+          <ac:chgData name="Mirko Kemna" userId="766ba680-80f5-4b8b-844c-94b6db81444d" providerId="ADAL" clId="{204A0C2B-7D07-4EE7-8784-E9AA73766C00}" dt="2021-09-14T14:20:49.850" v="1135" actId="1076"/>
           <ac:cxnSpMkLst>
             <pc:docMk/>
             <pc:sldMk cId="4208012773" sldId="258"/>
@@ -705,7 +739,39 @@
           </ac:cxnSpMkLst>
         </pc:cxnChg>
         <pc:cxnChg chg="mod">
-          <ac:chgData name="Mirko Kemna" userId="766ba680-80f5-4b8b-844c-94b6db81444d" providerId="ADAL" clId="{204A0C2B-7D07-4EE7-8784-E9AA73766C00}" dt="2021-09-14T11:26:41.997" v="58" actId="1076"/>
+          <ac:chgData name="Mirko Kemna" userId="766ba680-80f5-4b8b-844c-94b6db81444d" providerId="ADAL" clId="{204A0C2B-7D07-4EE7-8784-E9AA73766C00}" dt="2021-09-14T14:20:49.850" v="1135" actId="1076"/>
+          <ac:cxnSpMkLst>
+            <pc:docMk/>
+            <pc:sldMk cId="4208012773" sldId="258"/>
+            <ac:cxnSpMk id="17" creationId="{B35790C6-8461-401A-943A-064932ECE41E}"/>
+          </ac:cxnSpMkLst>
+        </pc:cxnChg>
+        <pc:cxnChg chg="mod">
+          <ac:chgData name="Mirko Kemna" userId="766ba680-80f5-4b8b-844c-94b6db81444d" providerId="ADAL" clId="{204A0C2B-7D07-4EE7-8784-E9AA73766C00}" dt="2021-09-14T14:20:49.850" v="1135" actId="1076"/>
+          <ac:cxnSpMkLst>
+            <pc:docMk/>
+            <pc:sldMk cId="4208012773" sldId="258"/>
+            <ac:cxnSpMk id="18" creationId="{5054011F-3EED-44D9-9B55-04B844ADCDA6}"/>
+          </ac:cxnSpMkLst>
+        </pc:cxnChg>
+        <pc:cxnChg chg="mod">
+          <ac:chgData name="Mirko Kemna" userId="766ba680-80f5-4b8b-844c-94b6db81444d" providerId="ADAL" clId="{204A0C2B-7D07-4EE7-8784-E9AA73766C00}" dt="2021-09-14T14:20:49.850" v="1135" actId="1076"/>
+          <ac:cxnSpMkLst>
+            <pc:docMk/>
+            <pc:sldMk cId="4208012773" sldId="258"/>
+            <ac:cxnSpMk id="20" creationId="{8E08EDA3-72D9-4DF2-B630-66CC9F279EFA}"/>
+          </ac:cxnSpMkLst>
+        </pc:cxnChg>
+        <pc:cxnChg chg="mod">
+          <ac:chgData name="Mirko Kemna" userId="766ba680-80f5-4b8b-844c-94b6db81444d" providerId="ADAL" clId="{204A0C2B-7D07-4EE7-8784-E9AA73766C00}" dt="2021-09-14T14:20:49.850" v="1135" actId="1076"/>
+          <ac:cxnSpMkLst>
+            <pc:docMk/>
+            <pc:sldMk cId="4208012773" sldId="258"/>
+            <ac:cxnSpMk id="21" creationId="{ED77EB89-76EB-4EF9-AEA1-392115DDD5BD}"/>
+          </ac:cxnSpMkLst>
+        </pc:cxnChg>
+        <pc:cxnChg chg="mod">
+          <ac:chgData name="Mirko Kemna" userId="766ba680-80f5-4b8b-844c-94b6db81444d" providerId="ADAL" clId="{204A0C2B-7D07-4EE7-8784-E9AA73766C00}" dt="2021-09-14T14:20:49.850" v="1135" actId="1076"/>
           <ac:cxnSpMkLst>
             <pc:docMk/>
             <pc:sldMk cId="4208012773" sldId="258"/>
@@ -713,7 +779,7 @@
           </ac:cxnSpMkLst>
         </pc:cxnChg>
         <pc:cxnChg chg="mod">
-          <ac:chgData name="Mirko Kemna" userId="766ba680-80f5-4b8b-844c-94b6db81444d" providerId="ADAL" clId="{204A0C2B-7D07-4EE7-8784-E9AA73766C00}" dt="2021-09-14T11:26:41.997" v="58" actId="1076"/>
+          <ac:chgData name="Mirko Kemna" userId="766ba680-80f5-4b8b-844c-94b6db81444d" providerId="ADAL" clId="{204A0C2B-7D07-4EE7-8784-E9AA73766C00}" dt="2021-09-14T14:20:49.850" v="1135" actId="1076"/>
           <ac:cxnSpMkLst>
             <pc:docMk/>
             <pc:sldMk cId="4208012773" sldId="258"/>
@@ -721,7 +787,7 @@
           </ac:cxnSpMkLst>
         </pc:cxnChg>
         <pc:cxnChg chg="add mod">
-          <ac:chgData name="Mirko Kemna" userId="766ba680-80f5-4b8b-844c-94b6db81444d" providerId="ADAL" clId="{204A0C2B-7D07-4EE7-8784-E9AA73766C00}" dt="2021-09-14T11:26:57.472" v="60" actId="1076"/>
+          <ac:chgData name="Mirko Kemna" userId="766ba680-80f5-4b8b-844c-94b6db81444d" providerId="ADAL" clId="{204A0C2B-7D07-4EE7-8784-E9AA73766C00}" dt="2021-09-14T14:20:49.850" v="1135" actId="1076"/>
           <ac:cxnSpMkLst>
             <pc:docMk/>
             <pc:sldMk cId="4208012773" sldId="258"/>
@@ -729,7 +795,7 @@
           </ac:cxnSpMkLst>
         </pc:cxnChg>
         <pc:cxnChg chg="add mod">
-          <ac:chgData name="Mirko Kemna" userId="766ba680-80f5-4b8b-844c-94b6db81444d" providerId="ADAL" clId="{204A0C2B-7D07-4EE7-8784-E9AA73766C00}" dt="2021-09-14T11:26:57.472" v="60" actId="1076"/>
+          <ac:chgData name="Mirko Kemna" userId="766ba680-80f5-4b8b-844c-94b6db81444d" providerId="ADAL" clId="{204A0C2B-7D07-4EE7-8784-E9AA73766C00}" dt="2021-09-14T14:20:49.850" v="1135" actId="1076"/>
           <ac:cxnSpMkLst>
             <pc:docMk/>
             <pc:sldMk cId="4208012773" sldId="258"/>
@@ -738,11 +804,19 @@
         </pc:cxnChg>
       </pc:sldChg>
       <pc:sldChg chg="modSp mod addAnim delAnim modAnim">
-        <pc:chgData name="Mirko Kemna" userId="766ba680-80f5-4b8b-844c-94b6db81444d" providerId="ADAL" clId="{204A0C2B-7D07-4EE7-8784-E9AA73766C00}" dt="2021-09-14T11:34:28.026" v="297"/>
+        <pc:chgData name="Mirko Kemna" userId="766ba680-80f5-4b8b-844c-94b6db81444d" providerId="ADAL" clId="{204A0C2B-7D07-4EE7-8784-E9AA73766C00}" dt="2021-09-14T14:22:13.184" v="1161" actId="1076"/>
         <pc:sldMkLst>
           <pc:docMk/>
           <pc:sldMk cId="1054963303" sldId="259"/>
         </pc:sldMkLst>
+        <pc:spChg chg="mod">
+          <ac:chgData name="Mirko Kemna" userId="766ba680-80f5-4b8b-844c-94b6db81444d" providerId="ADAL" clId="{204A0C2B-7D07-4EE7-8784-E9AA73766C00}" dt="2021-09-14T14:22:13.184" v="1161" actId="1076"/>
+          <ac:spMkLst>
+            <pc:docMk/>
+            <pc:sldMk cId="1054963303" sldId="259"/>
+            <ac:spMk id="2" creationId="{30CBF522-2B3D-4649-B31E-E2A3286D8727}"/>
+          </ac:spMkLst>
+        </pc:spChg>
         <pc:spChg chg="mod">
           <ac:chgData name="Mirko Kemna" userId="766ba680-80f5-4b8b-844c-94b6db81444d" providerId="ADAL" clId="{204A0C2B-7D07-4EE7-8784-E9AA73766C00}" dt="2021-09-14T11:32:24.005" v="292" actId="20577"/>
           <ac:spMkLst>
@@ -769,13 +843,13 @@
         </pc:picChg>
       </pc:sldChg>
       <pc:sldChg chg="modSp mod">
-        <pc:chgData name="Mirko Kemna" userId="766ba680-80f5-4b8b-844c-94b6db81444d" providerId="ADAL" clId="{204A0C2B-7D07-4EE7-8784-E9AA73766C00}" dt="2021-09-14T11:49:25.334" v="1043" actId="20577"/>
+        <pc:chgData name="Mirko Kemna" userId="766ba680-80f5-4b8b-844c-94b6db81444d" providerId="ADAL" clId="{204A0C2B-7D07-4EE7-8784-E9AA73766C00}" dt="2021-09-14T14:28:23.891" v="1410" actId="113"/>
         <pc:sldMkLst>
           <pc:docMk/>
           <pc:sldMk cId="1523047250" sldId="261"/>
         </pc:sldMkLst>
         <pc:spChg chg="mod">
-          <ac:chgData name="Mirko Kemna" userId="766ba680-80f5-4b8b-844c-94b6db81444d" providerId="ADAL" clId="{204A0C2B-7D07-4EE7-8784-E9AA73766C00}" dt="2021-09-14T11:48:17.632" v="916" actId="115"/>
+          <ac:chgData name="Mirko Kemna" userId="766ba680-80f5-4b8b-844c-94b6db81444d" providerId="ADAL" clId="{204A0C2B-7D07-4EE7-8784-E9AA73766C00}" dt="2021-09-14T14:28:23.891" v="1410" actId="113"/>
           <ac:spMkLst>
             <pc:docMk/>
             <pc:sldMk cId="1523047250" sldId="261"/>
@@ -791,18 +865,26 @@
           </ac:spMkLst>
         </pc:spChg>
       </pc:sldChg>
-      <pc:sldChg chg="modSp mod">
-        <pc:chgData name="Mirko Kemna" userId="766ba680-80f5-4b8b-844c-94b6db81444d" providerId="ADAL" clId="{204A0C2B-7D07-4EE7-8784-E9AA73766C00}" dt="2021-09-14T11:49:01.148" v="975" actId="20577"/>
+      <pc:sldChg chg="modSp mod modAnim">
+        <pc:chgData name="Mirko Kemna" userId="766ba680-80f5-4b8b-844c-94b6db81444d" providerId="ADAL" clId="{204A0C2B-7D07-4EE7-8784-E9AA73766C00}" dt="2021-09-14T14:22:31.541" v="1167" actId="1076"/>
         <pc:sldMkLst>
           <pc:docMk/>
           <pc:sldMk cId="2610409452" sldId="262"/>
         </pc:sldMkLst>
         <pc:spChg chg="mod">
-          <ac:chgData name="Mirko Kemna" userId="766ba680-80f5-4b8b-844c-94b6db81444d" providerId="ADAL" clId="{204A0C2B-7D07-4EE7-8784-E9AA73766C00}" dt="2021-09-14T11:49:01.148" v="975" actId="20577"/>
+          <ac:chgData name="Mirko Kemna" userId="766ba680-80f5-4b8b-844c-94b6db81444d" providerId="ADAL" clId="{204A0C2B-7D07-4EE7-8784-E9AA73766C00}" dt="2021-09-14T14:22:31.541" v="1167" actId="1076"/>
           <ac:spMkLst>
             <pc:docMk/>
             <pc:sldMk cId="2610409452" sldId="262"/>
             <ac:spMk id="2" creationId="{39EAE677-CE3D-40D7-B5FF-7DE39F514C15}"/>
+          </ac:spMkLst>
+        </pc:spChg>
+        <pc:spChg chg="mod">
+          <ac:chgData name="Mirko Kemna" userId="766ba680-80f5-4b8b-844c-94b6db81444d" providerId="ADAL" clId="{204A0C2B-7D07-4EE7-8784-E9AA73766C00}" dt="2021-09-14T14:20:25.986" v="1128" actId="20577"/>
+          <ac:spMkLst>
+            <pc:docMk/>
+            <pc:sldMk cId="2610409452" sldId="262"/>
+            <ac:spMk id="24" creationId="{CA5BD58C-5AFB-41D8-839A-0F8F35487B51}"/>
           </ac:spMkLst>
         </pc:spChg>
       </pc:sldChg>
@@ -845,13 +927,205 @@
         </pc:cxnChg>
       </pc:sldChg>
       <pc:sldChg chg="modSp mod">
-        <pc:chgData name="Mirko Kemna" userId="766ba680-80f5-4b8b-844c-94b6db81444d" providerId="ADAL" clId="{204A0C2B-7D07-4EE7-8784-E9AA73766C00}" dt="2021-09-14T11:19:20.954" v="6" actId="693"/>
+        <pc:chgData name="Mirko Kemna" userId="766ba680-80f5-4b8b-844c-94b6db81444d" providerId="ADAL" clId="{204A0C2B-7D07-4EE7-8784-E9AA73766C00}" dt="2021-09-14T14:42:03.549" v="1411" actId="1076"/>
         <pc:sldMkLst>
           <pc:docMk/>
           <pc:sldMk cId="313094328" sldId="266"/>
         </pc:sldMkLst>
+        <pc:spChg chg="mod">
+          <ac:chgData name="Mirko Kemna" userId="766ba680-80f5-4b8b-844c-94b6db81444d" providerId="ADAL" clId="{204A0C2B-7D07-4EE7-8784-E9AA73766C00}" dt="2021-09-14T14:42:03.549" v="1411" actId="1076"/>
+          <ac:spMkLst>
+            <pc:docMk/>
+            <pc:sldMk cId="313094328" sldId="266"/>
+            <ac:spMk id="3" creationId="{34E240DF-0ED9-4C4F-B4BF-CC1CEC3CE465}"/>
+          </ac:spMkLst>
+        </pc:spChg>
+        <pc:spChg chg="mod">
+          <ac:chgData name="Mirko Kemna" userId="766ba680-80f5-4b8b-844c-94b6db81444d" providerId="ADAL" clId="{204A0C2B-7D07-4EE7-8784-E9AA73766C00}" dt="2021-09-14T14:42:03.549" v="1411" actId="1076"/>
+          <ac:spMkLst>
+            <pc:docMk/>
+            <pc:sldMk cId="313094328" sldId="266"/>
+            <ac:spMk id="5" creationId="{B7A43F33-6DFE-4DFC-9CEA-F138513BDE16}"/>
+          </ac:spMkLst>
+        </pc:spChg>
+        <pc:spChg chg="mod">
+          <ac:chgData name="Mirko Kemna" userId="766ba680-80f5-4b8b-844c-94b6db81444d" providerId="ADAL" clId="{204A0C2B-7D07-4EE7-8784-E9AA73766C00}" dt="2021-09-14T14:42:03.549" v="1411" actId="1076"/>
+          <ac:spMkLst>
+            <pc:docMk/>
+            <pc:sldMk cId="313094328" sldId="266"/>
+            <ac:spMk id="6" creationId="{3890082E-3E76-47B7-8ADA-2012B9F2B747}"/>
+          </ac:spMkLst>
+        </pc:spChg>
+        <pc:spChg chg="mod">
+          <ac:chgData name="Mirko Kemna" userId="766ba680-80f5-4b8b-844c-94b6db81444d" providerId="ADAL" clId="{204A0C2B-7D07-4EE7-8784-E9AA73766C00}" dt="2021-09-14T14:42:03.549" v="1411" actId="1076"/>
+          <ac:spMkLst>
+            <pc:docMk/>
+            <pc:sldMk cId="313094328" sldId="266"/>
+            <ac:spMk id="7" creationId="{13FB39A7-0969-41EF-A3C5-FCE109381EFA}"/>
+          </ac:spMkLst>
+        </pc:spChg>
+        <pc:spChg chg="mod">
+          <ac:chgData name="Mirko Kemna" userId="766ba680-80f5-4b8b-844c-94b6db81444d" providerId="ADAL" clId="{204A0C2B-7D07-4EE7-8784-E9AA73766C00}" dt="2021-09-14T14:42:03.549" v="1411" actId="1076"/>
+          <ac:spMkLst>
+            <pc:docMk/>
+            <pc:sldMk cId="313094328" sldId="266"/>
+            <ac:spMk id="8" creationId="{FD02D056-1634-46BA-8483-61D02ADCA081}"/>
+          </ac:spMkLst>
+        </pc:spChg>
+        <pc:spChg chg="mod">
+          <ac:chgData name="Mirko Kemna" userId="766ba680-80f5-4b8b-844c-94b6db81444d" providerId="ADAL" clId="{204A0C2B-7D07-4EE7-8784-E9AA73766C00}" dt="2021-09-14T14:42:03.549" v="1411" actId="1076"/>
+          <ac:spMkLst>
+            <pc:docMk/>
+            <pc:sldMk cId="313094328" sldId="266"/>
+            <ac:spMk id="9" creationId="{0453CFCF-FFBA-4A33-85BF-17F7E8EF173B}"/>
+          </ac:spMkLst>
+        </pc:spChg>
+        <pc:spChg chg="mod">
+          <ac:chgData name="Mirko Kemna" userId="766ba680-80f5-4b8b-844c-94b6db81444d" providerId="ADAL" clId="{204A0C2B-7D07-4EE7-8784-E9AA73766C00}" dt="2021-09-14T14:42:03.549" v="1411" actId="1076"/>
+          <ac:spMkLst>
+            <pc:docMk/>
+            <pc:sldMk cId="313094328" sldId="266"/>
+            <ac:spMk id="10" creationId="{408C059C-3CC4-49FB-92B7-44C5FA0BE325}"/>
+          </ac:spMkLst>
+        </pc:spChg>
+        <pc:spChg chg="mod">
+          <ac:chgData name="Mirko Kemna" userId="766ba680-80f5-4b8b-844c-94b6db81444d" providerId="ADAL" clId="{204A0C2B-7D07-4EE7-8784-E9AA73766C00}" dt="2021-09-14T14:42:03.549" v="1411" actId="1076"/>
+          <ac:spMkLst>
+            <pc:docMk/>
+            <pc:sldMk cId="313094328" sldId="266"/>
+            <ac:spMk id="14" creationId="{7588D91F-BBA2-4723-86D7-E9F0F4E038D9}"/>
+          </ac:spMkLst>
+        </pc:spChg>
+        <pc:spChg chg="mod">
+          <ac:chgData name="Mirko Kemna" userId="766ba680-80f5-4b8b-844c-94b6db81444d" providerId="ADAL" clId="{204A0C2B-7D07-4EE7-8784-E9AA73766C00}" dt="2021-09-14T14:42:03.549" v="1411" actId="1076"/>
+          <ac:spMkLst>
+            <pc:docMk/>
+            <pc:sldMk cId="313094328" sldId="266"/>
+            <ac:spMk id="15" creationId="{957B1B2C-09C7-4C3B-A84B-541C197CDA49}"/>
+          </ac:spMkLst>
+        </pc:spChg>
+        <pc:spChg chg="mod">
+          <ac:chgData name="Mirko Kemna" userId="766ba680-80f5-4b8b-844c-94b6db81444d" providerId="ADAL" clId="{204A0C2B-7D07-4EE7-8784-E9AA73766C00}" dt="2021-09-14T14:42:03.549" v="1411" actId="1076"/>
+          <ac:spMkLst>
+            <pc:docMk/>
+            <pc:sldMk cId="313094328" sldId="266"/>
+            <ac:spMk id="16" creationId="{14549752-D585-40D1-97D4-A71FB4240252}"/>
+          </ac:spMkLst>
+        </pc:spChg>
+        <pc:spChg chg="mod">
+          <ac:chgData name="Mirko Kemna" userId="766ba680-80f5-4b8b-844c-94b6db81444d" providerId="ADAL" clId="{204A0C2B-7D07-4EE7-8784-E9AA73766C00}" dt="2021-09-14T14:42:03.549" v="1411" actId="1076"/>
+          <ac:spMkLst>
+            <pc:docMk/>
+            <pc:sldMk cId="313094328" sldId="266"/>
+            <ac:spMk id="17" creationId="{5A662789-9D6E-4230-89FC-063262C0F6A2}"/>
+          </ac:spMkLst>
+        </pc:spChg>
+        <pc:spChg chg="mod">
+          <ac:chgData name="Mirko Kemna" userId="766ba680-80f5-4b8b-844c-94b6db81444d" providerId="ADAL" clId="{204A0C2B-7D07-4EE7-8784-E9AA73766C00}" dt="2021-09-14T14:42:03.549" v="1411" actId="1076"/>
+          <ac:spMkLst>
+            <pc:docMk/>
+            <pc:sldMk cId="313094328" sldId="266"/>
+            <ac:spMk id="18" creationId="{DE6FFF2E-664C-4C33-8062-3D8490673DFB}"/>
+          </ac:spMkLst>
+        </pc:spChg>
+        <pc:spChg chg="mod">
+          <ac:chgData name="Mirko Kemna" userId="766ba680-80f5-4b8b-844c-94b6db81444d" providerId="ADAL" clId="{204A0C2B-7D07-4EE7-8784-E9AA73766C00}" dt="2021-09-14T14:42:03.549" v="1411" actId="1076"/>
+          <ac:spMkLst>
+            <pc:docMk/>
+            <pc:sldMk cId="313094328" sldId="266"/>
+            <ac:spMk id="19" creationId="{5988A77F-D1F8-467D-9545-C3922B2A0402}"/>
+          </ac:spMkLst>
+        </pc:spChg>
+        <pc:spChg chg="mod">
+          <ac:chgData name="Mirko Kemna" userId="766ba680-80f5-4b8b-844c-94b6db81444d" providerId="ADAL" clId="{204A0C2B-7D07-4EE7-8784-E9AA73766C00}" dt="2021-09-14T14:42:03.549" v="1411" actId="1076"/>
+          <ac:spMkLst>
+            <pc:docMk/>
+            <pc:sldMk cId="313094328" sldId="266"/>
+            <ac:spMk id="20" creationId="{D7DDA800-359D-41B0-B332-95925035A21C}"/>
+          </ac:spMkLst>
+        </pc:spChg>
+        <pc:spChg chg="mod">
+          <ac:chgData name="Mirko Kemna" userId="766ba680-80f5-4b8b-844c-94b6db81444d" providerId="ADAL" clId="{204A0C2B-7D07-4EE7-8784-E9AA73766C00}" dt="2021-09-14T14:42:03.549" v="1411" actId="1076"/>
+          <ac:spMkLst>
+            <pc:docMk/>
+            <pc:sldMk cId="313094328" sldId="266"/>
+            <ac:spMk id="21" creationId="{B937DCD5-052E-45F2-9865-81D8AE4CE8FB}"/>
+          </ac:spMkLst>
+        </pc:spChg>
+        <pc:spChg chg="mod">
+          <ac:chgData name="Mirko Kemna" userId="766ba680-80f5-4b8b-844c-94b6db81444d" providerId="ADAL" clId="{204A0C2B-7D07-4EE7-8784-E9AA73766C00}" dt="2021-09-14T14:42:03.549" v="1411" actId="1076"/>
+          <ac:spMkLst>
+            <pc:docMk/>
+            <pc:sldMk cId="313094328" sldId="266"/>
+            <ac:spMk id="23" creationId="{ECA4F09A-AFAE-4ECC-B4C0-DC0EECF37A6B}"/>
+          </ac:spMkLst>
+        </pc:spChg>
+        <pc:spChg chg="mod">
+          <ac:chgData name="Mirko Kemna" userId="766ba680-80f5-4b8b-844c-94b6db81444d" providerId="ADAL" clId="{204A0C2B-7D07-4EE7-8784-E9AA73766C00}" dt="2021-09-14T14:42:03.549" v="1411" actId="1076"/>
+          <ac:spMkLst>
+            <pc:docMk/>
+            <pc:sldMk cId="313094328" sldId="266"/>
+            <ac:spMk id="24" creationId="{E224A601-B199-496F-A979-E8F44113E593}"/>
+          </ac:spMkLst>
+        </pc:spChg>
+        <pc:spChg chg="mod">
+          <ac:chgData name="Mirko Kemna" userId="766ba680-80f5-4b8b-844c-94b6db81444d" providerId="ADAL" clId="{204A0C2B-7D07-4EE7-8784-E9AA73766C00}" dt="2021-09-14T14:42:03.549" v="1411" actId="1076"/>
+          <ac:spMkLst>
+            <pc:docMk/>
+            <pc:sldMk cId="313094328" sldId="266"/>
+            <ac:spMk id="25" creationId="{52945A5C-46BF-4D5B-ACDD-0DCBAA2E98BA}"/>
+          </ac:spMkLst>
+        </pc:spChg>
+        <pc:spChg chg="mod">
+          <ac:chgData name="Mirko Kemna" userId="766ba680-80f5-4b8b-844c-94b6db81444d" providerId="ADAL" clId="{204A0C2B-7D07-4EE7-8784-E9AA73766C00}" dt="2021-09-14T14:42:03.549" v="1411" actId="1076"/>
+          <ac:spMkLst>
+            <pc:docMk/>
+            <pc:sldMk cId="313094328" sldId="266"/>
+            <ac:spMk id="53" creationId="{0413C4C2-D281-462C-9D41-92B9F3FE257D}"/>
+          </ac:spMkLst>
+        </pc:spChg>
+        <pc:spChg chg="mod">
+          <ac:chgData name="Mirko Kemna" userId="766ba680-80f5-4b8b-844c-94b6db81444d" providerId="ADAL" clId="{204A0C2B-7D07-4EE7-8784-E9AA73766C00}" dt="2021-09-14T14:42:03.549" v="1411" actId="1076"/>
+          <ac:spMkLst>
+            <pc:docMk/>
+            <pc:sldMk cId="313094328" sldId="266"/>
+            <ac:spMk id="70" creationId="{989ECFE4-55AE-4CAD-A54D-30AE67000CF1}"/>
+          </ac:spMkLst>
+        </pc:spChg>
         <pc:cxnChg chg="mod">
-          <ac:chgData name="Mirko Kemna" userId="766ba680-80f5-4b8b-844c-94b6db81444d" providerId="ADAL" clId="{204A0C2B-7D07-4EE7-8784-E9AA73766C00}" dt="2021-09-14T11:19:20.954" v="6" actId="693"/>
+          <ac:chgData name="Mirko Kemna" userId="766ba680-80f5-4b8b-844c-94b6db81444d" providerId="ADAL" clId="{204A0C2B-7D07-4EE7-8784-E9AA73766C00}" dt="2021-09-14T14:42:03.549" v="1411" actId="1076"/>
+          <ac:cxnSpMkLst>
+            <pc:docMk/>
+            <pc:sldMk cId="313094328" sldId="266"/>
+            <ac:cxnSpMk id="27" creationId="{42ADA02A-A6F0-4EE7-8F94-C1472814F057}"/>
+          </ac:cxnSpMkLst>
+        </pc:cxnChg>
+        <pc:cxnChg chg="mod">
+          <ac:chgData name="Mirko Kemna" userId="766ba680-80f5-4b8b-844c-94b6db81444d" providerId="ADAL" clId="{204A0C2B-7D07-4EE7-8784-E9AA73766C00}" dt="2021-09-14T14:42:03.549" v="1411" actId="1076"/>
+          <ac:cxnSpMkLst>
+            <pc:docMk/>
+            <pc:sldMk cId="313094328" sldId="266"/>
+            <ac:cxnSpMk id="32" creationId="{5DDFFDA6-2A34-40EB-8A6C-BB78B5B834DF}"/>
+          </ac:cxnSpMkLst>
+        </pc:cxnChg>
+        <pc:cxnChg chg="mod">
+          <ac:chgData name="Mirko Kemna" userId="766ba680-80f5-4b8b-844c-94b6db81444d" providerId="ADAL" clId="{204A0C2B-7D07-4EE7-8784-E9AA73766C00}" dt="2021-09-14T14:42:03.549" v="1411" actId="1076"/>
+          <ac:cxnSpMkLst>
+            <pc:docMk/>
+            <pc:sldMk cId="313094328" sldId="266"/>
+            <ac:cxnSpMk id="36" creationId="{8784C301-3448-4E70-9D24-F8812F82B8A0}"/>
+          </ac:cxnSpMkLst>
+        </pc:cxnChg>
+        <pc:cxnChg chg="mod">
+          <ac:chgData name="Mirko Kemna" userId="766ba680-80f5-4b8b-844c-94b6db81444d" providerId="ADAL" clId="{204A0C2B-7D07-4EE7-8784-E9AA73766C00}" dt="2021-09-14T14:42:03.549" v="1411" actId="1076"/>
+          <ac:cxnSpMkLst>
+            <pc:docMk/>
+            <pc:sldMk cId="313094328" sldId="266"/>
+            <ac:cxnSpMk id="39" creationId="{5E54D718-6845-40CF-BDFF-0B3813CC7F90}"/>
+          </ac:cxnSpMkLst>
+        </pc:cxnChg>
+        <pc:cxnChg chg="mod">
+          <ac:chgData name="Mirko Kemna" userId="766ba680-80f5-4b8b-844c-94b6db81444d" providerId="ADAL" clId="{204A0C2B-7D07-4EE7-8784-E9AA73766C00}" dt="2021-09-14T14:42:03.549" v="1411" actId="1076"/>
           <ac:cxnSpMkLst>
             <pc:docMk/>
             <pc:sldMk cId="313094328" sldId="266"/>
@@ -859,11 +1133,19 @@
           </ac:cxnSpMkLst>
         </pc:cxnChg>
         <pc:cxnChg chg="mod">
-          <ac:chgData name="Mirko Kemna" userId="766ba680-80f5-4b8b-844c-94b6db81444d" providerId="ADAL" clId="{204A0C2B-7D07-4EE7-8784-E9AA73766C00}" dt="2021-09-14T11:19:20.954" v="6" actId="693"/>
+          <ac:chgData name="Mirko Kemna" userId="766ba680-80f5-4b8b-844c-94b6db81444d" providerId="ADAL" clId="{204A0C2B-7D07-4EE7-8784-E9AA73766C00}" dt="2021-09-14T14:42:03.549" v="1411" actId="1076"/>
           <ac:cxnSpMkLst>
             <pc:docMk/>
             <pc:sldMk cId="313094328" sldId="266"/>
             <ac:cxnSpMk id="45" creationId="{81823104-B156-4336-AA5E-B08F8A93F432}"/>
+          </ac:cxnSpMkLst>
+        </pc:cxnChg>
+        <pc:cxnChg chg="mod">
+          <ac:chgData name="Mirko Kemna" userId="766ba680-80f5-4b8b-844c-94b6db81444d" providerId="ADAL" clId="{204A0C2B-7D07-4EE7-8784-E9AA73766C00}" dt="2021-09-14T14:42:03.549" v="1411" actId="1076"/>
+          <ac:cxnSpMkLst>
+            <pc:docMk/>
+            <pc:sldMk cId="313094328" sldId="266"/>
+            <ac:cxnSpMk id="67" creationId="{7ABF4063-0A3B-4F87-ACAE-8751905DD324}"/>
           </ac:cxnSpMkLst>
         </pc:cxnChg>
       </pc:sldChg>
@@ -895,7 +1177,7 @@
   <pc:docChgLst>
     <pc:chgData name="Mirko Kemna" userId="766ba680-80f5-4b8b-844c-94b6db81444d" providerId="ADAL" clId="{87F0ABD2-00E9-4B91-AAD3-5244124A3C47}"/>
     <pc:docChg chg="undo redo custSel addSld delSld modSld sldOrd">
-      <pc:chgData name="Mirko Kemna" userId="766ba680-80f5-4b8b-844c-94b6db81444d" providerId="ADAL" clId="{87F0ABD2-00E9-4B91-AAD3-5244124A3C47}" dt="2021-09-07T23:21:52.192" v="2949" actId="20577"/>
+      <pc:chgData name="Mirko Kemna" userId="766ba680-80f5-4b8b-844c-94b6db81444d" providerId="ADAL" clId="{87F0ABD2-00E9-4B91-AAD3-5244124A3C47}" dt="2021-09-14T16:35:19.408" v="3827" actId="20577"/>
       <pc:docMkLst>
         <pc:docMk/>
       </pc:docMkLst>
@@ -922,8 +1204,8 @@
           </ac:spMkLst>
         </pc:spChg>
       </pc:sldChg>
-      <pc:sldChg chg="modSp mod">
-        <pc:chgData name="Mirko Kemna" userId="766ba680-80f5-4b8b-844c-94b6db81444d" providerId="ADAL" clId="{87F0ABD2-00E9-4B91-AAD3-5244124A3C47}" dt="2021-09-07T13:56:16.759" v="2840" actId="20577"/>
+      <pc:sldChg chg="addSp modSp mod modAnim">
+        <pc:chgData name="Mirko Kemna" userId="766ba680-80f5-4b8b-844c-94b6db81444d" providerId="ADAL" clId="{87F0ABD2-00E9-4B91-AAD3-5244124A3C47}" dt="2021-09-14T16:21:26.805" v="3726"/>
         <pc:sldMkLst>
           <pc:docMk/>
           <pc:sldMk cId="3139671170" sldId="257"/>
@@ -937,11 +1219,19 @@
           </ac:spMkLst>
         </pc:spChg>
         <pc:spChg chg="mod">
-          <ac:chgData name="Mirko Kemna" userId="766ba680-80f5-4b8b-844c-94b6db81444d" providerId="ADAL" clId="{87F0ABD2-00E9-4B91-AAD3-5244124A3C47}" dt="2021-09-07T13:56:16.759" v="2840" actId="20577"/>
+          <ac:chgData name="Mirko Kemna" userId="766ba680-80f5-4b8b-844c-94b6db81444d" providerId="ADAL" clId="{87F0ABD2-00E9-4B91-AAD3-5244124A3C47}" dt="2021-09-14T16:03:31.237" v="3656" actId="20577"/>
           <ac:spMkLst>
             <pc:docMk/>
             <pc:sldMk cId="3139671170" sldId="257"/>
             <ac:spMk id="3" creationId="{235F4D5B-469D-4C7D-836B-235AEC760401}"/>
+          </ac:spMkLst>
+        </pc:spChg>
+        <pc:spChg chg="add mod">
+          <ac:chgData name="Mirko Kemna" userId="766ba680-80f5-4b8b-844c-94b6db81444d" providerId="ADAL" clId="{87F0ABD2-00E9-4B91-AAD3-5244124A3C47}" dt="2021-09-14T16:21:19.537" v="3725" actId="115"/>
+          <ac:spMkLst>
+            <pc:docMk/>
+            <pc:sldMk cId="3139671170" sldId="257"/>
+            <ac:spMk id="4" creationId="{22F70C97-AA33-4F59-97B3-26309D7C3442}"/>
           </ac:spMkLst>
         </pc:spChg>
       </pc:sldChg>
@@ -1007,8 +1297,8 @@
           </ac:picMkLst>
         </pc:picChg>
       </pc:sldChg>
-      <pc:sldChg chg="addSp delSp modSp mod ord">
-        <pc:chgData name="Mirko Kemna" userId="766ba680-80f5-4b8b-844c-94b6db81444d" providerId="ADAL" clId="{87F0ABD2-00E9-4B91-AAD3-5244124A3C47}" dt="2021-09-07T10:17:04.819" v="788" actId="21"/>
+      <pc:sldChg chg="addSp delSp modSp mod ord modAnim">
+        <pc:chgData name="Mirko Kemna" userId="766ba680-80f5-4b8b-844c-94b6db81444d" providerId="ADAL" clId="{87F0ABD2-00E9-4B91-AAD3-5244124A3C47}" dt="2021-09-14T16:35:19.408" v="3827" actId="20577"/>
         <pc:sldMkLst>
           <pc:docMk/>
           <pc:sldMk cId="1523047250" sldId="261"/>
@@ -1022,7 +1312,7 @@
           </ac:spMkLst>
         </pc:spChg>
         <pc:spChg chg="mod">
-          <ac:chgData name="Mirko Kemna" userId="766ba680-80f5-4b8b-844c-94b6db81444d" providerId="ADAL" clId="{87F0ABD2-00E9-4B91-AAD3-5244124A3C47}" dt="2021-09-07T10:11:15.555" v="779" actId="20577"/>
+          <ac:chgData name="Mirko Kemna" userId="766ba680-80f5-4b8b-844c-94b6db81444d" providerId="ADAL" clId="{87F0ABD2-00E9-4B91-AAD3-5244124A3C47}" dt="2021-09-14T16:35:19.408" v="3827" actId="20577"/>
           <ac:spMkLst>
             <pc:docMk/>
             <pc:sldMk cId="1523047250" sldId="261"/>
@@ -1030,7 +1320,7 @@
           </ac:spMkLst>
         </pc:spChg>
         <pc:spChg chg="add mod">
-          <ac:chgData name="Mirko Kemna" userId="766ba680-80f5-4b8b-844c-94b6db81444d" providerId="ADAL" clId="{87F0ABD2-00E9-4B91-AAD3-5244124A3C47}" dt="2021-09-07T10:07:59.318" v="744" actId="1076"/>
+          <ac:chgData name="Mirko Kemna" userId="766ba680-80f5-4b8b-844c-94b6db81444d" providerId="ADAL" clId="{87F0ABD2-00E9-4B91-AAD3-5244124A3C47}" dt="2021-09-14T15:37:16.440" v="3343" actId="20577"/>
           <ac:spMkLst>
             <pc:docMk/>
             <pc:sldMk cId="1523047250" sldId="261"/>
@@ -1467,7 +1757,7 @@
         </pc:cxnChg>
       </pc:sldChg>
       <pc:sldChg chg="addSp delSp modSp add mod modAnim">
-        <pc:chgData name="Mirko Kemna" userId="766ba680-80f5-4b8b-844c-94b6db81444d" providerId="ADAL" clId="{87F0ABD2-00E9-4B91-AAD3-5244124A3C47}" dt="2021-09-07T13:19:04.494" v="2770"/>
+        <pc:chgData name="Mirko Kemna" userId="766ba680-80f5-4b8b-844c-94b6db81444d" providerId="ADAL" clId="{87F0ABD2-00E9-4B91-AAD3-5244124A3C47}" dt="2021-09-14T15:47:01.343" v="3386" actId="14100"/>
         <pc:sldMkLst>
           <pc:docMk/>
           <pc:sldMk cId="313094328" sldId="266"/>
@@ -1649,7 +1939,7 @@
           </ac:spMkLst>
         </pc:spChg>
         <pc:spChg chg="add mod">
-          <ac:chgData name="Mirko Kemna" userId="766ba680-80f5-4b8b-844c-94b6db81444d" providerId="ADAL" clId="{87F0ABD2-00E9-4B91-AAD3-5244124A3C47}" dt="2021-09-07T13:00:11.757" v="2528" actId="20577"/>
+          <ac:chgData name="Mirko Kemna" userId="766ba680-80f5-4b8b-844c-94b6db81444d" providerId="ADAL" clId="{87F0ABD2-00E9-4B91-AAD3-5244124A3C47}" dt="2021-09-14T15:47:01.343" v="3386" actId="14100"/>
           <ac:spMkLst>
             <pc:docMk/>
             <pc:sldMk cId="313094328" sldId="266"/>
@@ -1737,14 +2027,14 @@
           </ac:cxnSpMkLst>
         </pc:cxnChg>
       </pc:sldChg>
-      <pc:sldChg chg="addSp delSp modSp add mod">
-        <pc:chgData name="Mirko Kemna" userId="766ba680-80f5-4b8b-844c-94b6db81444d" providerId="ADAL" clId="{87F0ABD2-00E9-4B91-AAD3-5244124A3C47}" dt="2021-09-07T13:19:56.234" v="2773" actId="20577"/>
+      <pc:sldChg chg="addSp delSp modSp add mod addAnim delAnim modAnim">
+        <pc:chgData name="Mirko Kemna" userId="766ba680-80f5-4b8b-844c-94b6db81444d" providerId="ADAL" clId="{87F0ABD2-00E9-4B91-AAD3-5244124A3C47}" dt="2021-09-14T15:59:47.410" v="3485"/>
         <pc:sldMkLst>
           <pc:docMk/>
           <pc:sldMk cId="627450581" sldId="267"/>
         </pc:sldMkLst>
         <pc:spChg chg="mod">
-          <ac:chgData name="Mirko Kemna" userId="766ba680-80f5-4b8b-844c-94b6db81444d" providerId="ADAL" clId="{87F0ABD2-00E9-4B91-AAD3-5244124A3C47}" dt="2021-09-07T13:13:05.798" v="2717" actId="1076"/>
+          <ac:chgData name="Mirko Kemna" userId="766ba680-80f5-4b8b-844c-94b6db81444d" providerId="ADAL" clId="{87F0ABD2-00E9-4B91-AAD3-5244124A3C47}" dt="2021-09-14T15:51:03.609" v="3397" actId="1076"/>
           <ac:spMkLst>
             <pc:docMk/>
             <pc:sldMk cId="627450581" sldId="267"/>
@@ -1752,7 +2042,7 @@
           </ac:spMkLst>
         </pc:spChg>
         <pc:spChg chg="mod">
-          <ac:chgData name="Mirko Kemna" userId="766ba680-80f5-4b8b-844c-94b6db81444d" providerId="ADAL" clId="{87F0ABD2-00E9-4B91-AAD3-5244124A3C47}" dt="2021-09-07T13:13:05.798" v="2717" actId="1076"/>
+          <ac:chgData name="Mirko Kemna" userId="766ba680-80f5-4b8b-844c-94b6db81444d" providerId="ADAL" clId="{87F0ABD2-00E9-4B91-AAD3-5244124A3C47}" dt="2021-09-14T15:51:59.560" v="3409" actId="1076"/>
           <ac:spMkLst>
             <pc:docMk/>
             <pc:sldMk cId="627450581" sldId="267"/>
@@ -1760,7 +2050,7 @@
           </ac:spMkLst>
         </pc:spChg>
         <pc:spChg chg="mod">
-          <ac:chgData name="Mirko Kemna" userId="766ba680-80f5-4b8b-844c-94b6db81444d" providerId="ADAL" clId="{87F0ABD2-00E9-4B91-AAD3-5244124A3C47}" dt="2021-09-07T13:13:05.798" v="2717" actId="1076"/>
+          <ac:chgData name="Mirko Kemna" userId="766ba680-80f5-4b8b-844c-94b6db81444d" providerId="ADAL" clId="{87F0ABD2-00E9-4B91-AAD3-5244124A3C47}" dt="2021-09-14T15:51:59.560" v="3409" actId="1076"/>
           <ac:spMkLst>
             <pc:docMk/>
             <pc:sldMk cId="627450581" sldId="267"/>
@@ -1768,7 +2058,7 @@
           </ac:spMkLst>
         </pc:spChg>
         <pc:spChg chg="mod">
-          <ac:chgData name="Mirko Kemna" userId="766ba680-80f5-4b8b-844c-94b6db81444d" providerId="ADAL" clId="{87F0ABD2-00E9-4B91-AAD3-5244124A3C47}" dt="2021-09-07T13:13:05.798" v="2717" actId="1076"/>
+          <ac:chgData name="Mirko Kemna" userId="766ba680-80f5-4b8b-844c-94b6db81444d" providerId="ADAL" clId="{87F0ABD2-00E9-4B91-AAD3-5244124A3C47}" dt="2021-09-14T15:51:59.560" v="3409" actId="1076"/>
           <ac:spMkLst>
             <pc:docMk/>
             <pc:sldMk cId="627450581" sldId="267"/>
@@ -1776,7 +2066,7 @@
           </ac:spMkLst>
         </pc:spChg>
         <pc:spChg chg="mod">
-          <ac:chgData name="Mirko Kemna" userId="766ba680-80f5-4b8b-844c-94b6db81444d" providerId="ADAL" clId="{87F0ABD2-00E9-4B91-AAD3-5244124A3C47}" dt="2021-09-07T13:13:05.798" v="2717" actId="1076"/>
+          <ac:chgData name="Mirko Kemna" userId="766ba680-80f5-4b8b-844c-94b6db81444d" providerId="ADAL" clId="{87F0ABD2-00E9-4B91-AAD3-5244124A3C47}" dt="2021-09-14T15:51:59.560" v="3409" actId="1076"/>
           <ac:spMkLst>
             <pc:docMk/>
             <pc:sldMk cId="627450581" sldId="267"/>
@@ -1784,7 +2074,7 @@
           </ac:spMkLst>
         </pc:spChg>
         <pc:spChg chg="mod">
-          <ac:chgData name="Mirko Kemna" userId="766ba680-80f5-4b8b-844c-94b6db81444d" providerId="ADAL" clId="{87F0ABD2-00E9-4B91-AAD3-5244124A3C47}" dt="2021-09-07T13:13:05.798" v="2717" actId="1076"/>
+          <ac:chgData name="Mirko Kemna" userId="766ba680-80f5-4b8b-844c-94b6db81444d" providerId="ADAL" clId="{87F0ABD2-00E9-4B91-AAD3-5244124A3C47}" dt="2021-09-14T15:51:59.560" v="3409" actId="1076"/>
           <ac:spMkLst>
             <pc:docMk/>
             <pc:sldMk cId="627450581" sldId="267"/>
@@ -1792,7 +2082,7 @@
           </ac:spMkLst>
         </pc:spChg>
         <pc:spChg chg="mod">
-          <ac:chgData name="Mirko Kemna" userId="766ba680-80f5-4b8b-844c-94b6db81444d" providerId="ADAL" clId="{87F0ABD2-00E9-4B91-AAD3-5244124A3C47}" dt="2021-09-07T13:13:05.798" v="2717" actId="1076"/>
+          <ac:chgData name="Mirko Kemna" userId="766ba680-80f5-4b8b-844c-94b6db81444d" providerId="ADAL" clId="{87F0ABD2-00E9-4B91-AAD3-5244124A3C47}" dt="2021-09-14T15:51:59.560" v="3409" actId="1076"/>
           <ac:spMkLst>
             <pc:docMk/>
             <pc:sldMk cId="627450581" sldId="267"/>
@@ -1872,7 +2162,7 @@
           </ac:spMkLst>
         </pc:spChg>
         <pc:spChg chg="mod">
-          <ac:chgData name="Mirko Kemna" userId="766ba680-80f5-4b8b-844c-94b6db81444d" providerId="ADAL" clId="{87F0ABD2-00E9-4B91-AAD3-5244124A3C47}" dt="2021-09-07T13:15:03.800" v="2762" actId="20577"/>
+          <ac:chgData name="Mirko Kemna" userId="766ba680-80f5-4b8b-844c-94b6db81444d" providerId="ADAL" clId="{87F0ABD2-00E9-4B91-AAD3-5244124A3C47}" dt="2021-09-14T15:51:59.560" v="3409" actId="1076"/>
           <ac:spMkLst>
             <pc:docMk/>
             <pc:sldMk cId="627450581" sldId="267"/>
@@ -1896,7 +2186,7 @@
           </ac:spMkLst>
         </pc:spChg>
         <pc:spChg chg="add mod">
-          <ac:chgData name="Mirko Kemna" userId="766ba680-80f5-4b8b-844c-94b6db81444d" providerId="ADAL" clId="{87F0ABD2-00E9-4B91-AAD3-5244124A3C47}" dt="2021-09-07T13:13:05.798" v="2717" actId="1076"/>
+          <ac:chgData name="Mirko Kemna" userId="766ba680-80f5-4b8b-844c-94b6db81444d" providerId="ADAL" clId="{87F0ABD2-00E9-4B91-AAD3-5244124A3C47}" dt="2021-09-14T15:51:05.663" v="3398" actId="1076"/>
           <ac:spMkLst>
             <pc:docMk/>
             <pc:sldMk cId="627450581" sldId="267"/>
@@ -1904,7 +2194,7 @@
           </ac:spMkLst>
         </pc:spChg>
         <pc:spChg chg="add mod">
-          <ac:chgData name="Mirko Kemna" userId="766ba680-80f5-4b8b-844c-94b6db81444d" providerId="ADAL" clId="{87F0ABD2-00E9-4B91-AAD3-5244124A3C47}" dt="2021-09-07T13:13:05.798" v="2717" actId="1076"/>
+          <ac:chgData name="Mirko Kemna" userId="766ba680-80f5-4b8b-844c-94b6db81444d" providerId="ADAL" clId="{87F0ABD2-00E9-4B91-AAD3-5244124A3C47}" dt="2021-09-14T15:51:59.560" v="3409" actId="1076"/>
           <ac:spMkLst>
             <pc:docMk/>
             <pc:sldMk cId="627450581" sldId="267"/>
@@ -1912,7 +2202,7 @@
           </ac:spMkLst>
         </pc:spChg>
         <pc:spChg chg="add mod">
-          <ac:chgData name="Mirko Kemna" userId="766ba680-80f5-4b8b-844c-94b6db81444d" providerId="ADAL" clId="{87F0ABD2-00E9-4B91-AAD3-5244124A3C47}" dt="2021-09-07T13:13:05.798" v="2717" actId="1076"/>
+          <ac:chgData name="Mirko Kemna" userId="766ba680-80f5-4b8b-844c-94b6db81444d" providerId="ADAL" clId="{87F0ABD2-00E9-4B91-AAD3-5244124A3C47}" dt="2021-09-14T15:51:59.560" v="3409" actId="1076"/>
           <ac:spMkLst>
             <pc:docMk/>
             <pc:sldMk cId="627450581" sldId="267"/>
@@ -1920,7 +2210,7 @@
           </ac:spMkLst>
         </pc:spChg>
         <pc:spChg chg="add mod">
-          <ac:chgData name="Mirko Kemna" userId="766ba680-80f5-4b8b-844c-94b6db81444d" providerId="ADAL" clId="{87F0ABD2-00E9-4B91-AAD3-5244124A3C47}" dt="2021-09-07T13:13:05.798" v="2717" actId="1076"/>
+          <ac:chgData name="Mirko Kemna" userId="766ba680-80f5-4b8b-844c-94b6db81444d" providerId="ADAL" clId="{87F0ABD2-00E9-4B91-AAD3-5244124A3C47}" dt="2021-09-14T15:51:59.560" v="3409" actId="1076"/>
           <ac:spMkLst>
             <pc:docMk/>
             <pc:sldMk cId="627450581" sldId="267"/>
@@ -1928,7 +2218,7 @@
           </ac:spMkLst>
         </pc:spChg>
         <pc:spChg chg="add mod">
-          <ac:chgData name="Mirko Kemna" userId="766ba680-80f5-4b8b-844c-94b6db81444d" providerId="ADAL" clId="{87F0ABD2-00E9-4B91-AAD3-5244124A3C47}" dt="2021-09-07T13:13:05.798" v="2717" actId="1076"/>
+          <ac:chgData name="Mirko Kemna" userId="766ba680-80f5-4b8b-844c-94b6db81444d" providerId="ADAL" clId="{87F0ABD2-00E9-4B91-AAD3-5244124A3C47}" dt="2021-09-14T15:51:59.560" v="3409" actId="1076"/>
           <ac:spMkLst>
             <pc:docMk/>
             <pc:sldMk cId="627450581" sldId="267"/>
@@ -1936,13 +2226,101 @@
           </ac:spMkLst>
         </pc:spChg>
         <pc:spChg chg="add mod">
-          <ac:chgData name="Mirko Kemna" userId="766ba680-80f5-4b8b-844c-94b6db81444d" providerId="ADAL" clId="{87F0ABD2-00E9-4B91-AAD3-5244124A3C47}" dt="2021-09-07T13:14:32.233" v="2751" actId="20577"/>
+          <ac:chgData name="Mirko Kemna" userId="766ba680-80f5-4b8b-844c-94b6db81444d" providerId="ADAL" clId="{87F0ABD2-00E9-4B91-AAD3-5244124A3C47}" dt="2021-09-14T15:51:59.560" v="3409" actId="1076"/>
           <ac:spMkLst>
             <pc:docMk/>
             <pc:sldMk cId="627450581" sldId="267"/>
             <ac:spMk id="37" creationId="{398540F1-D789-4D46-A04E-849E795250FF}"/>
           </ac:spMkLst>
         </pc:spChg>
+        <pc:spChg chg="add mod">
+          <ac:chgData name="Mirko Kemna" userId="766ba680-80f5-4b8b-844c-94b6db81444d" providerId="ADAL" clId="{87F0ABD2-00E9-4B91-AAD3-5244124A3C47}" dt="2021-09-14T15:52:24.740" v="3414" actId="1076"/>
+          <ac:spMkLst>
+            <pc:docMk/>
+            <pc:sldMk cId="627450581" sldId="267"/>
+            <ac:spMk id="38" creationId="{EC165076-E68F-4AF9-876E-AA48D472F9C8}"/>
+          </ac:spMkLst>
+        </pc:spChg>
+        <pc:spChg chg="add mod">
+          <ac:chgData name="Mirko Kemna" userId="766ba680-80f5-4b8b-844c-94b6db81444d" providerId="ADAL" clId="{87F0ABD2-00E9-4B91-AAD3-5244124A3C47}" dt="2021-09-14T15:52:24.740" v="3414" actId="1076"/>
+          <ac:spMkLst>
+            <pc:docMk/>
+            <pc:sldMk cId="627450581" sldId="267"/>
+            <ac:spMk id="40" creationId="{4DBE71DD-F47F-4D21-9A7F-D5380D8B1AA5}"/>
+          </ac:spMkLst>
+        </pc:spChg>
+        <pc:spChg chg="add mod">
+          <ac:chgData name="Mirko Kemna" userId="766ba680-80f5-4b8b-844c-94b6db81444d" providerId="ADAL" clId="{87F0ABD2-00E9-4B91-AAD3-5244124A3C47}" dt="2021-09-14T15:52:24.740" v="3414" actId="1076"/>
+          <ac:spMkLst>
+            <pc:docMk/>
+            <pc:sldMk cId="627450581" sldId="267"/>
+            <ac:spMk id="41" creationId="{2DC5E234-CA17-4426-8800-9789CB0552D8}"/>
+          </ac:spMkLst>
+        </pc:spChg>
+        <pc:spChg chg="add del mod">
+          <ac:chgData name="Mirko Kemna" userId="766ba680-80f5-4b8b-844c-94b6db81444d" providerId="ADAL" clId="{87F0ABD2-00E9-4B91-AAD3-5244124A3C47}" dt="2021-09-14T15:52:10.126" v="3412" actId="478"/>
+          <ac:spMkLst>
+            <pc:docMk/>
+            <pc:sldMk cId="627450581" sldId="267"/>
+            <ac:spMk id="43" creationId="{17EE73E6-0D91-4B87-BCB0-F8F1B7986E96}"/>
+          </ac:spMkLst>
+        </pc:spChg>
+        <pc:spChg chg="add del mod">
+          <ac:chgData name="Mirko Kemna" userId="766ba680-80f5-4b8b-844c-94b6db81444d" providerId="ADAL" clId="{87F0ABD2-00E9-4B91-AAD3-5244124A3C47}" dt="2021-09-14T15:52:08.562" v="3411" actId="478"/>
+          <ac:spMkLst>
+            <pc:docMk/>
+            <pc:sldMk cId="627450581" sldId="267"/>
+            <ac:spMk id="44" creationId="{2B8F9806-FA9D-47D2-B196-E38E2F6B502C}"/>
+          </ac:spMkLst>
+        </pc:spChg>
+        <pc:spChg chg="add del mod">
+          <ac:chgData name="Mirko Kemna" userId="766ba680-80f5-4b8b-844c-94b6db81444d" providerId="ADAL" clId="{87F0ABD2-00E9-4B91-AAD3-5244124A3C47}" dt="2021-09-14T15:51:27.334" v="3404" actId="478"/>
+          <ac:spMkLst>
+            <pc:docMk/>
+            <pc:sldMk cId="627450581" sldId="267"/>
+            <ac:spMk id="46" creationId="{6584EA64-2B6B-4518-932A-207C61727B5F}"/>
+          </ac:spMkLst>
+        </pc:spChg>
+        <pc:spChg chg="add del mod">
+          <ac:chgData name="Mirko Kemna" userId="766ba680-80f5-4b8b-844c-94b6db81444d" providerId="ADAL" clId="{87F0ABD2-00E9-4B91-AAD3-5244124A3C47}" dt="2021-09-14T15:51:25.455" v="3403" actId="478"/>
+          <ac:spMkLst>
+            <pc:docMk/>
+            <pc:sldMk cId="627450581" sldId="267"/>
+            <ac:spMk id="47" creationId="{FA8303CB-FC96-4FD4-AAD4-321EBE8BD63B}"/>
+          </ac:spMkLst>
+        </pc:spChg>
+        <pc:spChg chg="add del mod">
+          <ac:chgData name="Mirko Kemna" userId="766ba680-80f5-4b8b-844c-94b6db81444d" providerId="ADAL" clId="{87F0ABD2-00E9-4B91-AAD3-5244124A3C47}" dt="2021-09-14T15:51:23.833" v="3402" actId="478"/>
+          <ac:spMkLst>
+            <pc:docMk/>
+            <pc:sldMk cId="627450581" sldId="267"/>
+            <ac:spMk id="48" creationId="{B1430828-E631-4A8F-94B3-EC258E0919F0}"/>
+          </ac:spMkLst>
+        </pc:spChg>
+        <pc:spChg chg="add mod">
+          <ac:chgData name="Mirko Kemna" userId="766ba680-80f5-4b8b-844c-94b6db81444d" providerId="ADAL" clId="{87F0ABD2-00E9-4B91-AAD3-5244124A3C47}" dt="2021-09-14T15:52:24.740" v="3414" actId="1076"/>
+          <ac:spMkLst>
+            <pc:docMk/>
+            <pc:sldMk cId="627450581" sldId="267"/>
+            <ac:spMk id="49" creationId="{428074E8-12FC-4F73-9E21-706AD5F20B4F}"/>
+          </ac:spMkLst>
+        </pc:spChg>
+        <pc:spChg chg="add mod">
+          <ac:chgData name="Mirko Kemna" userId="766ba680-80f5-4b8b-844c-94b6db81444d" providerId="ADAL" clId="{87F0ABD2-00E9-4B91-AAD3-5244124A3C47}" dt="2021-09-14T15:52:24.740" v="3414" actId="1076"/>
+          <ac:spMkLst>
+            <pc:docMk/>
+            <pc:sldMk cId="627450581" sldId="267"/>
+            <ac:spMk id="50" creationId="{957CE2D7-F5C2-4C5C-9D4B-6E94379CC0EF}"/>
+          </ac:spMkLst>
+        </pc:spChg>
+        <pc:spChg chg="add del mod">
+          <ac:chgData name="Mirko Kemna" userId="766ba680-80f5-4b8b-844c-94b6db81444d" providerId="ADAL" clId="{87F0ABD2-00E9-4B91-AAD3-5244124A3C47}" dt="2021-09-14T15:54:07.356" v="3441" actId="478"/>
+          <ac:spMkLst>
+            <pc:docMk/>
+            <pc:sldMk cId="627450581" sldId="267"/>
+            <ac:spMk id="51" creationId="{0E1B0EAB-8C8E-4BFB-9573-C71BE9988F5E}"/>
+          </ac:spMkLst>
+        </pc:spChg>
         <pc:spChg chg="del">
           <ac:chgData name="Mirko Kemna" userId="766ba680-80f5-4b8b-844c-94b6db81444d" providerId="ADAL" clId="{87F0ABD2-00E9-4B91-AAD3-5244124A3C47}" dt="2021-09-07T13:08:19.791" v="2667" actId="478"/>
           <ac:spMkLst>
@@ -1951,6 +2329,14 @@
             <ac:spMk id="53" creationId="{0413C4C2-D281-462C-9D41-92B9F3FE257D}"/>
           </ac:spMkLst>
         </pc:spChg>
+        <pc:spChg chg="add mod ord">
+          <ac:chgData name="Mirko Kemna" userId="766ba680-80f5-4b8b-844c-94b6db81444d" providerId="ADAL" clId="{87F0ABD2-00E9-4B91-AAD3-5244124A3C47}" dt="2021-09-14T15:59:10.618" v="3482" actId="1076"/>
+          <ac:spMkLst>
+            <pc:docMk/>
+            <pc:sldMk cId="627450581" sldId="267"/>
+            <ac:spMk id="53" creationId="{2CF7D755-E2E2-44B7-A29A-912A172C30B6}"/>
+          </ac:spMkLst>
+        </pc:spChg>
         <pc:spChg chg="add del">
           <ac:chgData name="Mirko Kemna" userId="766ba680-80f5-4b8b-844c-94b6db81444d" providerId="ADAL" clId="{87F0ABD2-00E9-4B91-AAD3-5244124A3C47}" dt="2021-09-07T13:11:37.470" v="2708" actId="478"/>
           <ac:spMkLst>
@@ -1960,7 +2346,7 @@
           </ac:spMkLst>
         </pc:spChg>
         <pc:spChg chg="add mod">
-          <ac:chgData name="Mirko Kemna" userId="766ba680-80f5-4b8b-844c-94b6db81444d" providerId="ADAL" clId="{87F0ABD2-00E9-4B91-AAD3-5244124A3C47}" dt="2021-09-07T13:19:56.234" v="2773" actId="20577"/>
+          <ac:chgData name="Mirko Kemna" userId="766ba680-80f5-4b8b-844c-94b6db81444d" providerId="ADAL" clId="{87F0ABD2-00E9-4B91-AAD3-5244124A3C47}" dt="2021-09-14T15:58:56.349" v="3479" actId="1076"/>
           <ac:spMkLst>
             <pc:docMk/>
             <pc:sldMk cId="627450581" sldId="267"/>
@@ -1968,7 +2354,7 @@
           </ac:spMkLst>
         </pc:spChg>
         <pc:spChg chg="mod">
-          <ac:chgData name="Mirko Kemna" userId="766ba680-80f5-4b8b-844c-94b6db81444d" providerId="ADAL" clId="{87F0ABD2-00E9-4B91-AAD3-5244124A3C47}" dt="2021-09-07T13:13:05.798" v="2717" actId="1076"/>
+          <ac:chgData name="Mirko Kemna" userId="766ba680-80f5-4b8b-844c-94b6db81444d" providerId="ADAL" clId="{87F0ABD2-00E9-4B91-AAD3-5244124A3C47}" dt="2021-09-14T15:51:59.560" v="3409" actId="1076"/>
           <ac:spMkLst>
             <pc:docMk/>
             <pc:sldMk cId="627450581" sldId="267"/>
@@ -1976,11 +2362,19 @@
           </ac:spMkLst>
         </pc:spChg>
         <pc:cxnChg chg="add mod">
-          <ac:chgData name="Mirko Kemna" userId="766ba680-80f5-4b8b-844c-94b6db81444d" providerId="ADAL" clId="{87F0ABD2-00E9-4B91-AAD3-5244124A3C47}" dt="2021-09-07T13:13:05.798" v="2717" actId="1076"/>
+          <ac:chgData name="Mirko Kemna" userId="766ba680-80f5-4b8b-844c-94b6db81444d" providerId="ADAL" clId="{87F0ABD2-00E9-4B91-AAD3-5244124A3C47}" dt="2021-09-14T15:54:35.631" v="3444" actId="693"/>
           <ac:cxnSpMkLst>
             <pc:docMk/>
             <pc:sldMk cId="627450581" sldId="267"/>
             <ac:cxnSpMk id="13" creationId="{11FAC0F8-DDC3-47CD-A085-41F4DBA08814}"/>
+          </ac:cxnSpMkLst>
+        </pc:cxnChg>
+        <pc:cxnChg chg="add del mod">
+          <ac:chgData name="Mirko Kemna" userId="766ba680-80f5-4b8b-844c-94b6db81444d" providerId="ADAL" clId="{87F0ABD2-00E9-4B91-AAD3-5244124A3C47}" dt="2021-09-14T15:52:31.565" v="3415" actId="14100"/>
+          <ac:cxnSpMkLst>
+            <pc:docMk/>
+            <pc:sldMk cId="627450581" sldId="267"/>
+            <ac:cxnSpMk id="26" creationId="{36C6E48B-7A21-40B6-8971-B525ECC95A18}"/>
           </ac:cxnSpMkLst>
         </pc:cxnChg>
         <pc:cxnChg chg="del mod">
@@ -2000,7 +2394,7 @@
           </ac:cxnSpMkLst>
         </pc:cxnChg>
         <pc:cxnChg chg="mod">
-          <ac:chgData name="Mirko Kemna" userId="766ba680-80f5-4b8b-844c-94b6db81444d" providerId="ADAL" clId="{87F0ABD2-00E9-4B91-AAD3-5244124A3C47}" dt="2021-09-07T13:13:05.798" v="2717" actId="1076"/>
+          <ac:chgData name="Mirko Kemna" userId="766ba680-80f5-4b8b-844c-94b6db81444d" providerId="ADAL" clId="{87F0ABD2-00E9-4B91-AAD3-5244124A3C47}" dt="2021-09-14T15:51:59.560" v="3409" actId="1076"/>
           <ac:cxnSpMkLst>
             <pc:docMk/>
             <pc:sldMk cId="627450581" sldId="267"/>
@@ -2008,7 +2402,7 @@
           </ac:cxnSpMkLst>
         </pc:cxnChg>
         <pc:cxnChg chg="mod">
-          <ac:chgData name="Mirko Kemna" userId="766ba680-80f5-4b8b-844c-94b6db81444d" providerId="ADAL" clId="{87F0ABD2-00E9-4B91-AAD3-5244124A3C47}" dt="2021-09-07T13:13:05.798" v="2717" actId="1076"/>
+          <ac:chgData name="Mirko Kemna" userId="766ba680-80f5-4b8b-844c-94b6db81444d" providerId="ADAL" clId="{87F0ABD2-00E9-4B91-AAD3-5244124A3C47}" dt="2021-09-14T15:52:42.809" v="3416" actId="14100"/>
           <ac:cxnSpMkLst>
             <pc:docMk/>
             <pc:sldMk cId="627450581" sldId="267"/>
@@ -2016,7 +2410,7 @@
           </ac:cxnSpMkLst>
         </pc:cxnChg>
         <pc:cxnChg chg="mod">
-          <ac:chgData name="Mirko Kemna" userId="766ba680-80f5-4b8b-844c-94b6db81444d" providerId="ADAL" clId="{87F0ABD2-00E9-4B91-AAD3-5244124A3C47}" dt="2021-09-07T13:13:05.798" v="2717" actId="1076"/>
+          <ac:chgData name="Mirko Kemna" userId="766ba680-80f5-4b8b-844c-94b6db81444d" providerId="ADAL" clId="{87F0ABD2-00E9-4B91-AAD3-5244124A3C47}" dt="2021-09-14T15:51:59.560" v="3409" actId="1076"/>
           <ac:cxnSpMkLst>
             <pc:docMk/>
             <pc:sldMk cId="627450581" sldId="267"/>
@@ -2024,15 +2418,15 @@
           </ac:cxnSpMkLst>
         </pc:cxnChg>
         <pc:cxnChg chg="mod">
-          <ac:chgData name="Mirko Kemna" userId="766ba680-80f5-4b8b-844c-94b6db81444d" providerId="ADAL" clId="{87F0ABD2-00E9-4B91-AAD3-5244124A3C47}" dt="2021-09-07T13:13:05.798" v="2717" actId="1076"/>
+          <ac:chgData name="Mirko Kemna" userId="766ba680-80f5-4b8b-844c-94b6db81444d" providerId="ADAL" clId="{87F0ABD2-00E9-4B91-AAD3-5244124A3C47}" dt="2021-09-14T15:51:59.560" v="3409" actId="1076"/>
           <ac:cxnSpMkLst>
             <pc:docMk/>
             <pc:sldMk cId="627450581" sldId="267"/>
             <ac:cxnSpMk id="45" creationId="{81823104-B156-4336-AA5E-B08F8A93F432}"/>
           </ac:cxnSpMkLst>
         </pc:cxnChg>
-        <pc:cxnChg chg="add mod">
-          <ac:chgData name="Mirko Kemna" userId="766ba680-80f5-4b8b-844c-94b6db81444d" providerId="ADAL" clId="{87F0ABD2-00E9-4B91-AAD3-5244124A3C47}" dt="2021-09-07T13:13:05.798" v="2717" actId="1076"/>
+        <pc:cxnChg chg="add del mod">
+          <ac:chgData name="Mirko Kemna" userId="766ba680-80f5-4b8b-844c-94b6db81444d" providerId="ADAL" clId="{87F0ABD2-00E9-4B91-AAD3-5244124A3C47}" dt="2021-09-14T15:50:23.314" v="3393" actId="478"/>
           <ac:cxnSpMkLst>
             <pc:docMk/>
             <pc:sldMk cId="627450581" sldId="267"/>
@@ -2040,7 +2434,7 @@
           </ac:cxnSpMkLst>
         </pc:cxnChg>
         <pc:cxnChg chg="add mod">
-          <ac:chgData name="Mirko Kemna" userId="766ba680-80f5-4b8b-844c-94b6db81444d" providerId="ADAL" clId="{87F0ABD2-00E9-4B91-AAD3-5244124A3C47}" dt="2021-09-07T13:13:05.798" v="2717" actId="1076"/>
+          <ac:chgData name="Mirko Kemna" userId="766ba680-80f5-4b8b-844c-94b6db81444d" providerId="ADAL" clId="{87F0ABD2-00E9-4B91-AAD3-5244124A3C47}" dt="2021-09-14T15:51:59.560" v="3409" actId="1076"/>
           <ac:cxnSpMkLst>
             <pc:docMk/>
             <pc:sldMk cId="627450581" sldId="267"/>
@@ -2048,13 +2442,36 @@
           </ac:cxnSpMkLst>
         </pc:cxnChg>
         <pc:cxnChg chg="mod">
-          <ac:chgData name="Mirko Kemna" userId="766ba680-80f5-4b8b-844c-94b6db81444d" providerId="ADAL" clId="{87F0ABD2-00E9-4B91-AAD3-5244124A3C47}" dt="2021-09-07T13:13:05.798" v="2717" actId="1076"/>
+          <ac:chgData name="Mirko Kemna" userId="766ba680-80f5-4b8b-844c-94b6db81444d" providerId="ADAL" clId="{87F0ABD2-00E9-4B91-AAD3-5244124A3C47}" dt="2021-09-14T15:51:59.560" v="3409" actId="1076"/>
           <ac:cxnSpMkLst>
             <pc:docMk/>
             <pc:sldMk cId="627450581" sldId="267"/>
             <ac:cxnSpMk id="67" creationId="{7ABF4063-0A3B-4F87-ACAE-8751905DD324}"/>
           </ac:cxnSpMkLst>
         </pc:cxnChg>
+      </pc:sldChg>
+      <pc:sldChg chg="modSp new mod">
+        <pc:chgData name="Mirko Kemna" userId="766ba680-80f5-4b8b-844c-94b6db81444d" providerId="ADAL" clId="{87F0ABD2-00E9-4B91-AAD3-5244124A3C47}" dt="2021-09-14T15:37:36.587" v="3359" actId="2710"/>
+        <pc:sldMkLst>
+          <pc:docMk/>
+          <pc:sldMk cId="743838422" sldId="268"/>
+        </pc:sldMkLst>
+        <pc:spChg chg="mod">
+          <ac:chgData name="Mirko Kemna" userId="766ba680-80f5-4b8b-844c-94b6db81444d" providerId="ADAL" clId="{87F0ABD2-00E9-4B91-AAD3-5244124A3C47}" dt="2021-09-14T15:35:31.326" v="3196" actId="20577"/>
+          <ac:spMkLst>
+            <pc:docMk/>
+            <pc:sldMk cId="743838422" sldId="268"/>
+            <ac:spMk id="2" creationId="{7377CEB7-AEF0-4FEC-9E91-426679ED650F}"/>
+          </ac:spMkLst>
+        </pc:spChg>
+        <pc:spChg chg="mod">
+          <ac:chgData name="Mirko Kemna" userId="766ba680-80f5-4b8b-844c-94b6db81444d" providerId="ADAL" clId="{87F0ABD2-00E9-4B91-AAD3-5244124A3C47}" dt="2021-09-14T15:37:36.587" v="3359" actId="2710"/>
+          <ac:spMkLst>
+            <pc:docMk/>
+            <pc:sldMk cId="743838422" sldId="268"/>
+            <ac:spMk id="3" creationId="{D135D43D-4336-49AD-B880-DB8F334604FE}"/>
+          </ac:spMkLst>
+        </pc:spChg>
       </pc:sldChg>
     </pc:docChg>
   </pc:docChgLst>
@@ -5356,6 +5773,1826 @@
       </p:grpSpPr>
       <p:sp>
         <p:nvSpPr>
+          <p:cNvPr id="19" name="Pfeil: nach rechts 18">
+            <a:extLst>
+              <a:ext uri="{FF2B5EF4-FFF2-40B4-BE49-F238E27FC236}">
+                <a16:creationId xmlns:a16="http://schemas.microsoft.com/office/drawing/2014/main" id="{34F18A6B-91F4-427F-ADDC-90CF18765394}"/>
+              </a:ext>
+            </a:extLst>
+          </p:cNvPr>
+          <p:cNvSpPr/>
+          <p:nvPr/>
+        </p:nvSpPr>
+        <p:spPr>
+          <a:xfrm>
+            <a:off x="10960100" y="1920240"/>
+            <a:ext cx="1076960" cy="426718"/>
+          </a:xfrm>
+          <a:prstGeom prst="rightArrow">
+            <a:avLst/>
+          </a:prstGeom>
+          <a:solidFill>
+            <a:srgbClr val="0070C0"/>
+          </a:solidFill>
+          <a:ln>
+            <a:noFill/>
+          </a:ln>
+        </p:spPr>
+        <p:style>
+          <a:lnRef idx="2">
+            <a:schemeClr val="accent1">
+              <a:shade val="50000"/>
+            </a:schemeClr>
+          </a:lnRef>
+          <a:fillRef idx="1">
+            <a:schemeClr val="accent1"/>
+          </a:fillRef>
+          <a:effectRef idx="0">
+            <a:schemeClr val="accent1"/>
+          </a:effectRef>
+          <a:fontRef idx="minor">
+            <a:schemeClr val="lt1"/>
+          </a:fontRef>
+        </p:style>
+        <p:txBody>
+          <a:bodyPr rtlCol="0" anchor="ctr"/>
+          <a:lstStyle/>
+          <a:p>
+            <a:pPr algn="ctr"/>
+            <a:r>
+              <a:rPr lang="en-US" sz="1600" dirty="0"/>
+              <a:t>outflow</a:t>
+            </a:r>
+            <a:endParaRPr lang="en-US" dirty="0"/>
+          </a:p>
+        </p:txBody>
+      </p:sp>
+      <p:cxnSp>
+        <p:nvCxnSpPr>
+          <p:cNvPr id="11" name="Gerader Verbinder 10">
+            <a:extLst>
+              <a:ext uri="{FF2B5EF4-FFF2-40B4-BE49-F238E27FC236}">
+                <a16:creationId xmlns:a16="http://schemas.microsoft.com/office/drawing/2014/main" id="{416C81B7-6638-499F-8447-DBD785433093}"/>
+              </a:ext>
+            </a:extLst>
+          </p:cNvPr>
+          <p:cNvCxnSpPr>
+            <a:cxnSpLocks/>
+          </p:cNvCxnSpPr>
+          <p:nvPr/>
+        </p:nvCxnSpPr>
+        <p:spPr>
+          <a:xfrm>
+            <a:off x="7152640" y="838201"/>
+            <a:ext cx="4561840" cy="0"/>
+          </a:xfrm>
+          <a:prstGeom prst="line">
+            <a:avLst/>
+          </a:prstGeom>
+          <a:ln w="19050">
+            <a:solidFill>
+              <a:schemeClr val="tx1"/>
+            </a:solidFill>
+          </a:ln>
+        </p:spPr>
+        <p:style>
+          <a:lnRef idx="1">
+            <a:schemeClr val="accent1"/>
+          </a:lnRef>
+          <a:fillRef idx="0">
+            <a:schemeClr val="accent1"/>
+          </a:fillRef>
+          <a:effectRef idx="0">
+            <a:schemeClr val="accent1"/>
+          </a:effectRef>
+          <a:fontRef idx="minor">
+            <a:schemeClr val="tx1"/>
+          </a:fontRef>
+        </p:style>
+      </p:cxnSp>
+      <p:pic>
+        <p:nvPicPr>
+          <p:cNvPr id="28" name="Grafik 27">
+            <a:extLst>
+              <a:ext uri="{FF2B5EF4-FFF2-40B4-BE49-F238E27FC236}">
+                <a16:creationId xmlns:a16="http://schemas.microsoft.com/office/drawing/2014/main" id="{92F4ED1B-A2C3-44ED-BB86-E01A5927683A}"/>
+              </a:ext>
+            </a:extLst>
+          </p:cNvPr>
+          <p:cNvPicPr>
+            <a:picLocks noChangeAspect="1"/>
+          </p:cNvPicPr>
+          <p:nvPr/>
+        </p:nvPicPr>
+        <p:blipFill rotWithShape="1">
+          <a:blip r:embed="rId2"/>
+          <a:srcRect t="2189"/>
+          <a:stretch/>
+        </p:blipFill>
+        <p:spPr>
+          <a:xfrm flipV="1">
+            <a:off x="6831824" y="816325"/>
+            <a:ext cx="7332283" cy="1771921"/>
+          </a:xfrm>
+          <a:prstGeom prst="rect">
+            <a:avLst/>
+          </a:prstGeom>
+        </p:spPr>
+      </p:pic>
+      <p:sp>
+        <p:nvSpPr>
+          <p:cNvPr id="2" name="Titel 1">
+            <a:extLst>
+              <a:ext uri="{FF2B5EF4-FFF2-40B4-BE49-F238E27FC236}">
+                <a16:creationId xmlns:a16="http://schemas.microsoft.com/office/drawing/2014/main" id="{39EAE677-CE3D-40D7-B5FF-7DE39F514C15}"/>
+              </a:ext>
+            </a:extLst>
+          </p:cNvPr>
+          <p:cNvSpPr>
+            <a:spLocks noGrp="1"/>
+          </p:cNvSpPr>
+          <p:nvPr>
+            <p:ph type="title"/>
+          </p:nvPr>
+        </p:nvSpPr>
+        <p:spPr>
+          <a:xfrm>
+            <a:off x="838200" y="146684"/>
+            <a:ext cx="10515600" cy="1325563"/>
+          </a:xfrm>
+        </p:spPr>
+        <p:txBody>
+          <a:bodyPr/>
+          <a:lstStyle/>
+          <a:p>
+            <a:r>
+              <a:rPr lang="en-US" sz="4400" dirty="0"/>
+              <a:t>Classical NN vs. Translational </a:t>
+            </a:r>
+            <a:r>
+              <a:rPr lang="en-US" sz="4400" dirty="0" err="1"/>
+              <a:t>cGAN</a:t>
+            </a:r>
+            <a:r>
+              <a:rPr lang="en-US" sz="4400" dirty="0"/>
+              <a:t>:</a:t>
+            </a:r>
+            <a:br>
+              <a:rPr lang="en-US" sz="4400" dirty="0"/>
+            </a:br>
+            <a:r>
+              <a:rPr lang="en-US" sz="4400" dirty="0"/>
+              <a:t>Flow Example</a:t>
+            </a:r>
+            <a:endParaRPr lang="en-US" dirty="0"/>
+          </a:p>
+        </p:txBody>
+      </p:sp>
+      <p:cxnSp>
+        <p:nvCxnSpPr>
+          <p:cNvPr id="5" name="Gerader Verbinder 4">
+            <a:extLst>
+              <a:ext uri="{FF2B5EF4-FFF2-40B4-BE49-F238E27FC236}">
+                <a16:creationId xmlns:a16="http://schemas.microsoft.com/office/drawing/2014/main" id="{7D05CF25-5C35-4CBB-A0D9-C2DC8576AB1F}"/>
+              </a:ext>
+            </a:extLst>
+          </p:cNvPr>
+          <p:cNvCxnSpPr>
+            <a:cxnSpLocks/>
+          </p:cNvCxnSpPr>
+          <p:nvPr/>
+        </p:nvCxnSpPr>
+        <p:spPr>
+          <a:xfrm>
+            <a:off x="5699760" y="1701801"/>
+            <a:ext cx="1452880" cy="0"/>
+          </a:xfrm>
+          <a:prstGeom prst="line">
+            <a:avLst/>
+          </a:prstGeom>
+          <a:ln w="19050">
+            <a:solidFill>
+              <a:schemeClr val="tx1"/>
+            </a:solidFill>
+          </a:ln>
+        </p:spPr>
+        <p:style>
+          <a:lnRef idx="1">
+            <a:schemeClr val="accent1"/>
+          </a:lnRef>
+          <a:fillRef idx="0">
+            <a:schemeClr val="accent1"/>
+          </a:fillRef>
+          <a:effectRef idx="0">
+            <a:schemeClr val="accent1"/>
+          </a:effectRef>
+          <a:fontRef idx="minor">
+            <a:schemeClr val="tx1"/>
+          </a:fontRef>
+        </p:style>
+      </p:cxnSp>
+      <p:cxnSp>
+        <p:nvCxnSpPr>
+          <p:cNvPr id="7" name="Gerader Verbinder 6">
+            <a:extLst>
+              <a:ext uri="{FF2B5EF4-FFF2-40B4-BE49-F238E27FC236}">
+                <a16:creationId xmlns:a16="http://schemas.microsoft.com/office/drawing/2014/main" id="{EEA39CB8-5598-4F02-B765-AE6E92C37CEE}"/>
+              </a:ext>
+            </a:extLst>
+          </p:cNvPr>
+          <p:cNvCxnSpPr>
+            <a:cxnSpLocks/>
+          </p:cNvCxnSpPr>
+          <p:nvPr/>
+        </p:nvCxnSpPr>
+        <p:spPr>
+          <a:xfrm flipV="1">
+            <a:off x="7152640" y="838201"/>
+            <a:ext cx="0" cy="863600"/>
+          </a:xfrm>
+          <a:prstGeom prst="line">
+            <a:avLst/>
+          </a:prstGeom>
+          <a:ln w="19050">
+            <a:solidFill>
+              <a:schemeClr val="tx1"/>
+            </a:solidFill>
+          </a:ln>
+        </p:spPr>
+        <p:style>
+          <a:lnRef idx="1">
+            <a:schemeClr val="accent1"/>
+          </a:lnRef>
+          <a:fillRef idx="0">
+            <a:schemeClr val="accent1"/>
+          </a:fillRef>
+          <a:effectRef idx="0">
+            <a:schemeClr val="accent1"/>
+          </a:effectRef>
+          <a:fontRef idx="minor">
+            <a:schemeClr val="tx1"/>
+          </a:fontRef>
+        </p:style>
+      </p:cxnSp>
+      <p:sp>
+        <p:nvSpPr>
+          <p:cNvPr id="18" name="Pfeil: nach rechts 17">
+            <a:extLst>
+              <a:ext uri="{FF2B5EF4-FFF2-40B4-BE49-F238E27FC236}">
+                <a16:creationId xmlns:a16="http://schemas.microsoft.com/office/drawing/2014/main" id="{15E8AF72-05A0-4610-9BAC-B7D63EF86C31}"/>
+              </a:ext>
+            </a:extLst>
+          </p:cNvPr>
+          <p:cNvSpPr/>
+          <p:nvPr/>
+        </p:nvSpPr>
+        <p:spPr>
+          <a:xfrm>
+            <a:off x="5699760" y="1920240"/>
+            <a:ext cx="955040" cy="426718"/>
+          </a:xfrm>
+          <a:prstGeom prst="rightArrow">
+            <a:avLst/>
+          </a:prstGeom>
+          <a:solidFill>
+            <a:srgbClr val="0070C0"/>
+          </a:solidFill>
+          <a:ln>
+            <a:noFill/>
+          </a:ln>
+        </p:spPr>
+        <p:style>
+          <a:lnRef idx="2">
+            <a:schemeClr val="accent1">
+              <a:shade val="50000"/>
+            </a:schemeClr>
+          </a:lnRef>
+          <a:fillRef idx="1">
+            <a:schemeClr val="accent1"/>
+          </a:fillRef>
+          <a:effectRef idx="0">
+            <a:schemeClr val="accent1"/>
+          </a:effectRef>
+          <a:fontRef idx="minor">
+            <a:schemeClr val="lt1"/>
+          </a:fontRef>
+        </p:style>
+        <p:txBody>
+          <a:bodyPr rtlCol="0" anchor="ctr"/>
+          <a:lstStyle/>
+          <a:p>
+            <a:pPr algn="ctr"/>
+            <a:r>
+              <a:rPr lang="en-US" sz="1600" dirty="0"/>
+              <a:t>inflow</a:t>
+            </a:r>
+            <a:endParaRPr lang="en-US" dirty="0"/>
+          </a:p>
+        </p:txBody>
+      </p:sp>
+      <p:sp>
+        <p:nvSpPr>
+          <p:cNvPr id="20" name="Geschweifte Klammer links 19">
+            <a:extLst>
+              <a:ext uri="{FF2B5EF4-FFF2-40B4-BE49-F238E27FC236}">
+                <a16:creationId xmlns:a16="http://schemas.microsoft.com/office/drawing/2014/main" id="{DDC012B4-3C96-4435-8D9E-972C0C48347F}"/>
+              </a:ext>
+            </a:extLst>
+          </p:cNvPr>
+          <p:cNvSpPr/>
+          <p:nvPr/>
+        </p:nvSpPr>
+        <p:spPr>
+          <a:xfrm>
+            <a:off x="6774695" y="838201"/>
+            <a:ext cx="261106" cy="840738"/>
+          </a:xfrm>
+          <a:prstGeom prst="leftBrace">
+            <a:avLst/>
+          </a:prstGeom>
+          <a:ln w="12700">
+            <a:solidFill>
+              <a:schemeClr val="tx1"/>
+            </a:solidFill>
+          </a:ln>
+        </p:spPr>
+        <p:style>
+          <a:lnRef idx="1">
+            <a:schemeClr val="accent1"/>
+          </a:lnRef>
+          <a:fillRef idx="0">
+            <a:schemeClr val="accent1"/>
+          </a:fillRef>
+          <a:effectRef idx="0">
+            <a:schemeClr val="accent1"/>
+          </a:effectRef>
+          <a:fontRef idx="minor">
+            <a:schemeClr val="tx1"/>
+          </a:fontRef>
+        </p:style>
+        <p:txBody>
+          <a:bodyPr rtlCol="0" anchor="ctr"/>
+          <a:lstStyle/>
+          <a:p>
+            <a:pPr algn="ctr"/>
+            <a:endParaRPr lang="en-US"/>
+          </a:p>
+        </p:txBody>
+      </p:sp>
+      <p:sp>
+        <p:nvSpPr>
+          <p:cNvPr id="21" name="Geschweifte Klammer links 20">
+            <a:extLst>
+              <a:ext uri="{FF2B5EF4-FFF2-40B4-BE49-F238E27FC236}">
+                <a16:creationId xmlns:a16="http://schemas.microsoft.com/office/drawing/2014/main" id="{42D72893-956D-4156-9FB1-32C1CEEE4DB2}"/>
+              </a:ext>
+            </a:extLst>
+          </p:cNvPr>
+          <p:cNvSpPr/>
+          <p:nvPr/>
+        </p:nvSpPr>
+        <p:spPr>
+          <a:xfrm>
+            <a:off x="6774694" y="2588262"/>
+            <a:ext cx="261106" cy="840738"/>
+          </a:xfrm>
+          <a:prstGeom prst="leftBrace">
+            <a:avLst/>
+          </a:prstGeom>
+          <a:ln w="12700">
+            <a:solidFill>
+              <a:schemeClr val="tx1"/>
+            </a:solidFill>
+          </a:ln>
+        </p:spPr>
+        <p:style>
+          <a:lnRef idx="1">
+            <a:schemeClr val="accent1"/>
+          </a:lnRef>
+          <a:fillRef idx="0">
+            <a:schemeClr val="accent1"/>
+          </a:fillRef>
+          <a:effectRef idx="0">
+            <a:schemeClr val="accent1"/>
+          </a:effectRef>
+          <a:fontRef idx="minor">
+            <a:schemeClr val="tx1"/>
+          </a:fontRef>
+        </p:style>
+        <p:txBody>
+          <a:bodyPr rtlCol="0" anchor="ctr"/>
+          <a:lstStyle/>
+          <a:p>
+            <a:pPr algn="ctr"/>
+            <a:endParaRPr lang="en-US" dirty="0"/>
+          </a:p>
+        </p:txBody>
+      </p:sp>
+      <mc:AlternateContent xmlns:mc="http://schemas.openxmlformats.org/markup-compatibility/2006" xmlns:a14="http://schemas.microsoft.com/office/drawing/2010/main">
+        <mc:Choice Requires="a14">
+          <p:sp>
+            <p:nvSpPr>
+              <p:cNvPr id="22" name="Textfeld 21">
+                <a:extLst>
+                  <a:ext uri="{FF2B5EF4-FFF2-40B4-BE49-F238E27FC236}">
+                    <a16:creationId xmlns:a16="http://schemas.microsoft.com/office/drawing/2014/main" id="{813309B0-BBE7-4190-8464-7D586E26B3B0}"/>
+                  </a:ext>
+                </a:extLst>
+              </p:cNvPr>
+              <p:cNvSpPr txBox="1"/>
+              <p:nvPr/>
+            </p:nvSpPr>
+            <p:spPr>
+              <a:xfrm>
+                <a:off x="6454684" y="1131500"/>
+                <a:ext cx="278346" cy="276999"/>
+              </a:xfrm>
+              <a:prstGeom prst="rect">
+                <a:avLst/>
+              </a:prstGeom>
+              <a:noFill/>
+            </p:spPr>
+            <p:txBody>
+              <a:bodyPr wrap="none" lIns="0" tIns="0" rIns="0" bIns="0" rtlCol="0">
+                <a:spAutoFit/>
+              </a:bodyPr>
+              <a:lstStyle/>
+              <a:p>
+                <a:pPr/>
+                <a14:m>
+                  <m:oMathPara xmlns:m="http://schemas.openxmlformats.org/officeDocument/2006/math">
+                    <m:oMathParaPr>
+                      <m:jc m:val="centerGroup"/>
+                    </m:oMathParaPr>
+                    <m:oMath xmlns:m="http://schemas.openxmlformats.org/officeDocument/2006/math">
+                      <m:sSub>
+                        <m:sSubPr>
+                          <m:ctrlPr>
+                            <a:rPr lang="de-DE" b="0" i="1" smtClean="0">
+                              <a:latin typeface="Cambria Math" panose="02040503050406030204" pitchFamily="18" charset="0"/>
+                            </a:rPr>
+                          </m:ctrlPr>
+                        </m:sSubPr>
+                        <m:e>
+                          <m:r>
+                            <a:rPr lang="de-DE" b="0" i="1" smtClean="0">
+                              <a:latin typeface="Cambria Math" panose="02040503050406030204" pitchFamily="18" charset="0"/>
+                            </a:rPr>
+                            <m:t>𝐿</m:t>
+                          </m:r>
+                        </m:e>
+                        <m:sub>
+                          <m:r>
+                            <a:rPr lang="de-DE" b="0" i="1" smtClean="0">
+                              <a:latin typeface="Cambria Math" panose="02040503050406030204" pitchFamily="18" charset="0"/>
+                            </a:rPr>
+                            <m:t>1</m:t>
+                          </m:r>
+                        </m:sub>
+                      </m:sSub>
+                    </m:oMath>
+                  </m:oMathPara>
+                </a14:m>
+                <a:endParaRPr lang="en-US" dirty="0"/>
+              </a:p>
+            </p:txBody>
+          </p:sp>
+        </mc:Choice>
+        <mc:Fallback xmlns="">
+          <p:sp>
+            <p:nvSpPr>
+              <p:cNvPr id="22" name="Textfeld 21">
+                <a:extLst>
+                  <a:ext uri="{FF2B5EF4-FFF2-40B4-BE49-F238E27FC236}">
+                    <a16:creationId xmlns:a16="http://schemas.microsoft.com/office/drawing/2014/main" id="{813309B0-BBE7-4190-8464-7D586E26B3B0}"/>
+                  </a:ext>
+                </a:extLst>
+              </p:cNvPr>
+              <p:cNvSpPr txBox="1">
+                <a:spLocks noRot="1" noChangeAspect="1" noMove="1" noResize="1" noEditPoints="1" noAdjustHandles="1" noChangeArrowheads="1" noChangeShapeType="1" noTextEdit="1"/>
+              </p:cNvSpPr>
+              <p:nvPr/>
+            </p:nvSpPr>
+            <p:spPr>
+              <a:xfrm>
+                <a:off x="6454684" y="1131500"/>
+                <a:ext cx="278346" cy="276999"/>
+              </a:xfrm>
+              <a:prstGeom prst="rect">
+                <a:avLst/>
+              </a:prstGeom>
+              <a:blipFill>
+                <a:blip r:embed="rId3"/>
+                <a:stretch>
+                  <a:fillRect l="-22222" r="-6667" b="-15556"/>
+                </a:stretch>
+              </a:blipFill>
+            </p:spPr>
+            <p:txBody>
+              <a:bodyPr/>
+              <a:lstStyle/>
+              <a:p>
+                <a:r>
+                  <a:rPr lang="en-US">
+                    <a:noFill/>
+                  </a:rPr>
+                  <a:t> </a:t>
+                </a:r>
+              </a:p>
+            </p:txBody>
+          </p:sp>
+        </mc:Fallback>
+      </mc:AlternateContent>
+      <mc:AlternateContent xmlns:mc="http://schemas.openxmlformats.org/markup-compatibility/2006" xmlns:a14="http://schemas.microsoft.com/office/drawing/2010/main">
+        <mc:Choice Requires="a14">
+          <p:sp>
+            <p:nvSpPr>
+              <p:cNvPr id="23" name="Textfeld 22">
+                <a:extLst>
+                  <a:ext uri="{FF2B5EF4-FFF2-40B4-BE49-F238E27FC236}">
+                    <a16:creationId xmlns:a16="http://schemas.microsoft.com/office/drawing/2014/main" id="{662207E4-96C8-45B3-ACC5-2BBBBFD41FD8}"/>
+                  </a:ext>
+                </a:extLst>
+              </p:cNvPr>
+              <p:cNvSpPr txBox="1"/>
+              <p:nvPr/>
+            </p:nvSpPr>
+            <p:spPr>
+              <a:xfrm>
+                <a:off x="6458742" y="2858698"/>
+                <a:ext cx="283667" cy="276999"/>
+              </a:xfrm>
+              <a:prstGeom prst="rect">
+                <a:avLst/>
+              </a:prstGeom>
+              <a:noFill/>
+            </p:spPr>
+            <p:txBody>
+              <a:bodyPr wrap="none" lIns="0" tIns="0" rIns="0" bIns="0" rtlCol="0">
+                <a:spAutoFit/>
+              </a:bodyPr>
+              <a:lstStyle/>
+              <a:p>
+                <a:pPr/>
+                <a14:m>
+                  <m:oMathPara xmlns:m="http://schemas.openxmlformats.org/officeDocument/2006/math">
+                    <m:oMathParaPr>
+                      <m:jc m:val="centerGroup"/>
+                    </m:oMathParaPr>
+                    <m:oMath xmlns:m="http://schemas.openxmlformats.org/officeDocument/2006/math">
+                      <m:sSub>
+                        <m:sSubPr>
+                          <m:ctrlPr>
+                            <a:rPr lang="de-DE" b="0" i="1" smtClean="0">
+                              <a:latin typeface="Cambria Math" panose="02040503050406030204" pitchFamily="18" charset="0"/>
+                            </a:rPr>
+                          </m:ctrlPr>
+                        </m:sSubPr>
+                        <m:e>
+                          <m:r>
+                            <a:rPr lang="de-DE" b="0" i="1" smtClean="0">
+                              <a:latin typeface="Cambria Math" panose="02040503050406030204" pitchFamily="18" charset="0"/>
+                            </a:rPr>
+                            <m:t>𝐿</m:t>
+                          </m:r>
+                        </m:e>
+                        <m:sub>
+                          <m:r>
+                            <a:rPr lang="de-DE" b="0" i="1" smtClean="0">
+                              <a:latin typeface="Cambria Math" panose="02040503050406030204" pitchFamily="18" charset="0"/>
+                            </a:rPr>
+                            <m:t>2</m:t>
+                          </m:r>
+                        </m:sub>
+                      </m:sSub>
+                    </m:oMath>
+                  </m:oMathPara>
+                </a14:m>
+                <a:endParaRPr lang="en-US" dirty="0"/>
+              </a:p>
+            </p:txBody>
+          </p:sp>
+        </mc:Choice>
+        <mc:Fallback xmlns="">
+          <p:sp>
+            <p:nvSpPr>
+              <p:cNvPr id="23" name="Textfeld 22">
+                <a:extLst>
+                  <a:ext uri="{FF2B5EF4-FFF2-40B4-BE49-F238E27FC236}">
+                    <a16:creationId xmlns:a16="http://schemas.microsoft.com/office/drawing/2014/main" id="{662207E4-96C8-45B3-ACC5-2BBBBFD41FD8}"/>
+                  </a:ext>
+                </a:extLst>
+              </p:cNvPr>
+              <p:cNvSpPr txBox="1">
+                <a:spLocks noRot="1" noChangeAspect="1" noMove="1" noResize="1" noEditPoints="1" noAdjustHandles="1" noChangeArrowheads="1" noChangeShapeType="1" noTextEdit="1"/>
+              </p:cNvSpPr>
+              <p:nvPr/>
+            </p:nvSpPr>
+            <p:spPr>
+              <a:xfrm>
+                <a:off x="6458742" y="2858698"/>
+                <a:ext cx="283667" cy="276999"/>
+              </a:xfrm>
+              <a:prstGeom prst="rect">
+                <a:avLst/>
+              </a:prstGeom>
+              <a:blipFill>
+                <a:blip r:embed="rId4"/>
+                <a:stretch>
+                  <a:fillRect l="-21739" r="-6522" b="-15556"/>
+                </a:stretch>
+              </a:blipFill>
+            </p:spPr>
+            <p:txBody>
+              <a:bodyPr/>
+              <a:lstStyle/>
+              <a:p>
+                <a:r>
+                  <a:rPr lang="en-US">
+                    <a:noFill/>
+                  </a:rPr>
+                  <a:t> </a:t>
+                </a:r>
+              </a:p>
+            </p:txBody>
+          </p:sp>
+        </mc:Fallback>
+      </mc:AlternateContent>
+      <mc:AlternateContent xmlns:mc="http://schemas.openxmlformats.org/markup-compatibility/2006" xmlns:a14="http://schemas.microsoft.com/office/drawing/2010/main">
+        <mc:Choice Requires="a14">
+          <p:sp>
+            <p:nvSpPr>
+              <p:cNvPr id="24" name="Inhaltsplatzhalter 2">
+                <a:extLst>
+                  <a:ext uri="{FF2B5EF4-FFF2-40B4-BE49-F238E27FC236}">
+                    <a16:creationId xmlns:a16="http://schemas.microsoft.com/office/drawing/2014/main" id="{CA5BD58C-5AFB-41D8-839A-0F8F35487B51}"/>
+                  </a:ext>
+                </a:extLst>
+              </p:cNvPr>
+              <p:cNvSpPr>
+                <a:spLocks noGrp="1"/>
+              </p:cNvSpPr>
+              <p:nvPr>
+                <p:ph idx="1"/>
+              </p:nvPr>
+            </p:nvSpPr>
+            <p:spPr>
+              <a:xfrm>
+                <a:off x="838200" y="1825625"/>
+                <a:ext cx="10515600" cy="4351338"/>
+              </a:xfrm>
+            </p:spPr>
+            <p:txBody>
+              <a:bodyPr>
+                <a:normAutofit/>
+              </a:bodyPr>
+              <a:lstStyle/>
+              <a:p>
+                <a:r>
+                  <a:rPr lang="en-US" sz="2400" dirty="0"/>
+                  <a:t>Whether flow attaches at </a:t>
+                </a:r>
+                <a:br>
+                  <a:rPr lang="en-US" sz="2400" dirty="0"/>
+                </a:br>
+                <a:r>
+                  <a:rPr lang="en-US" sz="2400" dirty="0"/>
+                  <a:t>top or bottom depends on </a:t>
+                </a:r>
+                <a14:m>
+                  <m:oMath xmlns:m="http://schemas.openxmlformats.org/officeDocument/2006/math">
+                    <m:sSub>
+                      <m:sSubPr>
+                        <m:ctrlPr>
+                          <a:rPr lang="en-US" sz="2400" b="0" i="1" smtClean="0">
+                            <a:latin typeface="Cambria Math" panose="02040503050406030204" pitchFamily="18" charset="0"/>
+                          </a:rPr>
+                        </m:ctrlPr>
+                      </m:sSubPr>
+                      <m:e>
+                        <m:r>
+                          <a:rPr lang="en-US" sz="2400" b="0" i="1" smtClean="0">
+                            <a:latin typeface="Cambria Math" panose="02040503050406030204" pitchFamily="18" charset="0"/>
+                          </a:rPr>
+                          <m:t>𝐿</m:t>
+                        </m:r>
+                      </m:e>
+                      <m:sub>
+                        <m:r>
+                          <a:rPr lang="en-US" sz="2400" b="0" i="1" smtClean="0">
+                            <a:latin typeface="Cambria Math" panose="02040503050406030204" pitchFamily="18" charset="0"/>
+                          </a:rPr>
+                          <m:t>1</m:t>
+                        </m:r>
+                      </m:sub>
+                    </m:sSub>
+                    <m:r>
+                      <a:rPr lang="en-US" sz="2400" b="0" i="0" smtClean="0">
+                        <a:latin typeface="Cambria Math" panose="02040503050406030204" pitchFamily="18" charset="0"/>
+                      </a:rPr>
+                      <m:t>/</m:t>
+                    </m:r>
+                    <m:sSub>
+                      <m:sSubPr>
+                        <m:ctrlPr>
+                          <a:rPr lang="en-US" sz="2400" i="1">
+                            <a:latin typeface="Cambria Math" panose="02040503050406030204" pitchFamily="18" charset="0"/>
+                          </a:rPr>
+                        </m:ctrlPr>
+                      </m:sSubPr>
+                      <m:e>
+                        <m:r>
+                          <a:rPr lang="en-US" sz="2400" i="1">
+                            <a:latin typeface="Cambria Math" panose="02040503050406030204" pitchFamily="18" charset="0"/>
+                          </a:rPr>
+                          <m:t>𝐿</m:t>
+                        </m:r>
+                      </m:e>
+                      <m:sub>
+                        <m:r>
+                          <a:rPr lang="en-US" sz="2400" b="0" i="1" smtClean="0">
+                            <a:latin typeface="Cambria Math" panose="02040503050406030204" pitchFamily="18" charset="0"/>
+                          </a:rPr>
+                          <m:t>2</m:t>
+                        </m:r>
+                      </m:sub>
+                    </m:sSub>
+                  </m:oMath>
+                </a14:m>
+                <a:endParaRPr lang="en-US" sz="2400" dirty="0"/>
+              </a:p>
+              <a:p>
+                <a:r>
+                  <a:rPr lang="en-US" sz="2400" dirty="0"/>
+                  <a:t>NN may be trained to learn this</a:t>
+                </a:r>
+                <a:br>
+                  <a:rPr lang="en-US" sz="2400" dirty="0"/>
+                </a:br>
+                <a:r>
+                  <a:rPr lang="en-US" sz="2400" dirty="0"/>
+                  <a:t>relation</a:t>
+                </a:r>
+              </a:p>
+              <a:p>
+                <a:r>
+                  <a:rPr lang="en-US" sz="2400" dirty="0"/>
+                  <a:t>For</a:t>
+                </a:r>
+                <a14:m>
+                  <m:oMath xmlns:m="http://schemas.openxmlformats.org/officeDocument/2006/math">
+                    <m:r>
+                      <a:rPr lang="de-DE" sz="2400" b="0" i="0" smtClean="0">
+                        <a:latin typeface="Cambria Math" panose="02040503050406030204" pitchFamily="18" charset="0"/>
+                      </a:rPr>
+                      <m:t> </m:t>
+                    </m:r>
+                    <m:sSub>
+                      <m:sSubPr>
+                        <m:ctrlPr>
+                          <a:rPr lang="en-US" sz="2400" i="1">
+                            <a:latin typeface="Cambria Math" panose="02040503050406030204" pitchFamily="18" charset="0"/>
+                          </a:rPr>
+                        </m:ctrlPr>
+                      </m:sSubPr>
+                      <m:e>
+                        <m:r>
+                          <a:rPr lang="en-US" sz="2400" i="1">
+                            <a:latin typeface="Cambria Math" panose="02040503050406030204" pitchFamily="18" charset="0"/>
+                          </a:rPr>
+                          <m:t>𝐿</m:t>
+                        </m:r>
+                      </m:e>
+                      <m:sub>
+                        <m:r>
+                          <a:rPr lang="en-US" sz="2400" i="1">
+                            <a:latin typeface="Cambria Math" panose="02040503050406030204" pitchFamily="18" charset="0"/>
+                          </a:rPr>
+                          <m:t>1</m:t>
+                        </m:r>
+                      </m:sub>
+                    </m:sSub>
+                    <m:r>
+                      <a:rPr lang="de-DE" sz="2400" b="0" i="0" smtClean="0">
+                        <a:latin typeface="Cambria Math" panose="02040503050406030204" pitchFamily="18" charset="0"/>
+                      </a:rPr>
+                      <m:t>=</m:t>
+                    </m:r>
+                    <m:sSub>
+                      <m:sSubPr>
+                        <m:ctrlPr>
+                          <a:rPr lang="en-US" sz="2400" i="1">
+                            <a:latin typeface="Cambria Math" panose="02040503050406030204" pitchFamily="18" charset="0"/>
+                          </a:rPr>
+                        </m:ctrlPr>
+                      </m:sSubPr>
+                      <m:e>
+                        <m:r>
+                          <a:rPr lang="en-US" sz="2400" i="1">
+                            <a:latin typeface="Cambria Math" panose="02040503050406030204" pitchFamily="18" charset="0"/>
+                          </a:rPr>
+                          <m:t>𝐿</m:t>
+                        </m:r>
+                      </m:e>
+                      <m:sub>
+                        <m:r>
+                          <a:rPr lang="en-US" sz="2400" i="1">
+                            <a:latin typeface="Cambria Math" panose="02040503050406030204" pitchFamily="18" charset="0"/>
+                          </a:rPr>
+                          <m:t>2</m:t>
+                        </m:r>
+                      </m:sub>
+                    </m:sSub>
+                  </m:oMath>
+                </a14:m>
+                <a:r>
+                  <a:rPr lang="en-US" sz="2400" dirty="0"/>
+                  <a:t>, the outcome is </a:t>
+                </a:r>
+                <a:br>
+                  <a:rPr lang="en-US" sz="2400" dirty="0"/>
+                </a:br>
+                <a:r>
+                  <a:rPr lang="en-US" sz="2400" dirty="0"/>
+                  <a:t>essentially random</a:t>
+                </a:r>
+              </a:p>
+              <a:p>
+                <a:pPr>
+                  <a:buFont typeface="Calibri" panose="020F0502020204030204" pitchFamily="34" charset="0"/>
+                  <a:buChar char="→"/>
+                </a:pPr>
+                <a:r>
+                  <a:rPr lang="en-US" sz="2400" dirty="0"/>
+                  <a:t> A NN trained with MSE loss would most likely produce a superposition of both cases to minimize error</a:t>
+                </a:r>
+              </a:p>
+              <a:p>
+                <a:r>
+                  <a:rPr lang="en-US" sz="2400" dirty="0"/>
+                  <a:t>A trained discriminator network could easily identify this as a “forgery”</a:t>
+                </a:r>
+              </a:p>
+              <a:p>
+                <a:pPr>
+                  <a:buFont typeface="Calibri" panose="020F0502020204030204" pitchFamily="34" charset="0"/>
+                  <a:buChar char="→"/>
+                </a:pPr>
+                <a:r>
+                  <a:rPr lang="en-US" sz="2400" dirty="0"/>
+                  <a:t> </a:t>
+                </a:r>
+                <a:r>
+                  <a:rPr lang="en-US" sz="2400" dirty="0" err="1"/>
+                  <a:t>Adversarially</a:t>
+                </a:r>
+                <a:r>
+                  <a:rPr lang="en-US" sz="2400" dirty="0"/>
+                  <a:t> trained generator would likely learn to pick and choose one</a:t>
+                </a:r>
+              </a:p>
+            </p:txBody>
+          </p:sp>
+        </mc:Choice>
+        <mc:Fallback xmlns="">
+          <p:sp>
+            <p:nvSpPr>
+              <p:cNvPr id="24" name="Inhaltsplatzhalter 2">
+                <a:extLst>
+                  <a:ext uri="{FF2B5EF4-FFF2-40B4-BE49-F238E27FC236}">
+                    <a16:creationId xmlns:a16="http://schemas.microsoft.com/office/drawing/2014/main" id="{CA5BD58C-5AFB-41D8-839A-0F8F35487B51}"/>
+                  </a:ext>
+                </a:extLst>
+              </p:cNvPr>
+              <p:cNvSpPr>
+                <a:spLocks noGrp="1" noRot="1" noChangeAspect="1" noMove="1" noResize="1" noEditPoints="1" noAdjustHandles="1" noChangeArrowheads="1" noChangeShapeType="1" noTextEdit="1"/>
+              </p:cNvSpPr>
+              <p:nvPr>
+                <p:ph idx="1"/>
+              </p:nvPr>
+            </p:nvSpPr>
+            <p:spPr>
+              <a:xfrm>
+                <a:off x="838200" y="1825625"/>
+                <a:ext cx="10515600" cy="4351338"/>
+              </a:xfrm>
+              <a:blipFill>
+                <a:blip r:embed="rId5"/>
+                <a:stretch>
+                  <a:fillRect l="-928" t="-1961"/>
+                </a:stretch>
+              </a:blipFill>
+            </p:spPr>
+            <p:txBody>
+              <a:bodyPr/>
+              <a:lstStyle/>
+              <a:p>
+                <a:r>
+                  <a:rPr lang="en-US">
+                    <a:noFill/>
+                  </a:rPr>
+                  <a:t> </a:t>
+                </a:r>
+              </a:p>
+            </p:txBody>
+          </p:sp>
+        </mc:Fallback>
+      </mc:AlternateContent>
+      <p:grpSp>
+        <p:nvGrpSpPr>
+          <p:cNvPr id="17" name="Gruppieren 16">
+            <a:extLst>
+              <a:ext uri="{FF2B5EF4-FFF2-40B4-BE49-F238E27FC236}">
+                <a16:creationId xmlns:a16="http://schemas.microsoft.com/office/drawing/2014/main" id="{C74AB452-F579-42B1-B5A1-FE33CA94343A}"/>
+              </a:ext>
+            </a:extLst>
+          </p:cNvPr>
+          <p:cNvGrpSpPr/>
+          <p:nvPr/>
+        </p:nvGrpSpPr>
+        <p:grpSpPr>
+          <a:xfrm flipV="1">
+            <a:off x="5699760" y="2565400"/>
+            <a:ext cx="6014720" cy="863600"/>
+            <a:chOff x="2235200" y="2225040"/>
+            <a:chExt cx="6014720" cy="863600"/>
+          </a:xfrm>
+        </p:grpSpPr>
+        <p:cxnSp>
+          <p:nvCxnSpPr>
+            <p:cNvPr id="14" name="Gerader Verbinder 13">
+              <a:extLst>
+                <a:ext uri="{FF2B5EF4-FFF2-40B4-BE49-F238E27FC236}">
+                  <a16:creationId xmlns:a16="http://schemas.microsoft.com/office/drawing/2014/main" id="{26A05E71-85FB-48EB-8D12-DAF7D5240563}"/>
+                </a:ext>
+              </a:extLst>
+            </p:cNvPr>
+            <p:cNvCxnSpPr>
+              <a:cxnSpLocks/>
+            </p:cNvCxnSpPr>
+            <p:nvPr/>
+          </p:nvCxnSpPr>
+          <p:spPr>
+            <a:xfrm rot="10800000" flipH="1" flipV="1">
+              <a:off x="2235200" y="3088640"/>
+              <a:ext cx="1452880" cy="0"/>
+            </a:xfrm>
+            <a:prstGeom prst="line">
+              <a:avLst/>
+            </a:prstGeom>
+            <a:ln w="19050">
+              <a:solidFill>
+                <a:schemeClr val="tx1"/>
+              </a:solidFill>
+            </a:ln>
+          </p:spPr>
+          <p:style>
+            <a:lnRef idx="1">
+              <a:schemeClr val="accent1"/>
+            </a:lnRef>
+            <a:fillRef idx="0">
+              <a:schemeClr val="accent1"/>
+            </a:fillRef>
+            <a:effectRef idx="0">
+              <a:schemeClr val="accent1"/>
+            </a:effectRef>
+            <a:fontRef idx="minor">
+              <a:schemeClr val="tx1"/>
+            </a:fontRef>
+          </p:style>
+        </p:cxnSp>
+        <p:cxnSp>
+          <p:nvCxnSpPr>
+            <p:cNvPr id="15" name="Gerader Verbinder 14">
+              <a:extLst>
+                <a:ext uri="{FF2B5EF4-FFF2-40B4-BE49-F238E27FC236}">
+                  <a16:creationId xmlns:a16="http://schemas.microsoft.com/office/drawing/2014/main" id="{749424FE-EDDB-4EC4-AABF-7CD730122EAE}"/>
+                </a:ext>
+              </a:extLst>
+            </p:cNvPr>
+            <p:cNvCxnSpPr>
+              <a:cxnSpLocks/>
+            </p:cNvCxnSpPr>
+            <p:nvPr/>
+          </p:nvCxnSpPr>
+          <p:spPr>
+            <a:xfrm rot="10800000" flipH="1">
+              <a:off x="3688080" y="2225040"/>
+              <a:ext cx="0" cy="863600"/>
+            </a:xfrm>
+            <a:prstGeom prst="line">
+              <a:avLst/>
+            </a:prstGeom>
+            <a:ln w="19050">
+              <a:solidFill>
+                <a:schemeClr val="tx1"/>
+              </a:solidFill>
+            </a:ln>
+          </p:spPr>
+          <p:style>
+            <a:lnRef idx="1">
+              <a:schemeClr val="accent1"/>
+            </a:lnRef>
+            <a:fillRef idx="0">
+              <a:schemeClr val="accent1"/>
+            </a:fillRef>
+            <a:effectRef idx="0">
+              <a:schemeClr val="accent1"/>
+            </a:effectRef>
+            <a:fontRef idx="minor">
+              <a:schemeClr val="tx1"/>
+            </a:fontRef>
+          </p:style>
+        </p:cxnSp>
+        <p:cxnSp>
+          <p:nvCxnSpPr>
+            <p:cNvPr id="16" name="Gerader Verbinder 15">
+              <a:extLst>
+                <a:ext uri="{FF2B5EF4-FFF2-40B4-BE49-F238E27FC236}">
+                  <a16:creationId xmlns:a16="http://schemas.microsoft.com/office/drawing/2014/main" id="{C7781603-A902-465C-AD58-177E701E64AD}"/>
+                </a:ext>
+              </a:extLst>
+            </p:cNvPr>
+            <p:cNvCxnSpPr>
+              <a:cxnSpLocks/>
+            </p:cNvCxnSpPr>
+            <p:nvPr/>
+          </p:nvCxnSpPr>
+          <p:spPr>
+            <a:xfrm rot="10800000" flipH="1" flipV="1">
+              <a:off x="3688080" y="2225040"/>
+              <a:ext cx="4561840" cy="0"/>
+            </a:xfrm>
+            <a:prstGeom prst="line">
+              <a:avLst/>
+            </a:prstGeom>
+            <a:ln w="19050">
+              <a:solidFill>
+                <a:schemeClr val="tx1"/>
+              </a:solidFill>
+            </a:ln>
+          </p:spPr>
+          <p:style>
+            <a:lnRef idx="1">
+              <a:schemeClr val="accent1"/>
+            </a:lnRef>
+            <a:fillRef idx="0">
+              <a:schemeClr val="accent1"/>
+            </a:fillRef>
+            <a:effectRef idx="0">
+              <a:schemeClr val="accent1"/>
+            </a:effectRef>
+            <a:fontRef idx="minor">
+              <a:schemeClr val="tx1"/>
+            </a:fontRef>
+          </p:style>
+        </p:cxnSp>
+      </p:grpSp>
+      <p:pic>
+        <p:nvPicPr>
+          <p:cNvPr id="27" name="Grafik 26">
+            <a:extLst>
+              <a:ext uri="{FF2B5EF4-FFF2-40B4-BE49-F238E27FC236}">
+                <a16:creationId xmlns:a16="http://schemas.microsoft.com/office/drawing/2014/main" id="{8B14E45A-11FE-4974-814C-ECD930C07B63}"/>
+              </a:ext>
+            </a:extLst>
+          </p:cNvPr>
+          <p:cNvPicPr>
+            <a:picLocks noChangeAspect="1"/>
+          </p:cNvPicPr>
+          <p:nvPr/>
+        </p:nvPicPr>
+        <p:blipFill rotWithShape="1">
+          <a:blip r:embed="rId6"/>
+          <a:srcRect t="2520" b="-1"/>
+          <a:stretch/>
+        </p:blipFill>
+        <p:spPr>
+          <a:xfrm>
+            <a:off x="6804394" y="1690688"/>
+            <a:ext cx="7332283" cy="1765937"/>
+          </a:xfrm>
+          <a:prstGeom prst="rect">
+            <a:avLst/>
+          </a:prstGeom>
+        </p:spPr>
+      </p:pic>
+      <p:pic>
+        <p:nvPicPr>
+          <p:cNvPr id="30" name="Grafik 29">
+            <a:extLst>
+              <a:ext uri="{FF2B5EF4-FFF2-40B4-BE49-F238E27FC236}">
+                <a16:creationId xmlns:a16="http://schemas.microsoft.com/office/drawing/2014/main" id="{95C3EA18-8600-4194-AFC4-93ED058AC2EB}"/>
+              </a:ext>
+            </a:extLst>
+          </p:cNvPr>
+          <p:cNvPicPr>
+            <a:picLocks noChangeAspect="1"/>
+          </p:cNvPicPr>
+          <p:nvPr/>
+        </p:nvPicPr>
+        <p:blipFill>
+          <a:blip r:embed="rId7"/>
+          <a:stretch>
+            <a:fillRect/>
+          </a:stretch>
+        </p:blipFill>
+        <p:spPr>
+          <a:xfrm>
+            <a:off x="6831824" y="816325"/>
+            <a:ext cx="7079153" cy="2640300"/>
+          </a:xfrm>
+          <a:prstGeom prst="rect">
+            <a:avLst/>
+          </a:prstGeom>
+        </p:spPr>
+      </p:pic>
+    </p:spTree>
+    <p:extLst>
+      <p:ext uri="{BB962C8B-B14F-4D97-AF65-F5344CB8AC3E}">
+        <p14:creationId xmlns:p14="http://schemas.microsoft.com/office/powerpoint/2010/main" val="2610409452"/>
+      </p:ext>
+    </p:extLst>
+  </p:cSld>
+  <p:clrMapOvr>
+    <a:masterClrMapping/>
+  </p:clrMapOvr>
+  <p:timing>
+    <p:tnLst>
+      <p:par>
+        <p:cTn id="1" dur="indefinite" restart="never" nodeType="tmRoot">
+          <p:childTnLst>
+            <p:seq concurrent="1" nextAc="seek">
+              <p:cTn id="2" dur="indefinite" nodeType="mainSeq">
+                <p:childTnLst>
+                  <p:par>
+                    <p:cTn id="3" fill="hold">
+                      <p:stCondLst>
+                        <p:cond delay="indefinite"/>
+                      </p:stCondLst>
+                      <p:childTnLst>
+                        <p:par>
+                          <p:cTn id="4" fill="hold">
+                            <p:stCondLst>
+                              <p:cond delay="0"/>
+                            </p:stCondLst>
+                            <p:childTnLst>
+                              <p:par>
+                                <p:cTn id="5" presetID="1" presetClass="entr" presetSubtype="0" fill="hold" grpId="0" nodeType="clickEffect">
+                                  <p:stCondLst>
+                                    <p:cond delay="0"/>
+                                  </p:stCondLst>
+                                  <p:childTnLst>
+                                    <p:set>
+                                      <p:cBhvr>
+                                        <p:cTn id="6" dur="1" fill="hold">
+                                          <p:stCondLst>
+                                            <p:cond delay="0"/>
+                                          </p:stCondLst>
+                                        </p:cTn>
+                                        <p:tgtEl>
+                                          <p:spTgt spid="24">
+                                            <p:txEl>
+                                              <p:pRg st="0" end="0"/>
+                                            </p:txEl>
+                                          </p:spTgt>
+                                        </p:tgtEl>
+                                        <p:attrNameLst>
+                                          <p:attrName>style.visibility</p:attrName>
+                                        </p:attrNameLst>
+                                      </p:cBhvr>
+                                      <p:to>
+                                        <p:strVal val="visible"/>
+                                      </p:to>
+                                    </p:set>
+                                  </p:childTnLst>
+                                </p:cTn>
+                              </p:par>
+                            </p:childTnLst>
+                          </p:cTn>
+                        </p:par>
+                      </p:childTnLst>
+                    </p:cTn>
+                  </p:par>
+                  <p:par>
+                    <p:cTn id="7" fill="hold">
+                      <p:stCondLst>
+                        <p:cond delay="indefinite"/>
+                      </p:stCondLst>
+                      <p:childTnLst>
+                        <p:par>
+                          <p:cTn id="8" fill="hold">
+                            <p:stCondLst>
+                              <p:cond delay="0"/>
+                            </p:stCondLst>
+                            <p:childTnLst>
+                              <p:par>
+                                <p:cTn id="9" presetID="10" presetClass="entr" presetSubtype="0" fill="hold" nodeType="clickEffect">
+                                  <p:stCondLst>
+                                    <p:cond delay="0"/>
+                                  </p:stCondLst>
+                                  <p:childTnLst>
+                                    <p:set>
+                                      <p:cBhvr>
+                                        <p:cTn id="10" dur="1" fill="hold">
+                                          <p:stCondLst>
+                                            <p:cond delay="0"/>
+                                          </p:stCondLst>
+                                        </p:cTn>
+                                        <p:tgtEl>
+                                          <p:spTgt spid="27"/>
+                                        </p:tgtEl>
+                                        <p:attrNameLst>
+                                          <p:attrName>style.visibility</p:attrName>
+                                        </p:attrNameLst>
+                                      </p:cBhvr>
+                                      <p:to>
+                                        <p:strVal val="visible"/>
+                                      </p:to>
+                                    </p:set>
+                                    <p:animEffect transition="in" filter="fade">
+                                      <p:cBhvr>
+                                        <p:cTn id="11" dur="500"/>
+                                        <p:tgtEl>
+                                          <p:spTgt spid="27"/>
+                                        </p:tgtEl>
+                                      </p:cBhvr>
+                                    </p:animEffect>
+                                  </p:childTnLst>
+                                </p:cTn>
+                              </p:par>
+                            </p:childTnLst>
+                          </p:cTn>
+                        </p:par>
+                      </p:childTnLst>
+                    </p:cTn>
+                  </p:par>
+                  <p:par>
+                    <p:cTn id="12" fill="hold">
+                      <p:stCondLst>
+                        <p:cond delay="indefinite"/>
+                      </p:stCondLst>
+                      <p:childTnLst>
+                        <p:par>
+                          <p:cTn id="13" fill="hold">
+                            <p:stCondLst>
+                              <p:cond delay="0"/>
+                            </p:stCondLst>
+                            <p:childTnLst>
+                              <p:par>
+                                <p:cTn id="14" presetID="10" presetClass="exit" presetSubtype="0" fill="hold" nodeType="clickEffect">
+                                  <p:stCondLst>
+                                    <p:cond delay="0"/>
+                                  </p:stCondLst>
+                                  <p:childTnLst>
+                                    <p:animEffect transition="out" filter="fade">
+                                      <p:cBhvr>
+                                        <p:cTn id="15" dur="500"/>
+                                        <p:tgtEl>
+                                          <p:spTgt spid="27"/>
+                                        </p:tgtEl>
+                                      </p:cBhvr>
+                                    </p:animEffect>
+                                    <p:set>
+                                      <p:cBhvr>
+                                        <p:cTn id="16" dur="1" fill="hold">
+                                          <p:stCondLst>
+                                            <p:cond delay="499"/>
+                                          </p:stCondLst>
+                                        </p:cTn>
+                                        <p:tgtEl>
+                                          <p:spTgt spid="27"/>
+                                        </p:tgtEl>
+                                        <p:attrNameLst>
+                                          <p:attrName>style.visibility</p:attrName>
+                                        </p:attrNameLst>
+                                      </p:cBhvr>
+                                      <p:to>
+                                        <p:strVal val="hidden"/>
+                                      </p:to>
+                                    </p:set>
+                                  </p:childTnLst>
+                                </p:cTn>
+                              </p:par>
+                              <p:par>
+                                <p:cTn id="17" presetID="10" presetClass="entr" presetSubtype="0" fill="hold" nodeType="withEffect">
+                                  <p:stCondLst>
+                                    <p:cond delay="0"/>
+                                  </p:stCondLst>
+                                  <p:childTnLst>
+                                    <p:set>
+                                      <p:cBhvr>
+                                        <p:cTn id="18" dur="1" fill="hold">
+                                          <p:stCondLst>
+                                            <p:cond delay="0"/>
+                                          </p:stCondLst>
+                                        </p:cTn>
+                                        <p:tgtEl>
+                                          <p:spTgt spid="28"/>
+                                        </p:tgtEl>
+                                        <p:attrNameLst>
+                                          <p:attrName>style.visibility</p:attrName>
+                                        </p:attrNameLst>
+                                      </p:cBhvr>
+                                      <p:to>
+                                        <p:strVal val="visible"/>
+                                      </p:to>
+                                    </p:set>
+                                    <p:animEffect transition="in" filter="fade">
+                                      <p:cBhvr>
+                                        <p:cTn id="19" dur="500"/>
+                                        <p:tgtEl>
+                                          <p:spTgt spid="28"/>
+                                        </p:tgtEl>
+                                      </p:cBhvr>
+                                    </p:animEffect>
+                                  </p:childTnLst>
+                                </p:cTn>
+                              </p:par>
+                            </p:childTnLst>
+                          </p:cTn>
+                        </p:par>
+                      </p:childTnLst>
+                    </p:cTn>
+                  </p:par>
+                  <p:par>
+                    <p:cTn id="20" fill="hold">
+                      <p:stCondLst>
+                        <p:cond delay="indefinite"/>
+                      </p:stCondLst>
+                      <p:childTnLst>
+                        <p:par>
+                          <p:cTn id="21" fill="hold">
+                            <p:stCondLst>
+                              <p:cond delay="0"/>
+                            </p:stCondLst>
+                            <p:childTnLst>
+                              <p:par>
+                                <p:cTn id="22" presetID="1" presetClass="exit" presetSubtype="0" fill="hold" nodeType="clickEffect">
+                                  <p:stCondLst>
+                                    <p:cond delay="0"/>
+                                  </p:stCondLst>
+                                  <p:childTnLst>
+                                    <p:set>
+                                      <p:cBhvr>
+                                        <p:cTn id="23" dur="1" fill="hold">
+                                          <p:stCondLst>
+                                            <p:cond delay="0"/>
+                                          </p:stCondLst>
+                                        </p:cTn>
+                                        <p:tgtEl>
+                                          <p:spTgt spid="28"/>
+                                        </p:tgtEl>
+                                        <p:attrNameLst>
+                                          <p:attrName>style.visibility</p:attrName>
+                                        </p:attrNameLst>
+                                      </p:cBhvr>
+                                      <p:to>
+                                        <p:strVal val="hidden"/>
+                                      </p:to>
+                                    </p:set>
+                                  </p:childTnLst>
+                                </p:cTn>
+                              </p:par>
+                            </p:childTnLst>
+                          </p:cTn>
+                        </p:par>
+                      </p:childTnLst>
+                    </p:cTn>
+                  </p:par>
+                  <p:par>
+                    <p:cTn id="24" fill="hold">
+                      <p:stCondLst>
+                        <p:cond delay="indefinite"/>
+                      </p:stCondLst>
+                      <p:childTnLst>
+                        <p:par>
+                          <p:cTn id="25" fill="hold">
+                            <p:stCondLst>
+                              <p:cond delay="0"/>
+                            </p:stCondLst>
+                            <p:childTnLst>
+                              <p:par>
+                                <p:cTn id="26" presetID="1" presetClass="entr" presetSubtype="0" fill="hold" grpId="0" nodeType="clickEffect">
+                                  <p:stCondLst>
+                                    <p:cond delay="0"/>
+                                  </p:stCondLst>
+                                  <p:childTnLst>
+                                    <p:set>
+                                      <p:cBhvr>
+                                        <p:cTn id="27" dur="1" fill="hold">
+                                          <p:stCondLst>
+                                            <p:cond delay="0"/>
+                                          </p:stCondLst>
+                                        </p:cTn>
+                                        <p:tgtEl>
+                                          <p:spTgt spid="24">
+                                            <p:txEl>
+                                              <p:pRg st="1" end="1"/>
+                                            </p:txEl>
+                                          </p:spTgt>
+                                        </p:tgtEl>
+                                        <p:attrNameLst>
+                                          <p:attrName>style.visibility</p:attrName>
+                                        </p:attrNameLst>
+                                      </p:cBhvr>
+                                      <p:to>
+                                        <p:strVal val="visible"/>
+                                      </p:to>
+                                    </p:set>
+                                  </p:childTnLst>
+                                </p:cTn>
+                              </p:par>
+                            </p:childTnLst>
+                          </p:cTn>
+                        </p:par>
+                      </p:childTnLst>
+                    </p:cTn>
+                  </p:par>
+                  <p:par>
+                    <p:cTn id="28" fill="hold">
+                      <p:stCondLst>
+                        <p:cond delay="indefinite"/>
+                      </p:stCondLst>
+                      <p:childTnLst>
+                        <p:par>
+                          <p:cTn id="29" fill="hold">
+                            <p:stCondLst>
+                              <p:cond delay="0"/>
+                            </p:stCondLst>
+                            <p:childTnLst>
+                              <p:par>
+                                <p:cTn id="30" presetID="1" presetClass="entr" presetSubtype="0" fill="hold" grpId="0" nodeType="clickEffect">
+                                  <p:stCondLst>
+                                    <p:cond delay="0"/>
+                                  </p:stCondLst>
+                                  <p:childTnLst>
+                                    <p:set>
+                                      <p:cBhvr>
+                                        <p:cTn id="31" dur="1" fill="hold">
+                                          <p:stCondLst>
+                                            <p:cond delay="0"/>
+                                          </p:stCondLst>
+                                        </p:cTn>
+                                        <p:tgtEl>
+                                          <p:spTgt spid="24">
+                                            <p:txEl>
+                                              <p:pRg st="2" end="2"/>
+                                            </p:txEl>
+                                          </p:spTgt>
+                                        </p:tgtEl>
+                                        <p:attrNameLst>
+                                          <p:attrName>style.visibility</p:attrName>
+                                        </p:attrNameLst>
+                                      </p:cBhvr>
+                                      <p:to>
+                                        <p:strVal val="visible"/>
+                                      </p:to>
+                                    </p:set>
+                                  </p:childTnLst>
+                                </p:cTn>
+                              </p:par>
+                            </p:childTnLst>
+                          </p:cTn>
+                        </p:par>
+                      </p:childTnLst>
+                    </p:cTn>
+                  </p:par>
+                  <p:par>
+                    <p:cTn id="32" fill="hold">
+                      <p:stCondLst>
+                        <p:cond delay="indefinite"/>
+                      </p:stCondLst>
+                      <p:childTnLst>
+                        <p:par>
+                          <p:cTn id="33" fill="hold">
+                            <p:stCondLst>
+                              <p:cond delay="0"/>
+                            </p:stCondLst>
+                            <p:childTnLst>
+                              <p:par>
+                                <p:cTn id="34" presetID="1" presetClass="entr" presetSubtype="0" fill="hold" grpId="0" nodeType="clickEffect">
+                                  <p:stCondLst>
+                                    <p:cond delay="0"/>
+                                  </p:stCondLst>
+                                  <p:childTnLst>
+                                    <p:set>
+                                      <p:cBhvr>
+                                        <p:cTn id="35" dur="1" fill="hold">
+                                          <p:stCondLst>
+                                            <p:cond delay="0"/>
+                                          </p:stCondLst>
+                                        </p:cTn>
+                                        <p:tgtEl>
+                                          <p:spTgt spid="24">
+                                            <p:txEl>
+                                              <p:pRg st="3" end="3"/>
+                                            </p:txEl>
+                                          </p:spTgt>
+                                        </p:tgtEl>
+                                        <p:attrNameLst>
+                                          <p:attrName>style.visibility</p:attrName>
+                                        </p:attrNameLst>
+                                      </p:cBhvr>
+                                      <p:to>
+                                        <p:strVal val="visible"/>
+                                      </p:to>
+                                    </p:set>
+                                  </p:childTnLst>
+                                </p:cTn>
+                              </p:par>
+                            </p:childTnLst>
+                          </p:cTn>
+                        </p:par>
+                      </p:childTnLst>
+                    </p:cTn>
+                  </p:par>
+                  <p:par>
+                    <p:cTn id="36" fill="hold">
+                      <p:stCondLst>
+                        <p:cond delay="indefinite"/>
+                      </p:stCondLst>
+                      <p:childTnLst>
+                        <p:par>
+                          <p:cTn id="37" fill="hold">
+                            <p:stCondLst>
+                              <p:cond delay="0"/>
+                            </p:stCondLst>
+                            <p:childTnLst>
+                              <p:par>
+                                <p:cTn id="38" presetID="10" presetClass="entr" presetSubtype="0" fill="hold" nodeType="clickEffect">
+                                  <p:stCondLst>
+                                    <p:cond delay="0"/>
+                                  </p:stCondLst>
+                                  <p:childTnLst>
+                                    <p:set>
+                                      <p:cBhvr>
+                                        <p:cTn id="39" dur="1" fill="hold">
+                                          <p:stCondLst>
+                                            <p:cond delay="0"/>
+                                          </p:stCondLst>
+                                        </p:cTn>
+                                        <p:tgtEl>
+                                          <p:spTgt spid="30"/>
+                                        </p:tgtEl>
+                                        <p:attrNameLst>
+                                          <p:attrName>style.visibility</p:attrName>
+                                        </p:attrNameLst>
+                                      </p:cBhvr>
+                                      <p:to>
+                                        <p:strVal val="visible"/>
+                                      </p:to>
+                                    </p:set>
+                                    <p:animEffect transition="in" filter="fade">
+                                      <p:cBhvr>
+                                        <p:cTn id="40" dur="500"/>
+                                        <p:tgtEl>
+                                          <p:spTgt spid="30"/>
+                                        </p:tgtEl>
+                                      </p:cBhvr>
+                                    </p:animEffect>
+                                  </p:childTnLst>
+                                </p:cTn>
+                              </p:par>
+                            </p:childTnLst>
+                          </p:cTn>
+                        </p:par>
+                      </p:childTnLst>
+                    </p:cTn>
+                  </p:par>
+                  <p:par>
+                    <p:cTn id="41" fill="hold">
+                      <p:stCondLst>
+                        <p:cond delay="indefinite"/>
+                      </p:stCondLst>
+                      <p:childTnLst>
+                        <p:par>
+                          <p:cTn id="42" fill="hold">
+                            <p:stCondLst>
+                              <p:cond delay="0"/>
+                            </p:stCondLst>
+                            <p:childTnLst>
+                              <p:par>
+                                <p:cTn id="43" presetID="1" presetClass="entr" presetSubtype="0" fill="hold" grpId="0" nodeType="clickEffect">
+                                  <p:stCondLst>
+                                    <p:cond delay="0"/>
+                                  </p:stCondLst>
+                                  <p:childTnLst>
+                                    <p:set>
+                                      <p:cBhvr>
+                                        <p:cTn id="44" dur="1" fill="hold">
+                                          <p:stCondLst>
+                                            <p:cond delay="0"/>
+                                          </p:stCondLst>
+                                        </p:cTn>
+                                        <p:tgtEl>
+                                          <p:spTgt spid="24">
+                                            <p:txEl>
+                                              <p:pRg st="4" end="4"/>
+                                            </p:txEl>
+                                          </p:spTgt>
+                                        </p:tgtEl>
+                                        <p:attrNameLst>
+                                          <p:attrName>style.visibility</p:attrName>
+                                        </p:attrNameLst>
+                                      </p:cBhvr>
+                                      <p:to>
+                                        <p:strVal val="visible"/>
+                                      </p:to>
+                                    </p:set>
+                                  </p:childTnLst>
+                                </p:cTn>
+                              </p:par>
+                            </p:childTnLst>
+                          </p:cTn>
+                        </p:par>
+                      </p:childTnLst>
+                    </p:cTn>
+                  </p:par>
+                  <p:par>
+                    <p:cTn id="45" fill="hold">
+                      <p:stCondLst>
+                        <p:cond delay="indefinite"/>
+                      </p:stCondLst>
+                      <p:childTnLst>
+                        <p:par>
+                          <p:cTn id="46" fill="hold">
+                            <p:stCondLst>
+                              <p:cond delay="0"/>
+                            </p:stCondLst>
+                            <p:childTnLst>
+                              <p:par>
+                                <p:cTn id="47" presetID="1" presetClass="entr" presetSubtype="0" fill="hold" grpId="0" nodeType="clickEffect">
+                                  <p:stCondLst>
+                                    <p:cond delay="0"/>
+                                  </p:stCondLst>
+                                  <p:childTnLst>
+                                    <p:set>
+                                      <p:cBhvr>
+                                        <p:cTn id="48" dur="1" fill="hold">
+                                          <p:stCondLst>
+                                            <p:cond delay="0"/>
+                                          </p:stCondLst>
+                                        </p:cTn>
+                                        <p:tgtEl>
+                                          <p:spTgt spid="24">
+                                            <p:txEl>
+                                              <p:pRg st="5" end="5"/>
+                                            </p:txEl>
+                                          </p:spTgt>
+                                        </p:tgtEl>
+                                        <p:attrNameLst>
+                                          <p:attrName>style.visibility</p:attrName>
+                                        </p:attrNameLst>
+                                      </p:cBhvr>
+                                      <p:to>
+                                        <p:strVal val="visible"/>
+                                      </p:to>
+                                    </p:set>
+                                  </p:childTnLst>
+                                </p:cTn>
+                              </p:par>
+                            </p:childTnLst>
+                          </p:cTn>
+                        </p:par>
+                      </p:childTnLst>
+                    </p:cTn>
+                  </p:par>
+                  <p:par>
+                    <p:cTn id="49" fill="hold">
+                      <p:stCondLst>
+                        <p:cond delay="indefinite"/>
+                      </p:stCondLst>
+                      <p:childTnLst>
+                        <p:par>
+                          <p:cTn id="50" fill="hold">
+                            <p:stCondLst>
+                              <p:cond delay="0"/>
+                            </p:stCondLst>
+                            <p:childTnLst>
+                              <p:par>
+                                <p:cTn id="51" presetID="10" presetClass="exit" presetSubtype="0" fill="hold" nodeType="clickEffect">
+                                  <p:stCondLst>
+                                    <p:cond delay="0"/>
+                                  </p:stCondLst>
+                                  <p:childTnLst>
+                                    <p:animEffect transition="out" filter="fade">
+                                      <p:cBhvr>
+                                        <p:cTn id="52" dur="500"/>
+                                        <p:tgtEl>
+                                          <p:spTgt spid="30"/>
+                                        </p:tgtEl>
+                                      </p:cBhvr>
+                                    </p:animEffect>
+                                    <p:set>
+                                      <p:cBhvr>
+                                        <p:cTn id="53" dur="1" fill="hold">
+                                          <p:stCondLst>
+                                            <p:cond delay="499"/>
+                                          </p:stCondLst>
+                                        </p:cTn>
+                                        <p:tgtEl>
+                                          <p:spTgt spid="30"/>
+                                        </p:tgtEl>
+                                        <p:attrNameLst>
+                                          <p:attrName>style.visibility</p:attrName>
+                                        </p:attrNameLst>
+                                      </p:cBhvr>
+                                      <p:to>
+                                        <p:strVal val="hidden"/>
+                                      </p:to>
+                                    </p:set>
+                                  </p:childTnLst>
+                                </p:cTn>
+                              </p:par>
+                              <p:par>
+                                <p:cTn id="54" presetID="10" presetClass="entr" presetSubtype="0" fill="hold" nodeType="withEffect">
+                                  <p:stCondLst>
+                                    <p:cond delay="0"/>
+                                  </p:stCondLst>
+                                  <p:childTnLst>
+                                    <p:set>
+                                      <p:cBhvr>
+                                        <p:cTn id="55" dur="1" fill="hold">
+                                          <p:stCondLst>
+                                            <p:cond delay="0"/>
+                                          </p:stCondLst>
+                                        </p:cTn>
+                                        <p:tgtEl>
+                                          <p:spTgt spid="27"/>
+                                        </p:tgtEl>
+                                        <p:attrNameLst>
+                                          <p:attrName>style.visibility</p:attrName>
+                                        </p:attrNameLst>
+                                      </p:cBhvr>
+                                      <p:to>
+                                        <p:strVal val="visible"/>
+                                      </p:to>
+                                    </p:set>
+                                    <p:animEffect transition="in" filter="fade">
+                                      <p:cBhvr>
+                                        <p:cTn id="56" dur="500"/>
+                                        <p:tgtEl>
+                                          <p:spTgt spid="27"/>
+                                        </p:tgtEl>
+                                      </p:cBhvr>
+                                    </p:animEffect>
+                                  </p:childTnLst>
+                                </p:cTn>
+                              </p:par>
+                            </p:childTnLst>
+                          </p:cTn>
+                        </p:par>
+                      </p:childTnLst>
+                    </p:cTn>
+                  </p:par>
+                </p:childTnLst>
+              </p:cTn>
+              <p:prevCondLst>
+                <p:cond evt="onPrev" delay="0">
+                  <p:tgtEl>
+                    <p:sldTgt/>
+                  </p:tgtEl>
+                </p:cond>
+              </p:prevCondLst>
+              <p:nextCondLst>
+                <p:cond evt="onNext" delay="0">
+                  <p:tgtEl>
+                    <p:sldTgt/>
+                  </p:tgtEl>
+                </p:cond>
+              </p:nextCondLst>
+            </p:seq>
+          </p:childTnLst>
+        </p:cTn>
+      </p:par>
+    </p:tnLst>
+    <p:bldLst>
+      <p:bldP spid="24" grpId="0" uiExpand="1" build="p"/>
+    </p:bldLst>
+  </p:timing>
+</p:sld>
+</file>
+
+<file path=ppt/slides/slide11.xml><?xml version="1.0" encoding="utf-8"?>
+<p:sld xmlns:a="http://schemas.openxmlformats.org/drawingml/2006/main" xmlns:r="http://schemas.openxmlformats.org/officeDocument/2006/relationships" xmlns:p="http://schemas.openxmlformats.org/presentationml/2006/main">
+  <p:cSld>
+    <p:spTree>
+      <p:nvGrpSpPr>
+        <p:cNvPr id="1" name=""/>
+        <p:cNvGrpSpPr/>
+        <p:nvPr/>
+      </p:nvGrpSpPr>
+      <p:grpSpPr>
+        <a:xfrm>
+          <a:off x="0" y="0"/>
+          <a:ext cx="0" cy="0"/>
+          <a:chOff x="0" y="0"/>
+          <a:chExt cx="0" cy="0"/>
+        </a:xfrm>
+      </p:grpSpPr>
+      <p:sp>
+        <p:nvSpPr>
           <p:cNvPr id="3" name="Inhaltsplatzhalter 2">
             <a:extLst>
               <a:ext uri="{FF2B5EF4-FFF2-40B4-BE49-F238E27FC236}">
@@ -5384,7 +7621,7 @@
           <a:p>
             <a:r>
               <a:rPr lang="en-US" sz="2300" dirty="0"/>
-              <a:t>GANs help us find a suitable loss function (the discriminator) to train the generator on so that it produces images that are difficult to detect as not from the training set</a:t>
+              <a:t>GANs help us find a suitable loss function (discriminator) on which to train the generator so that it produces images that are difficult to detect as not from the training set</a:t>
             </a:r>
           </a:p>
           <a:p>
@@ -5415,27 +7652,43 @@
             </a:br>
             <a:r>
               <a:rPr lang="en-US" sz="2300" dirty="0"/>
-              <a:t>(instead of optimizing for the most accurate results in an average sense)</a:t>
+              <a:t>(instead of optimizing for results closest to ground </a:t>
             </a:r>
-          </a:p>
-          <a:p>
             <a:r>
-              <a:rPr lang="en-US" sz="2300" dirty="0"/>
+              <a:rPr lang="en-US" sz="2300"/>
+              <a:t>truth in an average sense)</a:t>
+            </a:r>
+            <a:endParaRPr lang="en-US" sz="2300" dirty="0"/>
+          </a:p>
+          <a:p>
+            <a:r>
+              <a:rPr lang="en-US" sz="2300" u="sng" dirty="0"/>
               <a:t>If instead we can </a:t>
             </a:r>
             <a:r>
-              <a:rPr lang="en-US" sz="2300" b="1" dirty="0"/>
+              <a:rPr lang="en-US" sz="2300" b="1" u="sng" dirty="0"/>
               <a:t>explicitly define</a:t>
             </a:r>
             <a:r>
+              <a:rPr lang="en-US" sz="2300" u="sng" dirty="0"/>
+              <a:t> what we are trying to optimize for (e.g. mean deviation from ground truth or adherence to PDE), GANs provide </a:t>
+            </a:r>
+            <a:r>
+              <a:rPr lang="en-US" sz="2300" b="1" u="sng" dirty="0"/>
+              <a:t>no obvious benefit</a:t>
+            </a:r>
+          </a:p>
+          <a:p>
+            <a:r>
               <a:rPr lang="en-US" sz="2300" dirty="0"/>
-              <a:t> what we are trying to optimize for, we do not need GANs!</a:t>
+              <a:t>Will a GAN model generalize better to new geometry types? </a:t>
             </a:r>
-          </a:p>
-          <a:p>
+            <a:br>
+              <a:rPr lang="en-US" sz="2300" dirty="0"/>
+            </a:br>
             <a:r>
-              <a:rPr lang="en-US" sz="2300" u="sng" dirty="0"/>
-              <a:t>GANs will not help further reduce the cost function measured against ground truth compared to the previously explored CNN approach</a:t>
+              <a:rPr lang="en-US" sz="2300" dirty="0"/>
+              <a:t>- Conceivable, but no obvious reason to believe so</a:t>
             </a:r>
           </a:p>
         </p:txBody>
@@ -5468,7 +7721,7 @@
           <a:p>
             <a:r>
               <a:rPr lang="en-US" dirty="0"/>
-              <a:t>Merit of GAN approach for Flow Prediction</a:t>
+              <a:t>Conclusion</a:t>
             </a:r>
           </a:p>
         </p:txBody>
@@ -5483,10 +7736,417 @@
   <p:clrMapOvr>
     <a:masterClrMapping/>
   </p:clrMapOvr>
+  <p:timing>
+    <p:tnLst>
+      <p:par>
+        <p:cTn id="1" dur="indefinite" restart="never" nodeType="tmRoot">
+          <p:childTnLst>
+            <p:seq concurrent="1" nextAc="seek">
+              <p:cTn id="2" dur="indefinite" nodeType="mainSeq">
+                <p:childTnLst>
+                  <p:par>
+                    <p:cTn id="3" fill="hold">
+                      <p:stCondLst>
+                        <p:cond delay="indefinite"/>
+                      </p:stCondLst>
+                      <p:childTnLst>
+                        <p:par>
+                          <p:cTn id="4" fill="hold">
+                            <p:stCondLst>
+                              <p:cond delay="0"/>
+                            </p:stCondLst>
+                            <p:childTnLst>
+                              <p:par>
+                                <p:cTn id="5" presetID="1" presetClass="entr" presetSubtype="0" fill="hold" nodeType="clickEffect">
+                                  <p:stCondLst>
+                                    <p:cond delay="0"/>
+                                  </p:stCondLst>
+                                  <p:childTnLst>
+                                    <p:set>
+                                      <p:cBhvr>
+                                        <p:cTn id="6" dur="1" fill="hold">
+                                          <p:stCondLst>
+                                            <p:cond delay="0"/>
+                                          </p:stCondLst>
+                                        </p:cTn>
+                                        <p:tgtEl>
+                                          <p:spTgt spid="3">
+                                            <p:txEl>
+                                              <p:pRg st="0" end="0"/>
+                                            </p:txEl>
+                                          </p:spTgt>
+                                        </p:tgtEl>
+                                        <p:attrNameLst>
+                                          <p:attrName>style.visibility</p:attrName>
+                                        </p:attrNameLst>
+                                      </p:cBhvr>
+                                      <p:to>
+                                        <p:strVal val="visible"/>
+                                      </p:to>
+                                    </p:set>
+                                  </p:childTnLst>
+                                </p:cTn>
+                              </p:par>
+                            </p:childTnLst>
+                          </p:cTn>
+                        </p:par>
+                      </p:childTnLst>
+                    </p:cTn>
+                  </p:par>
+                  <p:par>
+                    <p:cTn id="7" fill="hold">
+                      <p:stCondLst>
+                        <p:cond delay="indefinite"/>
+                      </p:stCondLst>
+                      <p:childTnLst>
+                        <p:par>
+                          <p:cTn id="8" fill="hold">
+                            <p:stCondLst>
+                              <p:cond delay="0"/>
+                            </p:stCondLst>
+                            <p:childTnLst>
+                              <p:par>
+                                <p:cTn id="9" presetID="1" presetClass="entr" presetSubtype="0" fill="hold" nodeType="clickEffect">
+                                  <p:stCondLst>
+                                    <p:cond delay="0"/>
+                                  </p:stCondLst>
+                                  <p:childTnLst>
+                                    <p:set>
+                                      <p:cBhvr>
+                                        <p:cTn id="10" dur="1" fill="hold">
+                                          <p:stCondLst>
+                                            <p:cond delay="0"/>
+                                          </p:stCondLst>
+                                        </p:cTn>
+                                        <p:tgtEl>
+                                          <p:spTgt spid="3">
+                                            <p:txEl>
+                                              <p:pRg st="1" end="1"/>
+                                            </p:txEl>
+                                          </p:spTgt>
+                                        </p:tgtEl>
+                                        <p:attrNameLst>
+                                          <p:attrName>style.visibility</p:attrName>
+                                        </p:attrNameLst>
+                                      </p:cBhvr>
+                                      <p:to>
+                                        <p:strVal val="visible"/>
+                                      </p:to>
+                                    </p:set>
+                                  </p:childTnLst>
+                                </p:cTn>
+                              </p:par>
+                            </p:childTnLst>
+                          </p:cTn>
+                        </p:par>
+                      </p:childTnLst>
+                    </p:cTn>
+                  </p:par>
+                  <p:par>
+                    <p:cTn id="11" fill="hold">
+                      <p:stCondLst>
+                        <p:cond delay="indefinite"/>
+                      </p:stCondLst>
+                      <p:childTnLst>
+                        <p:par>
+                          <p:cTn id="12" fill="hold">
+                            <p:stCondLst>
+                              <p:cond delay="0"/>
+                            </p:stCondLst>
+                            <p:childTnLst>
+                              <p:par>
+                                <p:cTn id="13" presetID="1" presetClass="entr" presetSubtype="0" fill="hold" nodeType="clickEffect">
+                                  <p:stCondLst>
+                                    <p:cond delay="0"/>
+                                  </p:stCondLst>
+                                  <p:childTnLst>
+                                    <p:set>
+                                      <p:cBhvr>
+                                        <p:cTn id="14" dur="1" fill="hold">
+                                          <p:stCondLst>
+                                            <p:cond delay="0"/>
+                                          </p:stCondLst>
+                                        </p:cTn>
+                                        <p:tgtEl>
+                                          <p:spTgt spid="3">
+                                            <p:txEl>
+                                              <p:pRg st="2" end="2"/>
+                                            </p:txEl>
+                                          </p:spTgt>
+                                        </p:tgtEl>
+                                        <p:attrNameLst>
+                                          <p:attrName>style.visibility</p:attrName>
+                                        </p:attrNameLst>
+                                      </p:cBhvr>
+                                      <p:to>
+                                        <p:strVal val="visible"/>
+                                      </p:to>
+                                    </p:set>
+                                  </p:childTnLst>
+                                </p:cTn>
+                              </p:par>
+                            </p:childTnLst>
+                          </p:cTn>
+                        </p:par>
+                      </p:childTnLst>
+                    </p:cTn>
+                  </p:par>
+                  <p:par>
+                    <p:cTn id="15" fill="hold">
+                      <p:stCondLst>
+                        <p:cond delay="indefinite"/>
+                      </p:stCondLst>
+                      <p:childTnLst>
+                        <p:par>
+                          <p:cTn id="16" fill="hold">
+                            <p:stCondLst>
+                              <p:cond delay="0"/>
+                            </p:stCondLst>
+                            <p:childTnLst>
+                              <p:par>
+                                <p:cTn id="17" presetID="1" presetClass="entr" presetSubtype="0" fill="hold" nodeType="clickEffect">
+                                  <p:stCondLst>
+                                    <p:cond delay="0"/>
+                                  </p:stCondLst>
+                                  <p:childTnLst>
+                                    <p:set>
+                                      <p:cBhvr>
+                                        <p:cTn id="18" dur="1" fill="hold">
+                                          <p:stCondLst>
+                                            <p:cond delay="0"/>
+                                          </p:stCondLst>
+                                        </p:cTn>
+                                        <p:tgtEl>
+                                          <p:spTgt spid="3">
+                                            <p:txEl>
+                                              <p:pRg st="3" end="3"/>
+                                            </p:txEl>
+                                          </p:spTgt>
+                                        </p:tgtEl>
+                                        <p:attrNameLst>
+                                          <p:attrName>style.visibility</p:attrName>
+                                        </p:attrNameLst>
+                                      </p:cBhvr>
+                                      <p:to>
+                                        <p:strVal val="visible"/>
+                                      </p:to>
+                                    </p:set>
+                                  </p:childTnLst>
+                                </p:cTn>
+                              </p:par>
+                            </p:childTnLst>
+                          </p:cTn>
+                        </p:par>
+                      </p:childTnLst>
+                    </p:cTn>
+                  </p:par>
+                  <p:par>
+                    <p:cTn id="19" fill="hold">
+                      <p:stCondLst>
+                        <p:cond delay="indefinite"/>
+                      </p:stCondLst>
+                      <p:childTnLst>
+                        <p:par>
+                          <p:cTn id="20" fill="hold">
+                            <p:stCondLst>
+                              <p:cond delay="0"/>
+                            </p:stCondLst>
+                            <p:childTnLst>
+                              <p:par>
+                                <p:cTn id="21" presetID="1" presetClass="entr" presetSubtype="0" fill="hold" nodeType="clickEffect">
+                                  <p:stCondLst>
+                                    <p:cond delay="0"/>
+                                  </p:stCondLst>
+                                  <p:childTnLst>
+                                    <p:set>
+                                      <p:cBhvr>
+                                        <p:cTn id="22" dur="1" fill="hold">
+                                          <p:stCondLst>
+                                            <p:cond delay="0"/>
+                                          </p:stCondLst>
+                                        </p:cTn>
+                                        <p:tgtEl>
+                                          <p:spTgt spid="3">
+                                            <p:txEl>
+                                              <p:pRg st="4" end="4"/>
+                                            </p:txEl>
+                                          </p:spTgt>
+                                        </p:tgtEl>
+                                        <p:attrNameLst>
+                                          <p:attrName>style.visibility</p:attrName>
+                                        </p:attrNameLst>
+                                      </p:cBhvr>
+                                      <p:to>
+                                        <p:strVal val="visible"/>
+                                      </p:to>
+                                    </p:set>
+                                  </p:childTnLst>
+                                </p:cTn>
+                              </p:par>
+                            </p:childTnLst>
+                          </p:cTn>
+                        </p:par>
+                      </p:childTnLst>
+                    </p:cTn>
+                  </p:par>
+                </p:childTnLst>
+              </p:cTn>
+              <p:prevCondLst>
+                <p:cond evt="onPrev" delay="0">
+                  <p:tgtEl>
+                    <p:sldTgt/>
+                  </p:tgtEl>
+                </p:cond>
+              </p:prevCondLst>
+              <p:nextCondLst>
+                <p:cond evt="onNext" delay="0">
+                  <p:tgtEl>
+                    <p:sldTgt/>
+                  </p:tgtEl>
+                </p:cond>
+              </p:nextCondLst>
+            </p:seq>
+          </p:childTnLst>
+        </p:cTn>
+      </p:par>
+    </p:tnLst>
+  </p:timing>
 </p:sld>
 </file>
 
 <file path=ppt/slides/slide2.xml><?xml version="1.0" encoding="utf-8"?>
+<p:sld xmlns:a="http://schemas.openxmlformats.org/drawingml/2006/main" xmlns:r="http://schemas.openxmlformats.org/officeDocument/2006/relationships" xmlns:p="http://schemas.openxmlformats.org/presentationml/2006/main">
+  <p:cSld>
+    <p:spTree>
+      <p:nvGrpSpPr>
+        <p:cNvPr id="1" name=""/>
+        <p:cNvGrpSpPr/>
+        <p:nvPr/>
+      </p:nvGrpSpPr>
+      <p:grpSpPr>
+        <a:xfrm>
+          <a:off x="0" y="0"/>
+          <a:ext cx="0" cy="0"/>
+          <a:chOff x="0" y="0"/>
+          <a:chExt cx="0" cy="0"/>
+        </a:xfrm>
+      </p:grpSpPr>
+      <p:sp>
+        <p:nvSpPr>
+          <p:cNvPr id="2" name="Titel 1">
+            <a:extLst>
+              <a:ext uri="{FF2B5EF4-FFF2-40B4-BE49-F238E27FC236}">
+                <a16:creationId xmlns:a16="http://schemas.microsoft.com/office/drawing/2014/main" id="{7377CEB7-AEF0-4FEC-9E91-426679ED650F}"/>
+              </a:ext>
+            </a:extLst>
+          </p:cNvPr>
+          <p:cNvSpPr>
+            <a:spLocks noGrp="1"/>
+          </p:cNvSpPr>
+          <p:nvPr>
+            <p:ph type="title"/>
+          </p:nvPr>
+        </p:nvSpPr>
+        <p:spPr/>
+        <p:txBody>
+          <a:bodyPr/>
+          <a:lstStyle/>
+          <a:p>
+            <a:r>
+              <a:rPr lang="en-US" dirty="0"/>
+              <a:t>Outline</a:t>
+            </a:r>
+          </a:p>
+        </p:txBody>
+      </p:sp>
+      <p:sp>
+        <p:nvSpPr>
+          <p:cNvPr id="3" name="Inhaltsplatzhalter 2">
+            <a:extLst>
+              <a:ext uri="{FF2B5EF4-FFF2-40B4-BE49-F238E27FC236}">
+                <a16:creationId xmlns:a16="http://schemas.microsoft.com/office/drawing/2014/main" id="{D135D43D-4336-49AD-B880-DB8F334604FE}"/>
+              </a:ext>
+            </a:extLst>
+          </p:cNvPr>
+          <p:cNvSpPr>
+            <a:spLocks noGrp="1"/>
+          </p:cNvSpPr>
+          <p:nvPr>
+            <p:ph idx="1"/>
+          </p:nvPr>
+        </p:nvSpPr>
+        <p:spPr/>
+        <p:txBody>
+          <a:bodyPr/>
+          <a:lstStyle/>
+          <a:p>
+            <a:pPr marL="514350" indent="-514350">
+              <a:lnSpc>
+                <a:spcPct val="200000"/>
+              </a:lnSpc>
+              <a:buFont typeface="+mj-lt"/>
+              <a:buAutoNum type="arabicPeriod"/>
+            </a:pPr>
+            <a:r>
+              <a:rPr lang="en-US" dirty="0"/>
+              <a:t>GAN Approach</a:t>
+            </a:r>
+          </a:p>
+          <a:p>
+            <a:pPr marL="514350" indent="-514350">
+              <a:lnSpc>
+                <a:spcPct val="200000"/>
+              </a:lnSpc>
+              <a:buFont typeface="+mj-lt"/>
+              <a:buAutoNum type="arabicPeriod"/>
+            </a:pPr>
+            <a:r>
+              <a:rPr lang="en-US" dirty="0"/>
+              <a:t>GAN Architectures</a:t>
+            </a:r>
+          </a:p>
+          <a:p>
+            <a:pPr marL="514350" indent="-514350">
+              <a:lnSpc>
+                <a:spcPct val="200000"/>
+              </a:lnSpc>
+              <a:buFont typeface="+mj-lt"/>
+              <a:buAutoNum type="arabicPeriod"/>
+            </a:pPr>
+            <a:r>
+              <a:rPr lang="en-US" dirty="0"/>
+              <a:t>Image translation: GAN vs. classical NN</a:t>
+            </a:r>
+          </a:p>
+          <a:p>
+            <a:pPr marL="514350" indent="-514350">
+              <a:lnSpc>
+                <a:spcPct val="200000"/>
+              </a:lnSpc>
+              <a:buFont typeface="+mj-lt"/>
+              <a:buAutoNum type="arabicPeriod"/>
+            </a:pPr>
+            <a:r>
+              <a:rPr lang="en-US" dirty="0"/>
+              <a:t>Conclusion</a:t>
+            </a:r>
+          </a:p>
+        </p:txBody>
+      </p:sp>
+    </p:spTree>
+    <p:extLst>
+      <p:ext uri="{BB962C8B-B14F-4D97-AF65-F5344CB8AC3E}">
+        <p14:creationId xmlns:p14="http://schemas.microsoft.com/office/powerpoint/2010/main" val="743838422"/>
+      </p:ext>
+    </p:extLst>
+  </p:cSld>
+  <p:clrMapOvr>
+    <a:masterClrMapping/>
+  </p:clrMapOvr>
+</p:sld>
+</file>
+
+<file path=ppt/slides/slide3.xml><?xml version="1.0" encoding="utf-8"?>
 <p:sld xmlns:a="http://schemas.openxmlformats.org/drawingml/2006/main" xmlns:r="http://schemas.openxmlformats.org/officeDocument/2006/relationships" xmlns:p="http://schemas.openxmlformats.org/presentationml/2006/main">
   <p:cSld>
     <p:spTree>
@@ -5957,7 +8617,7 @@
 </p:sld>
 </file>
 
-<file path=ppt/slides/slide3.xml><?xml version="1.0" encoding="utf-8"?>
+<file path=ppt/slides/slide4.xml><?xml version="1.0" encoding="utf-8"?>
 <p:sld xmlns:a="http://schemas.openxmlformats.org/drawingml/2006/main" xmlns:r="http://schemas.openxmlformats.org/officeDocument/2006/relationships" xmlns:p="http://schemas.openxmlformats.org/presentationml/2006/main">
   <p:cSld>
     <p:spTree>
@@ -7353,7 +10013,7 @@
 </p:sld>
 </file>
 
-<file path=ppt/slides/slide4.xml><?xml version="1.0" encoding="utf-8"?>
+<file path=ppt/slides/slide5.xml><?xml version="1.0" encoding="utf-8"?>
 <p:sld xmlns:a="http://schemas.openxmlformats.org/drawingml/2006/main" xmlns:r="http://schemas.openxmlformats.org/officeDocument/2006/relationships" xmlns:p="http://schemas.openxmlformats.org/presentationml/2006/main">
   <p:cSld>
     <p:spTree>
@@ -7384,7 +10044,7 @@
         </p:nvSpPr>
         <p:spPr>
           <a:xfrm>
-            <a:off x="3337560" y="3961080"/>
+            <a:off x="3390826" y="4115277"/>
             <a:ext cx="1351280" cy="914400"/>
           </a:xfrm>
           <a:prstGeom prst="rect">
@@ -7438,7 +10098,7 @@
         </p:nvSpPr>
         <p:spPr>
           <a:xfrm>
-            <a:off x="7340602" y="3789680"/>
+            <a:off x="7393868" y="3943877"/>
             <a:ext cx="1849120" cy="1085800"/>
           </a:xfrm>
           <a:prstGeom prst="rect">
@@ -7490,7 +10150,7 @@
         </p:nvSpPr>
         <p:spPr>
           <a:xfrm>
-            <a:off x="4231640" y="2078047"/>
+            <a:off x="4284906" y="2232244"/>
             <a:ext cx="741680" cy="812800"/>
           </a:xfrm>
           <a:prstGeom prst="rect">
@@ -7542,7 +10202,7 @@
         </p:nvSpPr>
         <p:spPr>
           <a:xfrm>
-            <a:off x="4384040" y="2230447"/>
+            <a:off x="4437306" y="2384644"/>
             <a:ext cx="741680" cy="812800"/>
           </a:xfrm>
           <a:prstGeom prst="rect">
@@ -7594,7 +10254,7 @@
         </p:nvSpPr>
         <p:spPr>
           <a:xfrm>
-            <a:off x="4536440" y="2382847"/>
+            <a:off x="4589706" y="2537044"/>
             <a:ext cx="741680" cy="812800"/>
           </a:xfrm>
           <a:prstGeom prst="rect">
@@ -7646,7 +10306,7 @@
         </p:nvSpPr>
         <p:spPr>
           <a:xfrm>
-            <a:off x="4688840" y="2535247"/>
+            <a:off x="4742106" y="2689444"/>
             <a:ext cx="741680" cy="812800"/>
           </a:xfrm>
           <a:prstGeom prst="rect">
@@ -7698,7 +10358,7 @@
         </p:nvSpPr>
         <p:spPr>
           <a:xfrm>
-            <a:off x="1330960" y="3422600"/>
+            <a:off x="1384226" y="3576797"/>
             <a:ext cx="284480" cy="284480"/>
           </a:xfrm>
           <a:prstGeom prst="rect">
@@ -7750,7 +10410,7 @@
         </p:nvSpPr>
         <p:spPr>
           <a:xfrm>
-            <a:off x="1330960" y="3707080"/>
+            <a:off x="1384226" y="3861277"/>
             <a:ext cx="284480" cy="284480"/>
           </a:xfrm>
           <a:prstGeom prst="rect">
@@ -7802,7 +10462,7 @@
         </p:nvSpPr>
         <p:spPr>
           <a:xfrm>
-            <a:off x="1330960" y="3991560"/>
+            <a:off x="1384226" y="4145757"/>
             <a:ext cx="284480" cy="284480"/>
           </a:xfrm>
           <a:prstGeom prst="rect">
@@ -7854,7 +10514,7 @@
         </p:nvSpPr>
         <p:spPr>
           <a:xfrm>
-            <a:off x="1330960" y="4276040"/>
+            <a:off x="1384226" y="4430237"/>
             <a:ext cx="284480" cy="284480"/>
           </a:xfrm>
           <a:prstGeom prst="rect">
@@ -7906,7 +10566,7 @@
         </p:nvSpPr>
         <p:spPr>
           <a:xfrm>
-            <a:off x="1330960" y="4276040"/>
+            <a:off x="1384226" y="4430237"/>
             <a:ext cx="284480" cy="284480"/>
           </a:xfrm>
           <a:prstGeom prst="rect">
@@ -7958,7 +10618,7 @@
         </p:nvSpPr>
         <p:spPr>
           <a:xfrm>
-            <a:off x="1330960" y="4560520"/>
+            <a:off x="1384226" y="4714717"/>
             <a:ext cx="284480" cy="284480"/>
           </a:xfrm>
           <a:prstGeom prst="rect">
@@ -8010,7 +10670,7 @@
         </p:nvSpPr>
         <p:spPr>
           <a:xfrm>
-            <a:off x="1330960" y="4845000"/>
+            <a:off x="1384226" y="4999197"/>
             <a:ext cx="284480" cy="284480"/>
           </a:xfrm>
           <a:prstGeom prst="rect">
@@ -8062,7 +10722,7 @@
         </p:nvSpPr>
         <p:spPr>
           <a:xfrm>
-            <a:off x="1330960" y="5129480"/>
+            <a:off x="1384226" y="5283677"/>
             <a:ext cx="284480" cy="284480"/>
           </a:xfrm>
           <a:prstGeom prst="rect">
@@ -8114,7 +10774,7 @@
         </p:nvSpPr>
         <p:spPr>
           <a:xfrm>
-            <a:off x="1016000" y="2757903"/>
+            <a:off x="1069266" y="2912100"/>
             <a:ext cx="914400" cy="646331"/>
           </a:xfrm>
           <a:prstGeom prst="rect">
@@ -8157,7 +10817,7 @@
         </p:nvSpPr>
         <p:spPr>
           <a:xfrm>
-            <a:off x="3860800" y="1664781"/>
+            <a:off x="3914066" y="1818978"/>
             <a:ext cx="1590040" cy="369332"/>
           </a:xfrm>
           <a:prstGeom prst="rect">
@@ -8193,7 +10853,7 @@
         </p:nvSpPr>
         <p:spPr>
           <a:xfrm>
-            <a:off x="1899920" y="3422600"/>
+            <a:off x="1953186" y="3576797"/>
             <a:ext cx="314960" cy="1991360"/>
           </a:xfrm>
           <a:prstGeom prst="rightBrace">
@@ -8242,7 +10902,7 @@
         </p:nvCxnSpPr>
         <p:spPr>
           <a:xfrm>
-            <a:off x="2214880" y="4418280"/>
+            <a:off x="2268146" y="4572477"/>
             <a:ext cx="1122680" cy="0"/>
           </a:xfrm>
           <a:prstGeom prst="line">
@@ -8285,7 +10945,7 @@
         </p:nvCxnSpPr>
         <p:spPr>
           <a:xfrm>
-            <a:off x="4688840" y="4418280"/>
+            <a:off x="4742106" y="4572477"/>
             <a:ext cx="2646680" cy="1320"/>
           </a:xfrm>
           <a:prstGeom prst="line">
@@ -8327,7 +10987,7 @@
         </p:nvCxnSpPr>
         <p:spPr>
           <a:xfrm>
-            <a:off x="5582920" y="3621380"/>
+            <a:off x="5636186" y="3775577"/>
             <a:ext cx="1757682" cy="577289"/>
           </a:xfrm>
           <a:prstGeom prst="bentConnector3">
@@ -8377,7 +11037,7 @@
         </p:nvCxnSpPr>
         <p:spPr>
           <a:xfrm>
-            <a:off x="9189722" y="4332580"/>
+            <a:off x="9242988" y="4486777"/>
             <a:ext cx="926376" cy="3786"/>
           </a:xfrm>
           <a:prstGeom prst="line">
@@ -8417,7 +11077,7 @@
         </p:nvSpPr>
         <p:spPr>
           <a:xfrm>
-            <a:off x="10116098" y="4013200"/>
+            <a:off x="10169364" y="4167397"/>
             <a:ext cx="993862" cy="646331"/>
           </a:xfrm>
           <a:prstGeom prst="rect">
@@ -8459,7 +11119,7 @@
         </p:nvSpPr>
         <p:spPr>
           <a:xfrm>
-            <a:off x="568036" y="5692347"/>
+            <a:off x="621302" y="5846544"/>
             <a:ext cx="1382686" cy="646331"/>
           </a:xfrm>
           <a:prstGeom prst="rect">
@@ -8536,7 +11196,7 @@
         </p:nvCxnSpPr>
         <p:spPr>
           <a:xfrm flipV="1">
-            <a:off x="1950722" y="4696668"/>
+            <a:off x="2003988" y="4850865"/>
             <a:ext cx="1392383" cy="1318845"/>
           </a:xfrm>
           <a:prstGeom prst="bentConnector3">
@@ -8583,7 +11243,7 @@
         </p:nvCxnSpPr>
         <p:spPr>
           <a:xfrm flipV="1">
-            <a:off x="2646913" y="4622115"/>
+            <a:off x="2700179" y="4776312"/>
             <a:ext cx="4693689" cy="1393397"/>
           </a:xfrm>
           <a:prstGeom prst="bentConnector3">
@@ -8630,7 +11290,7 @@
         </p:nvCxnSpPr>
         <p:spPr>
           <a:xfrm>
-            <a:off x="5565139" y="2824480"/>
+            <a:off x="5618405" y="2978677"/>
             <a:ext cx="1793242" cy="1209040"/>
           </a:xfrm>
           <a:prstGeom prst="bentConnector3">
@@ -8676,8 +11336,8 @@
         </p:nvSpPr>
         <p:spPr>
           <a:xfrm>
-            <a:off x="4170679" y="3415258"/>
-            <a:ext cx="1590040" cy="369332"/>
+            <a:off x="3536302" y="3569455"/>
+            <a:ext cx="2277683" cy="369332"/>
           </a:xfrm>
           <a:prstGeom prst="rect">
             <a:avLst/>
@@ -8693,7 +11353,7 @@
             <a:pPr algn="ctr"/>
             <a:r>
               <a:rPr lang="en-US" dirty="0"/>
-              <a:t>Data Labels</a:t>
+              <a:t>Conditional Labels</a:t>
             </a:r>
           </a:p>
         </p:txBody>
@@ -8916,7 +11576,7 @@
 </p:sld>
 </file>
 
-<file path=ppt/slides/slide5.xml><?xml version="1.0" encoding="utf-8"?>
+<file path=ppt/slides/slide6.xml><?xml version="1.0" encoding="utf-8"?>
 <p:sld xmlns:a="http://schemas.openxmlformats.org/drawingml/2006/main" xmlns:r="http://schemas.openxmlformats.org/officeDocument/2006/relationships" xmlns:p="http://schemas.openxmlformats.org/presentationml/2006/main">
   <p:cSld>
     <p:spTree>
@@ -8935,6 +11595,60 @@
       </p:grpSpPr>
       <p:sp>
         <p:nvSpPr>
+          <p:cNvPr id="53" name="Titel 1">
+            <a:extLst>
+              <a:ext uri="{FF2B5EF4-FFF2-40B4-BE49-F238E27FC236}">
+                <a16:creationId xmlns:a16="http://schemas.microsoft.com/office/drawing/2014/main" id="{2CF7D755-E2E2-44B7-A29A-912A172C30B6}"/>
+              </a:ext>
+            </a:extLst>
+          </p:cNvPr>
+          <p:cNvSpPr txBox="1">
+            <a:spLocks/>
+          </p:cNvSpPr>
+          <p:nvPr/>
+        </p:nvSpPr>
+        <p:spPr>
+          <a:xfrm>
+            <a:off x="376104" y="300446"/>
+            <a:ext cx="11536680" cy="1325563"/>
+          </a:xfrm>
+          <a:prstGeom prst="rect">
+            <a:avLst/>
+          </a:prstGeom>
+        </p:spPr>
+        <p:txBody>
+          <a:bodyPr vert="horz" lIns="91440" tIns="45720" rIns="91440" bIns="45720" rtlCol="0" anchor="ctr">
+            <a:normAutofit/>
+          </a:bodyPr>
+          <a:lstStyle>
+            <a:lvl1pPr algn="l" defTabSz="914400" rtl="0" eaLnBrk="1" latinLnBrk="0" hangingPunct="1">
+              <a:lnSpc>
+                <a:spcPct val="90000"/>
+              </a:lnSpc>
+              <a:spcBef>
+                <a:spcPct val="0"/>
+              </a:spcBef>
+              <a:buNone/>
+              <a:defRPr sz="4400" kern="1200">
+                <a:solidFill>
+                  <a:schemeClr val="tx1"/>
+                </a:solidFill>
+                <a:latin typeface="+mj-lt"/>
+                <a:ea typeface="+mj-ea"/>
+                <a:cs typeface="+mj-cs"/>
+              </a:defRPr>
+            </a:lvl1pPr>
+          </a:lstStyle>
+          <a:p>
+            <a:r>
+              <a:rPr lang="en-US" dirty="0"/>
+              <a:t>Translational cGAN Architecture (deterministically)</a:t>
+            </a:r>
+          </a:p>
+        </p:txBody>
+      </p:sp>
+      <p:sp>
+        <p:nvSpPr>
           <p:cNvPr id="5" name="Rechteck 4">
             <a:extLst>
               <a:ext uri="{FF2B5EF4-FFF2-40B4-BE49-F238E27FC236}">
@@ -8947,7 +11661,7 @@
         </p:nvSpPr>
         <p:spPr>
           <a:xfrm>
-            <a:off x="3353115" y="4562964"/>
+            <a:off x="3406325" y="4345332"/>
             <a:ext cx="1351280" cy="914400"/>
           </a:xfrm>
           <a:prstGeom prst="rect">
@@ -9001,7 +11715,7 @@
         </p:nvSpPr>
         <p:spPr>
           <a:xfrm>
-            <a:off x="7356157" y="4391564"/>
+            <a:off x="7409367" y="4173932"/>
             <a:ext cx="1849120" cy="1085800"/>
           </a:xfrm>
           <a:prstGeom prst="rect">
@@ -9053,7 +11767,7 @@
         </p:nvSpPr>
         <p:spPr>
           <a:xfrm>
-            <a:off x="4287835" y="2459795"/>
+            <a:off x="4341045" y="2242163"/>
             <a:ext cx="741680" cy="812800"/>
           </a:xfrm>
           <a:prstGeom prst="rect">
@@ -9105,7 +11819,7 @@
         </p:nvSpPr>
         <p:spPr>
           <a:xfrm>
-            <a:off x="4440235" y="2612195"/>
+            <a:off x="4493445" y="2394563"/>
             <a:ext cx="741680" cy="812800"/>
           </a:xfrm>
           <a:prstGeom prst="rect">
@@ -9157,7 +11871,7 @@
         </p:nvSpPr>
         <p:spPr>
           <a:xfrm>
-            <a:off x="4592635" y="2764595"/>
+            <a:off x="4645845" y="2546963"/>
             <a:ext cx="741680" cy="812800"/>
           </a:xfrm>
           <a:prstGeom prst="rect">
@@ -9209,7 +11923,7 @@
         </p:nvSpPr>
         <p:spPr>
           <a:xfrm>
-            <a:off x="4745035" y="2916995"/>
+            <a:off x="4798245" y="2699363"/>
             <a:ext cx="741680" cy="812800"/>
           </a:xfrm>
           <a:prstGeom prst="rect">
@@ -9261,7 +11975,7 @@
         </p:nvSpPr>
         <p:spPr>
           <a:xfrm>
-            <a:off x="3860399" y="1842668"/>
+            <a:off x="3913609" y="1625036"/>
             <a:ext cx="1590040" cy="646331"/>
           </a:xfrm>
           <a:prstGeom prst="rect">
@@ -9307,7 +12021,7 @@
         </p:nvCxnSpPr>
         <p:spPr>
           <a:xfrm>
-            <a:off x="4704395" y="5020164"/>
+            <a:off x="4757605" y="4802532"/>
             <a:ext cx="2646680" cy="1320"/>
           </a:xfrm>
           <a:prstGeom prst="line">
@@ -9349,7 +12063,7 @@
         </p:nvCxnSpPr>
         <p:spPr>
           <a:xfrm>
-            <a:off x="3482655" y="4097559"/>
+            <a:off x="3535865" y="3879927"/>
             <a:ext cx="3873502" cy="702994"/>
           </a:xfrm>
           <a:prstGeom prst="bentConnector3">
@@ -9399,7 +12113,7 @@
         </p:nvCxnSpPr>
         <p:spPr>
           <a:xfrm>
-            <a:off x="9205277" y="4934464"/>
+            <a:off x="9258487" y="4716832"/>
             <a:ext cx="926376" cy="3786"/>
           </a:xfrm>
           <a:prstGeom prst="line">
@@ -9439,7 +12153,7 @@
         </p:nvSpPr>
         <p:spPr>
           <a:xfrm>
-            <a:off x="10131653" y="4615084"/>
+            <a:off x="10184863" y="4397452"/>
             <a:ext cx="993862" cy="646331"/>
           </a:xfrm>
           <a:prstGeom prst="rect">
@@ -9481,7 +12195,7 @@
         </p:nvSpPr>
         <p:spPr>
           <a:xfrm>
-            <a:off x="838200" y="3879455"/>
+            <a:off x="771314" y="6177186"/>
             <a:ext cx="1315425" cy="646331"/>
           </a:xfrm>
           <a:prstGeom prst="rect">
@@ -9525,8 +12239,8 @@
         </p:nvCxnSpPr>
         <p:spPr>
           <a:xfrm flipV="1">
-            <a:off x="2586035" y="5224001"/>
-            <a:ext cx="4770122" cy="472974"/>
+            <a:off x="2669540" y="5006370"/>
+            <a:ext cx="4739827" cy="788199"/>
           </a:xfrm>
           <a:prstGeom prst="bentConnector3">
             <a:avLst>
@@ -9572,7 +12286,7 @@
         </p:nvCxnSpPr>
         <p:spPr>
           <a:xfrm>
-            <a:off x="5580694" y="3426364"/>
+            <a:off x="5633904" y="3208732"/>
             <a:ext cx="1793242" cy="1209040"/>
           </a:xfrm>
           <a:prstGeom prst="bentConnector3">
@@ -9618,7 +12332,7 @@
         </p:nvSpPr>
         <p:spPr>
           <a:xfrm>
-            <a:off x="1158703" y="4613764"/>
+            <a:off x="1058186" y="5364386"/>
             <a:ext cx="741680" cy="812800"/>
           </a:xfrm>
           <a:custGeom>
@@ -9831,7 +12545,7 @@
         </p:nvSpPr>
         <p:spPr>
           <a:xfrm>
-            <a:off x="2661519" y="2459795"/>
+            <a:off x="2714729" y="2242163"/>
             <a:ext cx="741680" cy="812800"/>
           </a:xfrm>
           <a:custGeom>
@@ -10043,7 +12757,7 @@
         </p:nvSpPr>
         <p:spPr>
           <a:xfrm>
-            <a:off x="2813919" y="2612195"/>
+            <a:off x="2867129" y="2394563"/>
             <a:ext cx="741680" cy="812800"/>
           </a:xfrm>
           <a:custGeom>
@@ -10255,7 +12969,7 @@
         </p:nvSpPr>
         <p:spPr>
           <a:xfrm>
-            <a:off x="2966319" y="2764595"/>
+            <a:off x="3019529" y="2546963"/>
             <a:ext cx="741680" cy="812800"/>
           </a:xfrm>
           <a:custGeom>
@@ -10467,7 +13181,7 @@
         </p:nvSpPr>
         <p:spPr>
           <a:xfrm>
-            <a:off x="3118719" y="2916995"/>
+            <a:off x="3171929" y="2699363"/>
             <a:ext cx="741680" cy="812800"/>
           </a:xfrm>
           <a:custGeom>
@@ -10679,7 +13393,7 @@
         </p:nvSpPr>
         <p:spPr>
           <a:xfrm>
-            <a:off x="2237339" y="1836744"/>
+            <a:off x="2290549" y="1619112"/>
             <a:ext cx="1590040" cy="646331"/>
           </a:xfrm>
           <a:prstGeom prst="rect">
@@ -10717,7 +13431,7 @@
         </p:nvCxnSpPr>
         <p:spPr>
           <a:xfrm>
-            <a:off x="3489559" y="3822604"/>
+            <a:off x="3542769" y="3604972"/>
             <a:ext cx="0" cy="283160"/>
           </a:xfrm>
           <a:prstGeom prst="line">
@@ -10727,49 +13441,7 @@
             <a:solidFill>
               <a:schemeClr val="tx1"/>
             </a:solidFill>
-          </a:ln>
-        </p:spPr>
-        <p:style>
-          <a:lnRef idx="1">
-            <a:schemeClr val="accent1"/>
-          </a:lnRef>
-          <a:fillRef idx="0">
-            <a:schemeClr val="accent1"/>
-          </a:fillRef>
-          <a:effectRef idx="0">
-            <a:schemeClr val="accent1"/>
-          </a:effectRef>
-          <a:fontRef idx="minor">
-            <a:schemeClr val="tx1"/>
-          </a:fontRef>
-        </p:style>
-      </p:cxnSp>
-      <p:cxnSp>
-        <p:nvCxnSpPr>
-          <p:cNvPr id="52" name="Gerader Verbinder 51">
-            <a:extLst>
-              <a:ext uri="{FF2B5EF4-FFF2-40B4-BE49-F238E27FC236}">
-                <a16:creationId xmlns:a16="http://schemas.microsoft.com/office/drawing/2014/main" id="{B32B7F98-8509-40B0-AD5A-11D80B8CDBE7}"/>
-              </a:ext>
-            </a:extLst>
-          </p:cNvPr>
-          <p:cNvCxnSpPr>
-            <a:cxnSpLocks/>
-          </p:cNvCxnSpPr>
-          <p:nvPr/>
-        </p:nvCxnSpPr>
-        <p:spPr>
-          <a:xfrm>
-            <a:off x="2586035" y="5020164"/>
-            <a:ext cx="0" cy="676811"/>
-          </a:xfrm>
-          <a:prstGeom prst="line">
-            <a:avLst/>
-          </a:prstGeom>
-          <a:ln w="19050">
-            <a:solidFill>
-              <a:schemeClr val="tx1"/>
-            </a:solidFill>
+            <a:prstDash val="dash"/>
           </a:ln>
         </p:spPr>
         <p:style>
@@ -10804,7 +13476,7 @@
         </p:nvCxnSpPr>
         <p:spPr>
           <a:xfrm>
-            <a:off x="1984563" y="5020164"/>
+            <a:off x="2037773" y="4802532"/>
             <a:ext cx="1368552" cy="0"/>
           </a:xfrm>
           <a:prstGeom prst="line">
@@ -10846,7 +13518,7 @@
         </p:nvSpPr>
         <p:spPr>
           <a:xfrm>
-            <a:off x="838200" y="365125"/>
+            <a:off x="376104" y="294695"/>
             <a:ext cx="10515600" cy="1325563"/>
           </a:xfrm>
           <a:prstGeom prst="rect">
@@ -10884,6 +13556,297 @@
           </a:p>
         </p:txBody>
       </p:sp>
+      <p:cxnSp>
+        <p:nvCxnSpPr>
+          <p:cNvPr id="26" name="Verbinder: gewinkelt 25">
+            <a:extLst>
+              <a:ext uri="{FF2B5EF4-FFF2-40B4-BE49-F238E27FC236}">
+                <a16:creationId xmlns:a16="http://schemas.microsoft.com/office/drawing/2014/main" id="{36C6E48B-7A21-40B6-8971-B525ECC95A18}"/>
+              </a:ext>
+            </a:extLst>
+          </p:cNvPr>
+          <p:cNvCxnSpPr>
+            <a:cxnSpLocks/>
+          </p:cNvCxnSpPr>
+          <p:nvPr/>
+        </p:nvCxnSpPr>
+        <p:spPr>
+          <a:xfrm flipV="1">
+            <a:off x="2001705" y="5093974"/>
+            <a:ext cx="1388664" cy="700595"/>
+          </a:xfrm>
+          <a:prstGeom prst="bentConnector3">
+            <a:avLst>
+              <a:gd name="adj1" fmla="val 50000"/>
+            </a:avLst>
+          </a:prstGeom>
+          <a:ln w="19050">
+            <a:solidFill>
+              <a:schemeClr val="tx1"/>
+            </a:solidFill>
+            <a:headEnd type="none" w="med" len="med"/>
+            <a:tailEnd type="arrow" w="med" len="med"/>
+          </a:ln>
+        </p:spPr>
+        <p:style>
+          <a:lnRef idx="1">
+            <a:schemeClr val="accent1"/>
+          </a:lnRef>
+          <a:fillRef idx="0">
+            <a:schemeClr val="accent1"/>
+          </a:fillRef>
+          <a:effectRef idx="0">
+            <a:schemeClr val="accent1"/>
+          </a:effectRef>
+          <a:fontRef idx="minor">
+            <a:schemeClr val="tx1"/>
+          </a:fontRef>
+        </p:style>
+      </p:cxnSp>
+      <p:sp>
+        <p:nvSpPr>
+          <p:cNvPr id="38" name="Rechteck 37">
+            <a:extLst>
+              <a:ext uri="{FF2B5EF4-FFF2-40B4-BE49-F238E27FC236}">
+                <a16:creationId xmlns:a16="http://schemas.microsoft.com/office/drawing/2014/main" id="{EC165076-E68F-4AF9-876E-AA48D472F9C8}"/>
+              </a:ext>
+            </a:extLst>
+          </p:cNvPr>
+          <p:cNvSpPr/>
+          <p:nvPr/>
+        </p:nvSpPr>
+        <p:spPr>
+          <a:xfrm>
+            <a:off x="1117785" y="4375812"/>
+            <a:ext cx="284480" cy="284480"/>
+          </a:xfrm>
+          <a:prstGeom prst="rect">
+            <a:avLst/>
+          </a:prstGeom>
+          <a:noFill/>
+          <a:ln>
+            <a:solidFill>
+              <a:schemeClr val="tx1"/>
+            </a:solidFill>
+          </a:ln>
+        </p:spPr>
+        <p:style>
+          <a:lnRef idx="2">
+            <a:schemeClr val="accent1">
+              <a:shade val="50000"/>
+            </a:schemeClr>
+          </a:lnRef>
+          <a:fillRef idx="1">
+            <a:schemeClr val="accent1"/>
+          </a:fillRef>
+          <a:effectRef idx="0">
+            <a:schemeClr val="accent1"/>
+          </a:effectRef>
+          <a:fontRef idx="minor">
+            <a:schemeClr val="lt1"/>
+          </a:fontRef>
+        </p:style>
+        <p:txBody>
+          <a:bodyPr rtlCol="0" anchor="ctr"/>
+          <a:lstStyle/>
+          <a:p>
+            <a:pPr algn="ctr"/>
+            <a:endParaRPr lang="en-US"/>
+          </a:p>
+        </p:txBody>
+      </p:sp>
+      <p:sp>
+        <p:nvSpPr>
+          <p:cNvPr id="40" name="Rechteck 39">
+            <a:extLst>
+              <a:ext uri="{FF2B5EF4-FFF2-40B4-BE49-F238E27FC236}">
+                <a16:creationId xmlns:a16="http://schemas.microsoft.com/office/drawing/2014/main" id="{4DBE71DD-F47F-4D21-9A7F-D5380D8B1AA5}"/>
+              </a:ext>
+            </a:extLst>
+          </p:cNvPr>
+          <p:cNvSpPr/>
+          <p:nvPr/>
+        </p:nvSpPr>
+        <p:spPr>
+          <a:xfrm>
+            <a:off x="1117785" y="4660292"/>
+            <a:ext cx="284480" cy="284480"/>
+          </a:xfrm>
+          <a:prstGeom prst="rect">
+            <a:avLst/>
+          </a:prstGeom>
+          <a:noFill/>
+          <a:ln>
+            <a:solidFill>
+              <a:schemeClr val="tx1"/>
+            </a:solidFill>
+          </a:ln>
+        </p:spPr>
+        <p:style>
+          <a:lnRef idx="2">
+            <a:schemeClr val="accent1">
+              <a:shade val="50000"/>
+            </a:schemeClr>
+          </a:lnRef>
+          <a:fillRef idx="1">
+            <a:schemeClr val="accent1"/>
+          </a:fillRef>
+          <a:effectRef idx="0">
+            <a:schemeClr val="accent1"/>
+          </a:effectRef>
+          <a:fontRef idx="minor">
+            <a:schemeClr val="lt1"/>
+          </a:fontRef>
+        </p:style>
+        <p:txBody>
+          <a:bodyPr rtlCol="0" anchor="ctr"/>
+          <a:lstStyle/>
+          <a:p>
+            <a:pPr algn="ctr"/>
+            <a:endParaRPr lang="en-US"/>
+          </a:p>
+        </p:txBody>
+      </p:sp>
+      <p:sp>
+        <p:nvSpPr>
+          <p:cNvPr id="41" name="Rechteck 40">
+            <a:extLst>
+              <a:ext uri="{FF2B5EF4-FFF2-40B4-BE49-F238E27FC236}">
+                <a16:creationId xmlns:a16="http://schemas.microsoft.com/office/drawing/2014/main" id="{2DC5E234-CA17-4426-8800-9789CB0552D8}"/>
+              </a:ext>
+            </a:extLst>
+          </p:cNvPr>
+          <p:cNvSpPr/>
+          <p:nvPr/>
+        </p:nvSpPr>
+        <p:spPr>
+          <a:xfrm>
+            <a:off x="1117785" y="4944772"/>
+            <a:ext cx="284480" cy="284480"/>
+          </a:xfrm>
+          <a:prstGeom prst="rect">
+            <a:avLst/>
+          </a:prstGeom>
+          <a:noFill/>
+          <a:ln>
+            <a:solidFill>
+              <a:schemeClr val="tx1"/>
+            </a:solidFill>
+          </a:ln>
+        </p:spPr>
+        <p:style>
+          <a:lnRef idx="2">
+            <a:schemeClr val="accent1">
+              <a:shade val="50000"/>
+            </a:schemeClr>
+          </a:lnRef>
+          <a:fillRef idx="1">
+            <a:schemeClr val="accent1"/>
+          </a:fillRef>
+          <a:effectRef idx="0">
+            <a:schemeClr val="accent1"/>
+          </a:effectRef>
+          <a:fontRef idx="minor">
+            <a:schemeClr val="lt1"/>
+          </a:fontRef>
+        </p:style>
+        <p:txBody>
+          <a:bodyPr rtlCol="0" anchor="ctr"/>
+          <a:lstStyle/>
+          <a:p>
+            <a:pPr algn="ctr"/>
+            <a:endParaRPr lang="en-US"/>
+          </a:p>
+        </p:txBody>
+      </p:sp>
+      <p:sp>
+        <p:nvSpPr>
+          <p:cNvPr id="49" name="Textfeld 48">
+            <a:extLst>
+              <a:ext uri="{FF2B5EF4-FFF2-40B4-BE49-F238E27FC236}">
+                <a16:creationId xmlns:a16="http://schemas.microsoft.com/office/drawing/2014/main" id="{428074E8-12FC-4F73-9E21-706AD5F20B4F}"/>
+              </a:ext>
+            </a:extLst>
+          </p:cNvPr>
+          <p:cNvSpPr txBox="1"/>
+          <p:nvPr/>
+        </p:nvSpPr>
+        <p:spPr>
+          <a:xfrm>
+            <a:off x="802825" y="3711115"/>
+            <a:ext cx="914400" cy="646331"/>
+          </a:xfrm>
+          <a:prstGeom prst="rect">
+            <a:avLst/>
+          </a:prstGeom>
+          <a:noFill/>
+        </p:spPr>
+        <p:txBody>
+          <a:bodyPr wrap="square">
+            <a:spAutoFit/>
+          </a:bodyPr>
+          <a:lstStyle/>
+          <a:p>
+            <a:pPr algn="ctr"/>
+            <a:r>
+              <a:rPr lang="en-US" dirty="0"/>
+              <a:t>Latent</a:t>
+            </a:r>
+          </a:p>
+          <a:p>
+            <a:pPr algn="ctr"/>
+            <a:r>
+              <a:rPr lang="en-US" dirty="0"/>
+              <a:t> Space</a:t>
+            </a:r>
+          </a:p>
+        </p:txBody>
+      </p:sp>
+      <p:sp>
+        <p:nvSpPr>
+          <p:cNvPr id="50" name="Geschweifte Klammer rechts 49">
+            <a:extLst>
+              <a:ext uri="{FF2B5EF4-FFF2-40B4-BE49-F238E27FC236}">
+                <a16:creationId xmlns:a16="http://schemas.microsoft.com/office/drawing/2014/main" id="{957CE2D7-F5C2-4C5C-9D4B-6E94379CC0EF}"/>
+              </a:ext>
+            </a:extLst>
+          </p:cNvPr>
+          <p:cNvSpPr/>
+          <p:nvPr/>
+        </p:nvSpPr>
+        <p:spPr>
+          <a:xfrm>
+            <a:off x="1686745" y="4375812"/>
+            <a:ext cx="314960" cy="853439"/>
+          </a:xfrm>
+          <a:prstGeom prst="rightBrace">
+            <a:avLst/>
+          </a:prstGeom>
+          <a:ln w="19050"/>
+        </p:spPr>
+        <p:style>
+          <a:lnRef idx="1">
+            <a:schemeClr val="dk1"/>
+          </a:lnRef>
+          <a:fillRef idx="0">
+            <a:schemeClr val="dk1"/>
+          </a:fillRef>
+          <a:effectRef idx="0">
+            <a:schemeClr val="dk1"/>
+          </a:effectRef>
+          <a:fontRef idx="minor">
+            <a:schemeClr val="tx1"/>
+          </a:fontRef>
+        </p:style>
+        <p:txBody>
+          <a:bodyPr rtlCol="0" anchor="ctr"/>
+          <a:lstStyle/>
+          <a:p>
+            <a:pPr algn="ctr"/>
+            <a:endParaRPr lang="en-US"/>
+          </a:p>
+        </p:txBody>
+      </p:sp>
     </p:spTree>
     <p:extLst>
       <p:ext uri="{BB962C8B-B14F-4D97-AF65-F5344CB8AC3E}">
@@ -10894,177 +13857,299 @@
   <p:clrMapOvr>
     <a:masterClrMapping/>
   </p:clrMapOvr>
-</p:sld>
-</file>
-
-<file path=ppt/slides/slide6.xml><?xml version="1.0" encoding="utf-8"?>
-<p:sld xmlns:a="http://schemas.openxmlformats.org/drawingml/2006/main" xmlns:r="http://schemas.openxmlformats.org/officeDocument/2006/relationships" xmlns:p="http://schemas.openxmlformats.org/presentationml/2006/main">
-  <p:cSld>
-    <p:spTree>
-      <p:nvGrpSpPr>
-        <p:cNvPr id="1" name=""/>
-        <p:cNvGrpSpPr/>
-        <p:nvPr/>
-      </p:nvGrpSpPr>
-      <p:grpSpPr>
-        <a:xfrm>
-          <a:off x="0" y="0"/>
-          <a:ext cx="0" cy="0"/>
-          <a:chOff x="0" y="0"/>
-          <a:chExt cx="0" cy="0"/>
-        </a:xfrm>
-      </p:grpSpPr>
-      <p:sp>
-        <p:nvSpPr>
-          <p:cNvPr id="2" name="Titel 1">
-            <a:extLst>
-              <a:ext uri="{FF2B5EF4-FFF2-40B4-BE49-F238E27FC236}">
-                <a16:creationId xmlns:a16="http://schemas.microsoft.com/office/drawing/2014/main" id="{7AE2D2C5-4E45-4376-9EB9-DEABF601B99B}"/>
-              </a:ext>
-            </a:extLst>
-          </p:cNvPr>
-          <p:cNvSpPr>
-            <a:spLocks noGrp="1"/>
-          </p:cNvSpPr>
-          <p:nvPr>
-            <p:ph type="title"/>
-          </p:nvPr>
-        </p:nvSpPr>
-        <p:spPr/>
-        <p:txBody>
-          <a:bodyPr/>
-          <a:lstStyle/>
-          <a:p>
-            <a:pPr algn="ctr"/>
-            <a:r>
-              <a:rPr lang="en-US" dirty="0"/>
-              <a:t>Image Translation Comparison:</a:t>
-            </a:r>
-            <a:br>
-              <a:rPr lang="en-US" dirty="0"/>
-            </a:br>
-            <a:r>
-              <a:rPr lang="en-US" dirty="0"/>
-              <a:t>Classical NN vs. Translational cGAN </a:t>
-            </a:r>
-          </a:p>
-        </p:txBody>
-      </p:sp>
-      <p:sp>
-        <p:nvSpPr>
-          <p:cNvPr id="3" name="Inhaltsplatzhalter 2">
-            <a:extLst>
-              <a:ext uri="{FF2B5EF4-FFF2-40B4-BE49-F238E27FC236}">
-                <a16:creationId xmlns:a16="http://schemas.microsoft.com/office/drawing/2014/main" id="{235F4D5B-469D-4C7D-836B-235AEC760401}"/>
-              </a:ext>
-            </a:extLst>
-          </p:cNvPr>
-          <p:cNvSpPr>
-            <a:spLocks noGrp="1"/>
-          </p:cNvSpPr>
-          <p:nvPr>
-            <p:ph idx="1"/>
-          </p:nvPr>
-        </p:nvSpPr>
-        <p:spPr>
-          <a:xfrm>
-            <a:off x="838200" y="2269509"/>
-            <a:ext cx="10515600" cy="4351338"/>
-          </a:xfrm>
-        </p:spPr>
-        <p:txBody>
-          <a:bodyPr numCol="2"/>
-          <a:lstStyle/>
-          <a:p>
-            <a:pPr marL="0" indent="0">
-              <a:buNone/>
-            </a:pPr>
-            <a:r>
-              <a:rPr lang="en-US" b="1" dirty="0"/>
-              <a:t>Classical NN:</a:t>
-            </a:r>
-          </a:p>
-          <a:p>
-            <a:r>
-              <a:rPr lang="en-US" sz="2400" dirty="0"/>
-              <a:t>Trained to perform image transformations which reduce </a:t>
-            </a:r>
-            <a:br>
-              <a:rPr lang="en-US" sz="2400" dirty="0"/>
-            </a:br>
-            <a:r>
-              <a:rPr lang="en-US" sz="2400" dirty="0"/>
-              <a:t>the average training error </a:t>
-            </a:r>
-            <a:br>
-              <a:rPr lang="en-US" sz="2400" dirty="0"/>
-            </a:br>
-            <a:r>
-              <a:rPr lang="en-US" sz="2400" dirty="0"/>
-              <a:t>as measured by predefined cost function</a:t>
-            </a:r>
-          </a:p>
-          <a:p>
-            <a:r>
-              <a:rPr lang="en-US" sz="2400" dirty="0"/>
-              <a:t>Cost function measured against</a:t>
-            </a:r>
-            <a:br>
-              <a:rPr lang="en-US" sz="2400" dirty="0"/>
-            </a:br>
-            <a:r>
-              <a:rPr lang="en-US" sz="2400" dirty="0"/>
-              <a:t>ground truth</a:t>
-            </a:r>
-          </a:p>
-          <a:p>
-            <a:endParaRPr lang="en-US" dirty="0"/>
-          </a:p>
-          <a:p>
-            <a:pPr marL="0" indent="0">
-              <a:buNone/>
-            </a:pPr>
-            <a:endParaRPr lang="en-US" dirty="0"/>
-          </a:p>
-          <a:p>
-            <a:pPr marL="0" indent="0">
-              <a:buNone/>
-            </a:pPr>
-            <a:r>
-              <a:rPr lang="en-US" b="1" dirty="0"/>
-              <a:t>cGAN:</a:t>
-            </a:r>
-          </a:p>
-          <a:p>
-            <a:r>
-              <a:rPr lang="en-US" sz="2400" dirty="0"/>
-              <a:t>No cost function explicitly defined, instead cost function is part of training (= discriminator)</a:t>
-            </a:r>
-          </a:p>
-          <a:p>
-            <a:r>
-              <a:rPr lang="en-US" sz="2400" dirty="0"/>
-              <a:t>Goal of training: make it as difficult as possible to identify generated image as not from training set</a:t>
-            </a:r>
-          </a:p>
-          <a:p>
-            <a:r>
-              <a:rPr lang="en-US" sz="2400" dirty="0"/>
-              <a:t>Cost function measured against rest of training data set</a:t>
-            </a:r>
-          </a:p>
-        </p:txBody>
-      </p:sp>
-    </p:spTree>
-    <p:extLst>
-      <p:ext uri="{BB962C8B-B14F-4D97-AF65-F5344CB8AC3E}">
-        <p14:creationId xmlns:p14="http://schemas.microsoft.com/office/powerpoint/2010/main" val="3139671170"/>
-      </p:ext>
-    </p:extLst>
-  </p:cSld>
-  <p:clrMapOvr>
-    <a:masterClrMapping/>
-  </p:clrMapOvr>
+  <p:timing>
+    <p:tnLst>
+      <p:par>
+        <p:cTn id="1" dur="indefinite" restart="never" nodeType="tmRoot">
+          <p:childTnLst>
+            <p:seq concurrent="1" nextAc="seek">
+              <p:cTn id="2" dur="indefinite" nodeType="mainSeq">
+                <p:childTnLst>
+                  <p:par>
+                    <p:cTn id="3" fill="hold">
+                      <p:stCondLst>
+                        <p:cond delay="indefinite"/>
+                      </p:stCondLst>
+                      <p:childTnLst>
+                        <p:par>
+                          <p:cTn id="4" fill="hold">
+                            <p:stCondLst>
+                              <p:cond delay="0"/>
+                            </p:stCondLst>
+                            <p:childTnLst>
+                              <p:par>
+                                <p:cTn id="5" presetID="10" presetClass="exit" presetSubtype="0" fill="hold" nodeType="clickEffect">
+                                  <p:stCondLst>
+                                    <p:cond delay="0"/>
+                                  </p:stCondLst>
+                                  <p:childTnLst>
+                                    <p:animEffect transition="out" filter="fade">
+                                      <p:cBhvr>
+                                        <p:cTn id="6" dur="500"/>
+                                        <p:tgtEl>
+                                          <p:spTgt spid="66"/>
+                                        </p:tgtEl>
+                                      </p:cBhvr>
+                                    </p:animEffect>
+                                    <p:set>
+                                      <p:cBhvr>
+                                        <p:cTn id="7" dur="1" fill="hold">
+                                          <p:stCondLst>
+                                            <p:cond delay="499"/>
+                                          </p:stCondLst>
+                                        </p:cTn>
+                                        <p:tgtEl>
+                                          <p:spTgt spid="66"/>
+                                        </p:tgtEl>
+                                        <p:attrNameLst>
+                                          <p:attrName>style.visibility</p:attrName>
+                                        </p:attrNameLst>
+                                      </p:cBhvr>
+                                      <p:to>
+                                        <p:strVal val="hidden"/>
+                                      </p:to>
+                                    </p:set>
+                                  </p:childTnLst>
+                                </p:cTn>
+                              </p:par>
+                              <p:par>
+                                <p:cTn id="8" presetID="10" presetClass="exit" presetSubtype="0" fill="hold" grpId="0" nodeType="withEffect">
+                                  <p:stCondLst>
+                                    <p:cond delay="0"/>
+                                  </p:stCondLst>
+                                  <p:childTnLst>
+                                    <p:animEffect transition="out" filter="fade">
+                                      <p:cBhvr>
+                                        <p:cTn id="9" dur="500"/>
+                                        <p:tgtEl>
+                                          <p:spTgt spid="38"/>
+                                        </p:tgtEl>
+                                      </p:cBhvr>
+                                    </p:animEffect>
+                                    <p:set>
+                                      <p:cBhvr>
+                                        <p:cTn id="10" dur="1" fill="hold">
+                                          <p:stCondLst>
+                                            <p:cond delay="499"/>
+                                          </p:stCondLst>
+                                        </p:cTn>
+                                        <p:tgtEl>
+                                          <p:spTgt spid="38"/>
+                                        </p:tgtEl>
+                                        <p:attrNameLst>
+                                          <p:attrName>style.visibility</p:attrName>
+                                        </p:attrNameLst>
+                                      </p:cBhvr>
+                                      <p:to>
+                                        <p:strVal val="hidden"/>
+                                      </p:to>
+                                    </p:set>
+                                  </p:childTnLst>
+                                </p:cTn>
+                              </p:par>
+                              <p:par>
+                                <p:cTn id="11" presetID="10" presetClass="exit" presetSubtype="0" fill="hold" grpId="0" nodeType="withEffect">
+                                  <p:stCondLst>
+                                    <p:cond delay="0"/>
+                                  </p:stCondLst>
+                                  <p:childTnLst>
+                                    <p:animEffect transition="out" filter="fade">
+                                      <p:cBhvr>
+                                        <p:cTn id="12" dur="500"/>
+                                        <p:tgtEl>
+                                          <p:spTgt spid="40"/>
+                                        </p:tgtEl>
+                                      </p:cBhvr>
+                                    </p:animEffect>
+                                    <p:set>
+                                      <p:cBhvr>
+                                        <p:cTn id="13" dur="1" fill="hold">
+                                          <p:stCondLst>
+                                            <p:cond delay="499"/>
+                                          </p:stCondLst>
+                                        </p:cTn>
+                                        <p:tgtEl>
+                                          <p:spTgt spid="40"/>
+                                        </p:tgtEl>
+                                        <p:attrNameLst>
+                                          <p:attrName>style.visibility</p:attrName>
+                                        </p:attrNameLst>
+                                      </p:cBhvr>
+                                      <p:to>
+                                        <p:strVal val="hidden"/>
+                                      </p:to>
+                                    </p:set>
+                                  </p:childTnLst>
+                                </p:cTn>
+                              </p:par>
+                              <p:par>
+                                <p:cTn id="14" presetID="10" presetClass="exit" presetSubtype="0" fill="hold" grpId="0" nodeType="withEffect">
+                                  <p:stCondLst>
+                                    <p:cond delay="0"/>
+                                  </p:stCondLst>
+                                  <p:childTnLst>
+                                    <p:animEffect transition="out" filter="fade">
+                                      <p:cBhvr>
+                                        <p:cTn id="15" dur="500"/>
+                                        <p:tgtEl>
+                                          <p:spTgt spid="41"/>
+                                        </p:tgtEl>
+                                      </p:cBhvr>
+                                    </p:animEffect>
+                                    <p:set>
+                                      <p:cBhvr>
+                                        <p:cTn id="16" dur="1" fill="hold">
+                                          <p:stCondLst>
+                                            <p:cond delay="499"/>
+                                          </p:stCondLst>
+                                        </p:cTn>
+                                        <p:tgtEl>
+                                          <p:spTgt spid="41"/>
+                                        </p:tgtEl>
+                                        <p:attrNameLst>
+                                          <p:attrName>style.visibility</p:attrName>
+                                        </p:attrNameLst>
+                                      </p:cBhvr>
+                                      <p:to>
+                                        <p:strVal val="hidden"/>
+                                      </p:to>
+                                    </p:set>
+                                  </p:childTnLst>
+                                </p:cTn>
+                              </p:par>
+                              <p:par>
+                                <p:cTn id="17" presetID="10" presetClass="exit" presetSubtype="0" fill="hold" grpId="0" nodeType="withEffect">
+                                  <p:stCondLst>
+                                    <p:cond delay="0"/>
+                                  </p:stCondLst>
+                                  <p:childTnLst>
+                                    <p:animEffect transition="out" filter="fade">
+                                      <p:cBhvr>
+                                        <p:cTn id="18" dur="500"/>
+                                        <p:tgtEl>
+                                          <p:spTgt spid="49"/>
+                                        </p:tgtEl>
+                                      </p:cBhvr>
+                                    </p:animEffect>
+                                    <p:set>
+                                      <p:cBhvr>
+                                        <p:cTn id="19" dur="1" fill="hold">
+                                          <p:stCondLst>
+                                            <p:cond delay="499"/>
+                                          </p:stCondLst>
+                                        </p:cTn>
+                                        <p:tgtEl>
+                                          <p:spTgt spid="49"/>
+                                        </p:tgtEl>
+                                        <p:attrNameLst>
+                                          <p:attrName>style.visibility</p:attrName>
+                                        </p:attrNameLst>
+                                      </p:cBhvr>
+                                      <p:to>
+                                        <p:strVal val="hidden"/>
+                                      </p:to>
+                                    </p:set>
+                                  </p:childTnLst>
+                                </p:cTn>
+                              </p:par>
+                              <p:par>
+                                <p:cTn id="20" presetID="10" presetClass="exit" presetSubtype="0" fill="hold" grpId="0" nodeType="withEffect">
+                                  <p:stCondLst>
+                                    <p:cond delay="0"/>
+                                  </p:stCondLst>
+                                  <p:childTnLst>
+                                    <p:animEffect transition="out" filter="fade">
+                                      <p:cBhvr>
+                                        <p:cTn id="21" dur="500"/>
+                                        <p:tgtEl>
+                                          <p:spTgt spid="50"/>
+                                        </p:tgtEl>
+                                      </p:cBhvr>
+                                    </p:animEffect>
+                                    <p:set>
+                                      <p:cBhvr>
+                                        <p:cTn id="22" dur="1" fill="hold">
+                                          <p:stCondLst>
+                                            <p:cond delay="499"/>
+                                          </p:stCondLst>
+                                        </p:cTn>
+                                        <p:tgtEl>
+                                          <p:spTgt spid="50"/>
+                                        </p:tgtEl>
+                                        <p:attrNameLst>
+                                          <p:attrName>style.visibility</p:attrName>
+                                        </p:attrNameLst>
+                                      </p:cBhvr>
+                                      <p:to>
+                                        <p:strVal val="hidden"/>
+                                      </p:to>
+                                    </p:set>
+                                  </p:childTnLst>
+                                </p:cTn>
+                              </p:par>
+                              <p:par>
+                                <p:cTn id="23" presetID="1" presetClass="entr" presetSubtype="0" fill="hold" grpId="0" nodeType="withEffect">
+                                  <p:stCondLst>
+                                    <p:cond delay="0"/>
+                                  </p:stCondLst>
+                                  <p:childTnLst>
+                                    <p:set>
+                                      <p:cBhvr>
+                                        <p:cTn id="24" dur="1" fill="hold">
+                                          <p:stCondLst>
+                                            <p:cond delay="0"/>
+                                          </p:stCondLst>
+                                        </p:cTn>
+                                        <p:tgtEl>
+                                          <p:spTgt spid="53"/>
+                                        </p:tgtEl>
+                                        <p:attrNameLst>
+                                          <p:attrName>style.visibility</p:attrName>
+                                        </p:attrNameLst>
+                                      </p:cBhvr>
+                                      <p:to>
+                                        <p:strVal val="visible"/>
+                                      </p:to>
+                                    </p:set>
+                                  </p:childTnLst>
+                                </p:cTn>
+                              </p:par>
+                            </p:childTnLst>
+                          </p:cTn>
+                        </p:par>
+                      </p:childTnLst>
+                    </p:cTn>
+                  </p:par>
+                </p:childTnLst>
+              </p:cTn>
+              <p:prevCondLst>
+                <p:cond evt="onPrev" delay="0">
+                  <p:tgtEl>
+                    <p:sldTgt/>
+                  </p:tgtEl>
+                </p:cond>
+              </p:prevCondLst>
+              <p:nextCondLst>
+                <p:cond evt="onNext" delay="0">
+                  <p:tgtEl>
+                    <p:sldTgt/>
+                  </p:tgtEl>
+                </p:cond>
+              </p:nextCondLst>
+            </p:seq>
+          </p:childTnLst>
+        </p:cTn>
+      </p:par>
+    </p:tnLst>
+    <p:bldLst>
+      <p:bldP spid="53" grpId="0"/>
+      <p:bldP spid="38" grpId="0" animBg="1"/>
+      <p:bldP spid="40" grpId="0" animBg="1"/>
+      <p:bldP spid="41" grpId="0" animBg="1"/>
+      <p:bldP spid="49" grpId="0"/>
+      <p:bldP spid="50" grpId="0" animBg="1"/>
+    </p:bldLst>
+  </p:timing>
 </p:sld>
 </file>
 
@@ -11090,7 +14175,7 @@
           <p:cNvPr id="2" name="Titel 1">
             <a:extLst>
               <a:ext uri="{FF2B5EF4-FFF2-40B4-BE49-F238E27FC236}">
-                <a16:creationId xmlns:a16="http://schemas.microsoft.com/office/drawing/2014/main" id="{E44538F1-5D5E-4F25-8A69-FDF8D0C1A1B9}"/>
+                <a16:creationId xmlns:a16="http://schemas.microsoft.com/office/drawing/2014/main" id="{7AE2D2C5-4E45-4376-9EB9-DEABF601B99B}"/>
               </a:ext>
             </a:extLst>
           </p:cNvPr>
@@ -11106,9 +14191,17 @@
           <a:bodyPr/>
           <a:lstStyle/>
           <a:p>
+            <a:pPr algn="ctr"/>
             <a:r>
               <a:rPr lang="en-US" dirty="0"/>
-              <a:t>Simplified Example</a:t>
+              <a:t>Image Translation Comparison:</a:t>
+            </a:r>
+            <a:br>
+              <a:rPr lang="en-US" dirty="0"/>
+            </a:br>
+            <a:r>
+              <a:rPr lang="en-US" dirty="0"/>
+              <a:t>Classical NN vs. Translational cGAN </a:t>
             </a:r>
           </a:p>
         </p:txBody>
@@ -11118,7 +14211,7 @@
           <p:cNvPr id="3" name="Inhaltsplatzhalter 2">
             <a:extLst>
               <a:ext uri="{FF2B5EF4-FFF2-40B4-BE49-F238E27FC236}">
-                <a16:creationId xmlns:a16="http://schemas.microsoft.com/office/drawing/2014/main" id="{405AB23B-B363-4E3F-96DA-19B6CC585110}"/>
+                <a16:creationId xmlns:a16="http://schemas.microsoft.com/office/drawing/2014/main" id="{235F4D5B-469D-4C7D-836B-235AEC760401}"/>
               </a:ext>
             </a:extLst>
           </p:cNvPr>
@@ -11131,7 +14224,545 @@
         </p:nvSpPr>
         <p:spPr>
           <a:xfrm>
-            <a:off x="838200" y="1825625"/>
+            <a:off x="838200" y="2269509"/>
+            <a:ext cx="10515600" cy="4351338"/>
+          </a:xfrm>
+        </p:spPr>
+        <p:txBody>
+          <a:bodyPr numCol="2"/>
+          <a:lstStyle/>
+          <a:p>
+            <a:pPr marL="0" indent="0">
+              <a:buNone/>
+            </a:pPr>
+            <a:r>
+              <a:rPr lang="en-US" b="1" dirty="0"/>
+              <a:t>Classical NN:</a:t>
+            </a:r>
+          </a:p>
+          <a:p>
+            <a:r>
+              <a:rPr lang="en-US" sz="2400" dirty="0"/>
+              <a:t>Trained to perform image transformations which reduce </a:t>
+            </a:r>
+            <a:br>
+              <a:rPr lang="en-US" sz="2400" dirty="0"/>
+            </a:br>
+            <a:r>
+              <a:rPr lang="en-US" sz="2400" dirty="0"/>
+              <a:t>the average training error </a:t>
+            </a:r>
+            <a:br>
+              <a:rPr lang="en-US" sz="2400" dirty="0"/>
+            </a:br>
+            <a:r>
+              <a:rPr lang="en-US" sz="2400" dirty="0"/>
+              <a:t>as measured by predefined cost function</a:t>
+            </a:r>
+          </a:p>
+          <a:p>
+            <a:r>
+              <a:rPr lang="en-US" sz="2400" dirty="0"/>
+              <a:t>Generated image compared to </a:t>
+            </a:r>
+            <a:br>
+              <a:rPr lang="en-US" sz="2400" dirty="0"/>
+            </a:br>
+            <a:r>
+              <a:rPr lang="en-US" sz="2400" dirty="0"/>
+              <a:t>ground truth during training</a:t>
+            </a:r>
+          </a:p>
+          <a:p>
+            <a:endParaRPr lang="en-US" dirty="0"/>
+          </a:p>
+          <a:p>
+            <a:pPr marL="0" indent="0">
+              <a:buNone/>
+            </a:pPr>
+            <a:endParaRPr lang="en-US" dirty="0"/>
+          </a:p>
+          <a:p>
+            <a:pPr marL="0" indent="0">
+              <a:buNone/>
+            </a:pPr>
+            <a:r>
+              <a:rPr lang="en-US" b="1" dirty="0"/>
+              <a:t>cGAN:</a:t>
+            </a:r>
+          </a:p>
+          <a:p>
+            <a:r>
+              <a:rPr lang="en-US" sz="2400" dirty="0"/>
+              <a:t>No cost function explicitly defined, instead cost function is part of training (= discriminator)</a:t>
+            </a:r>
+          </a:p>
+          <a:p>
+            <a:r>
+              <a:rPr lang="en-US" sz="2400" dirty="0"/>
+              <a:t>Goal of training: make it as difficult as possible to identify generated image as not from training set</a:t>
+            </a:r>
+          </a:p>
+          <a:p>
+            <a:r>
+              <a:rPr lang="en-US" sz="2400" dirty="0"/>
+              <a:t>Generated image compared to image transformation in training set</a:t>
+            </a:r>
+          </a:p>
+        </p:txBody>
+      </p:sp>
+      <p:sp>
+        <p:nvSpPr>
+          <p:cNvPr id="4" name="Textfeld 3">
+            <a:extLst>
+              <a:ext uri="{FF2B5EF4-FFF2-40B4-BE49-F238E27FC236}">
+                <a16:creationId xmlns:a16="http://schemas.microsoft.com/office/drawing/2014/main" id="{22F70C97-AA33-4F59-97B3-26309D7C3442}"/>
+              </a:ext>
+            </a:extLst>
+          </p:cNvPr>
+          <p:cNvSpPr txBox="1"/>
+          <p:nvPr/>
+        </p:nvSpPr>
+        <p:spPr>
+          <a:xfrm>
+            <a:off x="1643884" y="5969655"/>
+            <a:ext cx="8904232" cy="523220"/>
+          </a:xfrm>
+          <a:prstGeom prst="rect">
+            <a:avLst/>
+          </a:prstGeom>
+          <a:noFill/>
+        </p:spPr>
+        <p:txBody>
+          <a:bodyPr wrap="none" rtlCol="0">
+            <a:spAutoFit/>
+          </a:bodyPr>
+          <a:lstStyle/>
+          <a:p>
+            <a:r>
+              <a:rPr lang="en-US" sz="2800" u="sng" dirty="0"/>
+              <a:t>What are the resulting differences in the generated images?</a:t>
+            </a:r>
+          </a:p>
+        </p:txBody>
+      </p:sp>
+    </p:spTree>
+    <p:extLst>
+      <p:ext uri="{BB962C8B-B14F-4D97-AF65-F5344CB8AC3E}">
+        <p14:creationId xmlns:p14="http://schemas.microsoft.com/office/powerpoint/2010/main" val="3139671170"/>
+      </p:ext>
+    </p:extLst>
+  </p:cSld>
+  <p:clrMapOvr>
+    <a:masterClrMapping/>
+  </p:clrMapOvr>
+  <p:timing>
+    <p:tnLst>
+      <p:par>
+        <p:cTn id="1" dur="indefinite" restart="never" nodeType="tmRoot">
+          <p:childTnLst>
+            <p:seq concurrent="1" nextAc="seek">
+              <p:cTn id="2" dur="indefinite" nodeType="mainSeq">
+                <p:childTnLst>
+                  <p:par>
+                    <p:cTn id="3" fill="hold">
+                      <p:stCondLst>
+                        <p:cond delay="indefinite"/>
+                      </p:stCondLst>
+                      <p:childTnLst>
+                        <p:par>
+                          <p:cTn id="4" fill="hold">
+                            <p:stCondLst>
+                              <p:cond delay="0"/>
+                            </p:stCondLst>
+                            <p:childTnLst>
+                              <p:par>
+                                <p:cTn id="5" presetID="1" presetClass="entr" presetSubtype="0" fill="hold" nodeType="clickEffect">
+                                  <p:stCondLst>
+                                    <p:cond delay="0"/>
+                                  </p:stCondLst>
+                                  <p:childTnLst>
+                                    <p:set>
+                                      <p:cBhvr>
+                                        <p:cTn id="6" dur="1" fill="hold">
+                                          <p:stCondLst>
+                                            <p:cond delay="0"/>
+                                          </p:stCondLst>
+                                        </p:cTn>
+                                        <p:tgtEl>
+                                          <p:spTgt spid="3">
+                                            <p:txEl>
+                                              <p:pRg st="1" end="1"/>
+                                            </p:txEl>
+                                          </p:spTgt>
+                                        </p:tgtEl>
+                                        <p:attrNameLst>
+                                          <p:attrName>style.visibility</p:attrName>
+                                        </p:attrNameLst>
+                                      </p:cBhvr>
+                                      <p:to>
+                                        <p:strVal val="visible"/>
+                                      </p:to>
+                                    </p:set>
+                                  </p:childTnLst>
+                                </p:cTn>
+                              </p:par>
+                            </p:childTnLst>
+                          </p:cTn>
+                        </p:par>
+                      </p:childTnLst>
+                    </p:cTn>
+                  </p:par>
+                  <p:par>
+                    <p:cTn id="7" fill="hold">
+                      <p:stCondLst>
+                        <p:cond delay="indefinite"/>
+                      </p:stCondLst>
+                      <p:childTnLst>
+                        <p:par>
+                          <p:cTn id="8" fill="hold">
+                            <p:stCondLst>
+                              <p:cond delay="0"/>
+                            </p:stCondLst>
+                            <p:childTnLst>
+                              <p:par>
+                                <p:cTn id="9" presetID="1" presetClass="entr" presetSubtype="0" fill="hold" nodeType="clickEffect">
+                                  <p:stCondLst>
+                                    <p:cond delay="0"/>
+                                  </p:stCondLst>
+                                  <p:childTnLst>
+                                    <p:set>
+                                      <p:cBhvr>
+                                        <p:cTn id="10" dur="1" fill="hold">
+                                          <p:stCondLst>
+                                            <p:cond delay="0"/>
+                                          </p:stCondLst>
+                                        </p:cTn>
+                                        <p:tgtEl>
+                                          <p:spTgt spid="3">
+                                            <p:txEl>
+                                              <p:pRg st="2" end="2"/>
+                                            </p:txEl>
+                                          </p:spTgt>
+                                        </p:tgtEl>
+                                        <p:attrNameLst>
+                                          <p:attrName>style.visibility</p:attrName>
+                                        </p:attrNameLst>
+                                      </p:cBhvr>
+                                      <p:to>
+                                        <p:strVal val="visible"/>
+                                      </p:to>
+                                    </p:set>
+                                  </p:childTnLst>
+                                </p:cTn>
+                              </p:par>
+                            </p:childTnLst>
+                          </p:cTn>
+                        </p:par>
+                      </p:childTnLst>
+                    </p:cTn>
+                  </p:par>
+                  <p:par>
+                    <p:cTn id="11" fill="hold">
+                      <p:stCondLst>
+                        <p:cond delay="indefinite"/>
+                      </p:stCondLst>
+                      <p:childTnLst>
+                        <p:par>
+                          <p:cTn id="12" fill="hold">
+                            <p:stCondLst>
+                              <p:cond delay="0"/>
+                            </p:stCondLst>
+                            <p:childTnLst>
+                              <p:par>
+                                <p:cTn id="13" presetID="1" presetClass="entr" presetSubtype="0" fill="hold" nodeType="clickEffect">
+                                  <p:stCondLst>
+                                    <p:cond delay="0"/>
+                                  </p:stCondLst>
+                                  <p:childTnLst>
+                                    <p:set>
+                                      <p:cBhvr>
+                                        <p:cTn id="14" dur="1" fill="hold">
+                                          <p:stCondLst>
+                                            <p:cond delay="0"/>
+                                          </p:stCondLst>
+                                        </p:cTn>
+                                        <p:tgtEl>
+                                          <p:spTgt spid="3">
+                                            <p:txEl>
+                                              <p:pRg st="6" end="6"/>
+                                            </p:txEl>
+                                          </p:spTgt>
+                                        </p:tgtEl>
+                                        <p:attrNameLst>
+                                          <p:attrName>style.visibility</p:attrName>
+                                        </p:attrNameLst>
+                                      </p:cBhvr>
+                                      <p:to>
+                                        <p:strVal val="visible"/>
+                                      </p:to>
+                                    </p:set>
+                                  </p:childTnLst>
+                                </p:cTn>
+                              </p:par>
+                            </p:childTnLst>
+                          </p:cTn>
+                        </p:par>
+                      </p:childTnLst>
+                    </p:cTn>
+                  </p:par>
+                  <p:par>
+                    <p:cTn id="15" fill="hold">
+                      <p:stCondLst>
+                        <p:cond delay="indefinite"/>
+                      </p:stCondLst>
+                      <p:childTnLst>
+                        <p:par>
+                          <p:cTn id="16" fill="hold">
+                            <p:stCondLst>
+                              <p:cond delay="0"/>
+                            </p:stCondLst>
+                            <p:childTnLst>
+                              <p:par>
+                                <p:cTn id="17" presetID="1" presetClass="entr" presetSubtype="0" fill="hold" nodeType="clickEffect">
+                                  <p:stCondLst>
+                                    <p:cond delay="0"/>
+                                  </p:stCondLst>
+                                  <p:childTnLst>
+                                    <p:set>
+                                      <p:cBhvr>
+                                        <p:cTn id="18" dur="1" fill="hold">
+                                          <p:stCondLst>
+                                            <p:cond delay="0"/>
+                                          </p:stCondLst>
+                                        </p:cTn>
+                                        <p:tgtEl>
+                                          <p:spTgt spid="3">
+                                            <p:txEl>
+                                              <p:pRg st="7" end="7"/>
+                                            </p:txEl>
+                                          </p:spTgt>
+                                        </p:tgtEl>
+                                        <p:attrNameLst>
+                                          <p:attrName>style.visibility</p:attrName>
+                                        </p:attrNameLst>
+                                      </p:cBhvr>
+                                      <p:to>
+                                        <p:strVal val="visible"/>
+                                      </p:to>
+                                    </p:set>
+                                  </p:childTnLst>
+                                </p:cTn>
+                              </p:par>
+                            </p:childTnLst>
+                          </p:cTn>
+                        </p:par>
+                      </p:childTnLst>
+                    </p:cTn>
+                  </p:par>
+                  <p:par>
+                    <p:cTn id="19" fill="hold">
+                      <p:stCondLst>
+                        <p:cond delay="indefinite"/>
+                      </p:stCondLst>
+                      <p:childTnLst>
+                        <p:par>
+                          <p:cTn id="20" fill="hold">
+                            <p:stCondLst>
+                              <p:cond delay="0"/>
+                            </p:stCondLst>
+                            <p:childTnLst>
+                              <p:par>
+                                <p:cTn id="21" presetID="1" presetClass="entr" presetSubtype="0" fill="hold" nodeType="clickEffect">
+                                  <p:stCondLst>
+                                    <p:cond delay="0"/>
+                                  </p:stCondLst>
+                                  <p:childTnLst>
+                                    <p:set>
+                                      <p:cBhvr>
+                                        <p:cTn id="22" dur="1" fill="hold">
+                                          <p:stCondLst>
+                                            <p:cond delay="0"/>
+                                          </p:stCondLst>
+                                        </p:cTn>
+                                        <p:tgtEl>
+                                          <p:spTgt spid="3">
+                                            <p:txEl>
+                                              <p:pRg st="8" end="8"/>
+                                            </p:txEl>
+                                          </p:spTgt>
+                                        </p:tgtEl>
+                                        <p:attrNameLst>
+                                          <p:attrName>style.visibility</p:attrName>
+                                        </p:attrNameLst>
+                                      </p:cBhvr>
+                                      <p:to>
+                                        <p:strVal val="visible"/>
+                                      </p:to>
+                                    </p:set>
+                                  </p:childTnLst>
+                                </p:cTn>
+                              </p:par>
+                            </p:childTnLst>
+                          </p:cTn>
+                        </p:par>
+                      </p:childTnLst>
+                    </p:cTn>
+                  </p:par>
+                  <p:par>
+                    <p:cTn id="23" fill="hold">
+                      <p:stCondLst>
+                        <p:cond delay="indefinite"/>
+                      </p:stCondLst>
+                      <p:childTnLst>
+                        <p:par>
+                          <p:cTn id="24" fill="hold">
+                            <p:stCondLst>
+                              <p:cond delay="0"/>
+                            </p:stCondLst>
+                            <p:childTnLst>
+                              <p:par>
+                                <p:cTn id="25" presetID="1" presetClass="entr" presetSubtype="0" fill="hold" grpId="0" nodeType="clickEffect">
+                                  <p:stCondLst>
+                                    <p:cond delay="0"/>
+                                  </p:stCondLst>
+                                  <p:childTnLst>
+                                    <p:set>
+                                      <p:cBhvr>
+                                        <p:cTn id="26" dur="1" fill="hold">
+                                          <p:stCondLst>
+                                            <p:cond delay="0"/>
+                                          </p:stCondLst>
+                                        </p:cTn>
+                                        <p:tgtEl>
+                                          <p:spTgt spid="4"/>
+                                        </p:tgtEl>
+                                        <p:attrNameLst>
+                                          <p:attrName>style.visibility</p:attrName>
+                                        </p:attrNameLst>
+                                      </p:cBhvr>
+                                      <p:to>
+                                        <p:strVal val="visible"/>
+                                      </p:to>
+                                    </p:set>
+                                  </p:childTnLst>
+                                </p:cTn>
+                              </p:par>
+                            </p:childTnLst>
+                          </p:cTn>
+                        </p:par>
+                      </p:childTnLst>
+                    </p:cTn>
+                  </p:par>
+                </p:childTnLst>
+              </p:cTn>
+              <p:prevCondLst>
+                <p:cond evt="onPrev" delay="0">
+                  <p:tgtEl>
+                    <p:sldTgt/>
+                  </p:tgtEl>
+                </p:cond>
+              </p:prevCondLst>
+              <p:nextCondLst>
+                <p:cond evt="onNext" delay="0">
+                  <p:tgtEl>
+                    <p:sldTgt/>
+                  </p:tgtEl>
+                </p:cond>
+              </p:nextCondLst>
+            </p:seq>
+          </p:childTnLst>
+        </p:cTn>
+      </p:par>
+    </p:tnLst>
+    <p:bldLst>
+      <p:bldP spid="4" grpId="0"/>
+    </p:bldLst>
+  </p:timing>
+</p:sld>
+</file>
+
+<file path=ppt/slides/slide8.xml><?xml version="1.0" encoding="utf-8"?>
+<p:sld xmlns:a="http://schemas.openxmlformats.org/drawingml/2006/main" xmlns:r="http://schemas.openxmlformats.org/officeDocument/2006/relationships" xmlns:p="http://schemas.openxmlformats.org/presentationml/2006/main">
+  <p:cSld>
+    <p:spTree>
+      <p:nvGrpSpPr>
+        <p:cNvPr id="1" name=""/>
+        <p:cNvGrpSpPr/>
+        <p:nvPr/>
+      </p:nvGrpSpPr>
+      <p:grpSpPr>
+        <a:xfrm>
+          <a:off x="0" y="0"/>
+          <a:ext cx="0" cy="0"/>
+          <a:chOff x="0" y="0"/>
+          <a:chExt cx="0" cy="0"/>
+        </a:xfrm>
+      </p:grpSpPr>
+      <p:sp>
+        <p:nvSpPr>
+          <p:cNvPr id="2" name="Titel 1">
+            <a:extLst>
+              <a:ext uri="{FF2B5EF4-FFF2-40B4-BE49-F238E27FC236}">
+                <a16:creationId xmlns:a16="http://schemas.microsoft.com/office/drawing/2014/main" id="{E44538F1-5D5E-4F25-8A69-FDF8D0C1A1B9}"/>
+              </a:ext>
+            </a:extLst>
+          </p:cNvPr>
+          <p:cNvSpPr>
+            <a:spLocks noGrp="1"/>
+          </p:cNvSpPr>
+          <p:nvPr>
+            <p:ph type="title"/>
+          </p:nvPr>
+        </p:nvSpPr>
+        <p:spPr/>
+        <p:txBody>
+          <a:bodyPr>
+            <a:normAutofit/>
+          </a:bodyPr>
+          <a:lstStyle/>
+          <a:p>
+            <a:r>
+              <a:rPr lang="en-US" sz="4000" dirty="0"/>
+              <a:t>Classical NN vs. Translational </a:t>
+            </a:r>
+            <a:r>
+              <a:rPr lang="en-US" sz="4000" dirty="0" err="1"/>
+              <a:t>cGAN</a:t>
+            </a:r>
+            <a:r>
+              <a:rPr lang="en-US" sz="4000" dirty="0"/>
+              <a:t>:</a:t>
+            </a:r>
+            <a:br>
+              <a:rPr lang="en-US" sz="4000" dirty="0"/>
+            </a:br>
+            <a:r>
+              <a:rPr lang="en-US" sz="4000" dirty="0"/>
+              <a:t>Simplified Example</a:t>
+            </a:r>
+          </a:p>
+        </p:txBody>
+      </p:sp>
+      <p:sp>
+        <p:nvSpPr>
+          <p:cNvPr id="3" name="Inhaltsplatzhalter 2">
+            <a:extLst>
+              <a:ext uri="{FF2B5EF4-FFF2-40B4-BE49-F238E27FC236}">
+                <a16:creationId xmlns:a16="http://schemas.microsoft.com/office/drawing/2014/main" id="{405AB23B-B363-4E3F-96DA-19B6CC585110}"/>
+              </a:ext>
+            </a:extLst>
+          </p:cNvPr>
+          <p:cNvSpPr>
+            <a:spLocks noGrp="1"/>
+          </p:cNvSpPr>
+          <p:nvPr>
+            <p:ph idx="1"/>
+          </p:nvPr>
+        </p:nvSpPr>
+        <p:spPr>
+          <a:xfrm>
+            <a:off x="838200" y="2141537"/>
             <a:ext cx="7867650" cy="4351338"/>
           </a:xfrm>
         </p:spPr>
@@ -11141,6 +14772,11 @@
           </a:bodyPr>
           <a:lstStyle/>
           <a:p>
+            <a:pPr>
+              <a:spcBef>
+                <a:spcPts val="0"/>
+              </a:spcBef>
+            </a:pPr>
             <a:r>
               <a:rPr lang="en-US" dirty="0"/>
               <a:t>Task: fill in the square:</a:t>
@@ -11235,7 +14871,7 @@
         </p:nvSpPr>
         <p:spPr>
           <a:xfrm>
-            <a:off x="3336803" y="2400132"/>
+            <a:off x="3336803" y="2716044"/>
             <a:ext cx="550415" cy="550415"/>
           </a:xfrm>
           <a:prstGeom prst="rect">
@@ -11280,7 +14916,7 @@
         </p:nvSpPr>
         <p:spPr>
           <a:xfrm>
-            <a:off x="4162424" y="2400132"/>
+            <a:off x="4162424" y="2716044"/>
             <a:ext cx="550415" cy="550415"/>
           </a:xfrm>
           <a:prstGeom prst="rect">
@@ -11325,7 +14961,7 @@
         </p:nvCxnSpPr>
         <p:spPr>
           <a:xfrm>
-            <a:off x="3336803" y="2400132"/>
+            <a:off x="3336803" y="2716044"/>
             <a:ext cx="550415" cy="550415"/>
           </a:xfrm>
           <a:prstGeom prst="line">
@@ -11364,7 +15000,7 @@
         </p:nvCxnSpPr>
         <p:spPr>
           <a:xfrm flipH="1">
-            <a:off x="3336803" y="2400132"/>
+            <a:off x="3336803" y="2716044"/>
             <a:ext cx="550415" cy="550415"/>
           </a:xfrm>
           <a:prstGeom prst="line">
@@ -11405,7 +15041,7 @@
         </p:nvCxnSpPr>
         <p:spPr>
           <a:xfrm flipH="1">
-            <a:off x="4162424" y="2675340"/>
+            <a:off x="4162424" y="2991252"/>
             <a:ext cx="550415" cy="0"/>
           </a:xfrm>
           <a:prstGeom prst="line">
@@ -11446,7 +15082,7 @@
         </p:nvCxnSpPr>
         <p:spPr>
           <a:xfrm flipV="1">
-            <a:off x="4437632" y="2400132"/>
+            <a:off x="4437632" y="2716044"/>
             <a:ext cx="0" cy="550415"/>
           </a:xfrm>
           <a:prstGeom prst="line">
@@ -11483,7 +15119,7 @@
         </p:nvSpPr>
         <p:spPr>
           <a:xfrm>
-            <a:off x="5214941" y="3320247"/>
+            <a:off x="5214941" y="3636159"/>
             <a:ext cx="550415" cy="550415"/>
           </a:xfrm>
           <a:prstGeom prst="rect">
@@ -11528,7 +15164,7 @@
         </p:nvCxnSpPr>
         <p:spPr>
           <a:xfrm>
-            <a:off x="5214941" y="3320247"/>
+            <a:off x="5214941" y="3636159"/>
             <a:ext cx="550415" cy="550415"/>
           </a:xfrm>
           <a:prstGeom prst="line">
@@ -11573,7 +15209,7 @@
         </p:nvCxnSpPr>
         <p:spPr>
           <a:xfrm flipH="1">
-            <a:off x="5214941" y="3320247"/>
+            <a:off x="5214941" y="3636159"/>
             <a:ext cx="550415" cy="550415"/>
           </a:xfrm>
           <a:prstGeom prst="line">
@@ -11616,7 +15252,7 @@
         </p:nvSpPr>
         <p:spPr>
           <a:xfrm>
-            <a:off x="5214941" y="3320247"/>
+            <a:off x="5214941" y="3636159"/>
             <a:ext cx="550415" cy="550415"/>
           </a:xfrm>
           <a:prstGeom prst="rect">
@@ -11666,7 +15302,7 @@
         </p:nvCxnSpPr>
         <p:spPr>
           <a:xfrm flipH="1">
-            <a:off x="5214941" y="3595455"/>
+            <a:off x="5214941" y="3911367"/>
             <a:ext cx="550415" cy="0"/>
           </a:xfrm>
           <a:prstGeom prst="line">
@@ -11713,7 +15349,7 @@
         </p:nvCxnSpPr>
         <p:spPr>
           <a:xfrm flipV="1">
-            <a:off x="5490149" y="3320247"/>
+            <a:off x="5490149" y="3636159"/>
             <a:ext cx="0" cy="550415"/>
           </a:xfrm>
           <a:prstGeom prst="line">
@@ -11756,7 +15392,7 @@
         </p:nvSpPr>
         <p:spPr>
           <a:xfrm>
-            <a:off x="2220281" y="4806782"/>
+            <a:off x="2220281" y="5122694"/>
             <a:ext cx="550415" cy="550415"/>
           </a:xfrm>
           <a:prstGeom prst="rect">
@@ -11801,7 +15437,7 @@
         </p:nvCxnSpPr>
         <p:spPr>
           <a:xfrm>
-            <a:off x="2220281" y="4806782"/>
+            <a:off x="2220281" y="5122694"/>
             <a:ext cx="550415" cy="550415"/>
           </a:xfrm>
           <a:prstGeom prst="line">
@@ -11840,7 +15476,7 @@
         </p:nvCxnSpPr>
         <p:spPr>
           <a:xfrm flipH="1">
-            <a:off x="2220281" y="4806782"/>
+            <a:off x="2220281" y="5122694"/>
             <a:ext cx="550415" cy="550415"/>
           </a:xfrm>
           <a:prstGeom prst="line">
@@ -11877,7 +15513,7 @@
         </p:nvSpPr>
         <p:spPr>
           <a:xfrm>
-            <a:off x="4533899" y="1690688"/>
+            <a:off x="4533899" y="2006600"/>
             <a:ext cx="550415" cy="550415"/>
           </a:xfrm>
           <a:prstGeom prst="rect">
@@ -11922,7 +15558,7 @@
         </p:nvSpPr>
         <p:spPr>
           <a:xfrm>
-            <a:off x="3421987" y="4806782"/>
+            <a:off x="3421987" y="5122694"/>
             <a:ext cx="550415" cy="550415"/>
           </a:xfrm>
           <a:prstGeom prst="rect">
@@ -11971,7 +15607,7 @@
         </p:nvCxnSpPr>
         <p:spPr>
           <a:xfrm flipH="1">
-            <a:off x="3421987" y="5081990"/>
+            <a:off x="3421987" y="5397902"/>
             <a:ext cx="550415" cy="0"/>
           </a:xfrm>
           <a:prstGeom prst="line">
@@ -12012,7 +15648,7 @@
         </p:nvCxnSpPr>
         <p:spPr>
           <a:xfrm flipV="1">
-            <a:off x="3697195" y="4806782"/>
+            <a:off x="3697195" y="5122694"/>
             <a:ext cx="0" cy="550415"/>
           </a:xfrm>
           <a:prstGeom prst="line">
@@ -12817,7 +16453,7 @@
 </p:sld>
 </file>
 
-<file path=ppt/slides/slide8.xml><?xml version="1.0" encoding="utf-8"?>
+<file path=ppt/slides/slide9.xml><?xml version="1.0" encoding="utf-8"?>
 <p:sld xmlns:a="http://schemas.openxmlformats.org/drawingml/2006/main" xmlns:r="http://schemas.openxmlformats.org/officeDocument/2006/relationships" xmlns:p="http://schemas.openxmlformats.org/presentationml/2006/main">
   <p:cSld>
     <p:spTree>
@@ -12934,17 +16570,27 @@
         </p:nvSpPr>
         <p:spPr>
           <a:xfrm>
-            <a:off x="838200" y="0"/>
-            <a:ext cx="10515600" cy="1325563"/>
+            <a:off x="652462" y="0"/>
+            <a:ext cx="11268075" cy="1325563"/>
           </a:xfrm>
         </p:spPr>
         <p:txBody>
-          <a:bodyPr/>
+          <a:bodyPr>
+            <a:normAutofit/>
+          </a:bodyPr>
           <a:lstStyle/>
           <a:p>
             <a:r>
-              <a:rPr lang="en-US" dirty="0"/>
-              <a:t>Realistic Example</a:t>
+              <a:rPr lang="en-US" sz="4000" dirty="0"/>
+              <a:t>Classical NN vs. Translational </a:t>
+            </a:r>
+            <a:r>
+              <a:rPr lang="en-US" sz="4000" dirty="0" err="1"/>
+              <a:t>cGAN</a:t>
+            </a:r>
+            <a:r>
+              <a:rPr lang="en-US" sz="4000" dirty="0"/>
+              <a:t>: Realistic Example</a:t>
             </a:r>
           </a:p>
         </p:txBody>
@@ -13576,1805 +17222,6 @@
 </p:sld>
 </file>
 
-<file path=ppt/slides/slide9.xml><?xml version="1.0" encoding="utf-8"?>
-<p:sld xmlns:a="http://schemas.openxmlformats.org/drawingml/2006/main" xmlns:r="http://schemas.openxmlformats.org/officeDocument/2006/relationships" xmlns:p="http://schemas.openxmlformats.org/presentationml/2006/main">
-  <p:cSld>
-    <p:spTree>
-      <p:nvGrpSpPr>
-        <p:cNvPr id="1" name=""/>
-        <p:cNvGrpSpPr/>
-        <p:nvPr/>
-      </p:nvGrpSpPr>
-      <p:grpSpPr>
-        <a:xfrm>
-          <a:off x="0" y="0"/>
-          <a:ext cx="0" cy="0"/>
-          <a:chOff x="0" y="0"/>
-          <a:chExt cx="0" cy="0"/>
-        </a:xfrm>
-      </p:grpSpPr>
-      <p:sp>
-        <p:nvSpPr>
-          <p:cNvPr id="19" name="Pfeil: nach rechts 18">
-            <a:extLst>
-              <a:ext uri="{FF2B5EF4-FFF2-40B4-BE49-F238E27FC236}">
-                <a16:creationId xmlns:a16="http://schemas.microsoft.com/office/drawing/2014/main" id="{34F18A6B-91F4-427F-ADDC-90CF18765394}"/>
-              </a:ext>
-            </a:extLst>
-          </p:cNvPr>
-          <p:cNvSpPr/>
-          <p:nvPr/>
-        </p:nvSpPr>
-        <p:spPr>
-          <a:xfrm>
-            <a:off x="10960100" y="1920240"/>
-            <a:ext cx="1076960" cy="426718"/>
-          </a:xfrm>
-          <a:prstGeom prst="rightArrow">
-            <a:avLst/>
-          </a:prstGeom>
-          <a:solidFill>
-            <a:srgbClr val="0070C0"/>
-          </a:solidFill>
-          <a:ln>
-            <a:noFill/>
-          </a:ln>
-        </p:spPr>
-        <p:style>
-          <a:lnRef idx="2">
-            <a:schemeClr val="accent1">
-              <a:shade val="50000"/>
-            </a:schemeClr>
-          </a:lnRef>
-          <a:fillRef idx="1">
-            <a:schemeClr val="accent1"/>
-          </a:fillRef>
-          <a:effectRef idx="0">
-            <a:schemeClr val="accent1"/>
-          </a:effectRef>
-          <a:fontRef idx="minor">
-            <a:schemeClr val="lt1"/>
-          </a:fontRef>
-        </p:style>
-        <p:txBody>
-          <a:bodyPr rtlCol="0" anchor="ctr"/>
-          <a:lstStyle/>
-          <a:p>
-            <a:pPr algn="ctr"/>
-            <a:r>
-              <a:rPr lang="en-US" sz="1600" dirty="0"/>
-              <a:t>outflow</a:t>
-            </a:r>
-            <a:endParaRPr lang="en-US" dirty="0"/>
-          </a:p>
-        </p:txBody>
-      </p:sp>
-      <p:cxnSp>
-        <p:nvCxnSpPr>
-          <p:cNvPr id="11" name="Gerader Verbinder 10">
-            <a:extLst>
-              <a:ext uri="{FF2B5EF4-FFF2-40B4-BE49-F238E27FC236}">
-                <a16:creationId xmlns:a16="http://schemas.microsoft.com/office/drawing/2014/main" id="{416C81B7-6638-499F-8447-DBD785433093}"/>
-              </a:ext>
-            </a:extLst>
-          </p:cNvPr>
-          <p:cNvCxnSpPr>
-            <a:cxnSpLocks/>
-          </p:cNvCxnSpPr>
-          <p:nvPr/>
-        </p:nvCxnSpPr>
-        <p:spPr>
-          <a:xfrm>
-            <a:off x="7152640" y="838201"/>
-            <a:ext cx="4561840" cy="0"/>
-          </a:xfrm>
-          <a:prstGeom prst="line">
-            <a:avLst/>
-          </a:prstGeom>
-          <a:ln w="19050">
-            <a:solidFill>
-              <a:schemeClr val="tx1"/>
-            </a:solidFill>
-          </a:ln>
-        </p:spPr>
-        <p:style>
-          <a:lnRef idx="1">
-            <a:schemeClr val="accent1"/>
-          </a:lnRef>
-          <a:fillRef idx="0">
-            <a:schemeClr val="accent1"/>
-          </a:fillRef>
-          <a:effectRef idx="0">
-            <a:schemeClr val="accent1"/>
-          </a:effectRef>
-          <a:fontRef idx="minor">
-            <a:schemeClr val="tx1"/>
-          </a:fontRef>
-        </p:style>
-      </p:cxnSp>
-      <p:pic>
-        <p:nvPicPr>
-          <p:cNvPr id="28" name="Grafik 27">
-            <a:extLst>
-              <a:ext uri="{FF2B5EF4-FFF2-40B4-BE49-F238E27FC236}">
-                <a16:creationId xmlns:a16="http://schemas.microsoft.com/office/drawing/2014/main" id="{92F4ED1B-A2C3-44ED-BB86-E01A5927683A}"/>
-              </a:ext>
-            </a:extLst>
-          </p:cNvPr>
-          <p:cNvPicPr>
-            <a:picLocks noChangeAspect="1"/>
-          </p:cNvPicPr>
-          <p:nvPr/>
-        </p:nvPicPr>
-        <p:blipFill rotWithShape="1">
-          <a:blip r:embed="rId2"/>
-          <a:srcRect t="2189"/>
-          <a:stretch/>
-        </p:blipFill>
-        <p:spPr>
-          <a:xfrm flipV="1">
-            <a:off x="6831824" y="816325"/>
-            <a:ext cx="7332283" cy="1771921"/>
-          </a:xfrm>
-          <a:prstGeom prst="rect">
-            <a:avLst/>
-          </a:prstGeom>
-        </p:spPr>
-      </p:pic>
-      <p:sp>
-        <p:nvSpPr>
-          <p:cNvPr id="2" name="Titel 1">
-            <a:extLst>
-              <a:ext uri="{FF2B5EF4-FFF2-40B4-BE49-F238E27FC236}">
-                <a16:creationId xmlns:a16="http://schemas.microsoft.com/office/drawing/2014/main" id="{39EAE677-CE3D-40D7-B5FF-7DE39F514C15}"/>
-              </a:ext>
-            </a:extLst>
-          </p:cNvPr>
-          <p:cNvSpPr>
-            <a:spLocks noGrp="1"/>
-          </p:cNvSpPr>
-          <p:nvPr>
-            <p:ph type="title"/>
-          </p:nvPr>
-        </p:nvSpPr>
-        <p:spPr/>
-        <p:txBody>
-          <a:bodyPr/>
-          <a:lstStyle/>
-          <a:p>
-            <a:r>
-              <a:rPr lang="en-US" dirty="0"/>
-              <a:t>Flow Example</a:t>
-            </a:r>
-          </a:p>
-        </p:txBody>
-      </p:sp>
-      <p:cxnSp>
-        <p:nvCxnSpPr>
-          <p:cNvPr id="5" name="Gerader Verbinder 4">
-            <a:extLst>
-              <a:ext uri="{FF2B5EF4-FFF2-40B4-BE49-F238E27FC236}">
-                <a16:creationId xmlns:a16="http://schemas.microsoft.com/office/drawing/2014/main" id="{7D05CF25-5C35-4CBB-A0D9-C2DC8576AB1F}"/>
-              </a:ext>
-            </a:extLst>
-          </p:cNvPr>
-          <p:cNvCxnSpPr>
-            <a:cxnSpLocks/>
-          </p:cNvCxnSpPr>
-          <p:nvPr/>
-        </p:nvCxnSpPr>
-        <p:spPr>
-          <a:xfrm>
-            <a:off x="5699760" y="1701801"/>
-            <a:ext cx="1452880" cy="0"/>
-          </a:xfrm>
-          <a:prstGeom prst="line">
-            <a:avLst/>
-          </a:prstGeom>
-          <a:ln w="19050">
-            <a:solidFill>
-              <a:schemeClr val="tx1"/>
-            </a:solidFill>
-          </a:ln>
-        </p:spPr>
-        <p:style>
-          <a:lnRef idx="1">
-            <a:schemeClr val="accent1"/>
-          </a:lnRef>
-          <a:fillRef idx="0">
-            <a:schemeClr val="accent1"/>
-          </a:fillRef>
-          <a:effectRef idx="0">
-            <a:schemeClr val="accent1"/>
-          </a:effectRef>
-          <a:fontRef idx="minor">
-            <a:schemeClr val="tx1"/>
-          </a:fontRef>
-        </p:style>
-      </p:cxnSp>
-      <p:cxnSp>
-        <p:nvCxnSpPr>
-          <p:cNvPr id="7" name="Gerader Verbinder 6">
-            <a:extLst>
-              <a:ext uri="{FF2B5EF4-FFF2-40B4-BE49-F238E27FC236}">
-                <a16:creationId xmlns:a16="http://schemas.microsoft.com/office/drawing/2014/main" id="{EEA39CB8-5598-4F02-B765-AE6E92C37CEE}"/>
-              </a:ext>
-            </a:extLst>
-          </p:cNvPr>
-          <p:cNvCxnSpPr>
-            <a:cxnSpLocks/>
-          </p:cNvCxnSpPr>
-          <p:nvPr/>
-        </p:nvCxnSpPr>
-        <p:spPr>
-          <a:xfrm flipV="1">
-            <a:off x="7152640" y="838201"/>
-            <a:ext cx="0" cy="863600"/>
-          </a:xfrm>
-          <a:prstGeom prst="line">
-            <a:avLst/>
-          </a:prstGeom>
-          <a:ln w="19050">
-            <a:solidFill>
-              <a:schemeClr val="tx1"/>
-            </a:solidFill>
-          </a:ln>
-        </p:spPr>
-        <p:style>
-          <a:lnRef idx="1">
-            <a:schemeClr val="accent1"/>
-          </a:lnRef>
-          <a:fillRef idx="0">
-            <a:schemeClr val="accent1"/>
-          </a:fillRef>
-          <a:effectRef idx="0">
-            <a:schemeClr val="accent1"/>
-          </a:effectRef>
-          <a:fontRef idx="minor">
-            <a:schemeClr val="tx1"/>
-          </a:fontRef>
-        </p:style>
-      </p:cxnSp>
-      <p:sp>
-        <p:nvSpPr>
-          <p:cNvPr id="18" name="Pfeil: nach rechts 17">
-            <a:extLst>
-              <a:ext uri="{FF2B5EF4-FFF2-40B4-BE49-F238E27FC236}">
-                <a16:creationId xmlns:a16="http://schemas.microsoft.com/office/drawing/2014/main" id="{15E8AF72-05A0-4610-9BAC-B7D63EF86C31}"/>
-              </a:ext>
-            </a:extLst>
-          </p:cNvPr>
-          <p:cNvSpPr/>
-          <p:nvPr/>
-        </p:nvSpPr>
-        <p:spPr>
-          <a:xfrm>
-            <a:off x="5699760" y="1920240"/>
-            <a:ext cx="955040" cy="426718"/>
-          </a:xfrm>
-          <a:prstGeom prst="rightArrow">
-            <a:avLst/>
-          </a:prstGeom>
-          <a:solidFill>
-            <a:srgbClr val="0070C0"/>
-          </a:solidFill>
-          <a:ln>
-            <a:noFill/>
-          </a:ln>
-        </p:spPr>
-        <p:style>
-          <a:lnRef idx="2">
-            <a:schemeClr val="accent1">
-              <a:shade val="50000"/>
-            </a:schemeClr>
-          </a:lnRef>
-          <a:fillRef idx="1">
-            <a:schemeClr val="accent1"/>
-          </a:fillRef>
-          <a:effectRef idx="0">
-            <a:schemeClr val="accent1"/>
-          </a:effectRef>
-          <a:fontRef idx="minor">
-            <a:schemeClr val="lt1"/>
-          </a:fontRef>
-        </p:style>
-        <p:txBody>
-          <a:bodyPr rtlCol="0" anchor="ctr"/>
-          <a:lstStyle/>
-          <a:p>
-            <a:pPr algn="ctr"/>
-            <a:r>
-              <a:rPr lang="en-US" sz="1600" dirty="0"/>
-              <a:t>inflow</a:t>
-            </a:r>
-            <a:endParaRPr lang="en-US" dirty="0"/>
-          </a:p>
-        </p:txBody>
-      </p:sp>
-      <p:sp>
-        <p:nvSpPr>
-          <p:cNvPr id="20" name="Geschweifte Klammer links 19">
-            <a:extLst>
-              <a:ext uri="{FF2B5EF4-FFF2-40B4-BE49-F238E27FC236}">
-                <a16:creationId xmlns:a16="http://schemas.microsoft.com/office/drawing/2014/main" id="{DDC012B4-3C96-4435-8D9E-972C0C48347F}"/>
-              </a:ext>
-            </a:extLst>
-          </p:cNvPr>
-          <p:cNvSpPr/>
-          <p:nvPr/>
-        </p:nvSpPr>
-        <p:spPr>
-          <a:xfrm>
-            <a:off x="6774695" y="838201"/>
-            <a:ext cx="261106" cy="840738"/>
-          </a:xfrm>
-          <a:prstGeom prst="leftBrace">
-            <a:avLst/>
-          </a:prstGeom>
-          <a:ln w="12700">
-            <a:solidFill>
-              <a:schemeClr val="tx1"/>
-            </a:solidFill>
-          </a:ln>
-        </p:spPr>
-        <p:style>
-          <a:lnRef idx="1">
-            <a:schemeClr val="accent1"/>
-          </a:lnRef>
-          <a:fillRef idx="0">
-            <a:schemeClr val="accent1"/>
-          </a:fillRef>
-          <a:effectRef idx="0">
-            <a:schemeClr val="accent1"/>
-          </a:effectRef>
-          <a:fontRef idx="minor">
-            <a:schemeClr val="tx1"/>
-          </a:fontRef>
-        </p:style>
-        <p:txBody>
-          <a:bodyPr rtlCol="0" anchor="ctr"/>
-          <a:lstStyle/>
-          <a:p>
-            <a:pPr algn="ctr"/>
-            <a:endParaRPr lang="en-US"/>
-          </a:p>
-        </p:txBody>
-      </p:sp>
-      <p:sp>
-        <p:nvSpPr>
-          <p:cNvPr id="21" name="Geschweifte Klammer links 20">
-            <a:extLst>
-              <a:ext uri="{FF2B5EF4-FFF2-40B4-BE49-F238E27FC236}">
-                <a16:creationId xmlns:a16="http://schemas.microsoft.com/office/drawing/2014/main" id="{42D72893-956D-4156-9FB1-32C1CEEE4DB2}"/>
-              </a:ext>
-            </a:extLst>
-          </p:cNvPr>
-          <p:cNvSpPr/>
-          <p:nvPr/>
-        </p:nvSpPr>
-        <p:spPr>
-          <a:xfrm>
-            <a:off x="6774694" y="2588262"/>
-            <a:ext cx="261106" cy="840738"/>
-          </a:xfrm>
-          <a:prstGeom prst="leftBrace">
-            <a:avLst/>
-          </a:prstGeom>
-          <a:ln w="12700">
-            <a:solidFill>
-              <a:schemeClr val="tx1"/>
-            </a:solidFill>
-          </a:ln>
-        </p:spPr>
-        <p:style>
-          <a:lnRef idx="1">
-            <a:schemeClr val="accent1"/>
-          </a:lnRef>
-          <a:fillRef idx="0">
-            <a:schemeClr val="accent1"/>
-          </a:fillRef>
-          <a:effectRef idx="0">
-            <a:schemeClr val="accent1"/>
-          </a:effectRef>
-          <a:fontRef idx="minor">
-            <a:schemeClr val="tx1"/>
-          </a:fontRef>
-        </p:style>
-        <p:txBody>
-          <a:bodyPr rtlCol="0" anchor="ctr"/>
-          <a:lstStyle/>
-          <a:p>
-            <a:pPr algn="ctr"/>
-            <a:endParaRPr lang="en-US" dirty="0"/>
-          </a:p>
-        </p:txBody>
-      </p:sp>
-      <mc:AlternateContent xmlns:mc="http://schemas.openxmlformats.org/markup-compatibility/2006" xmlns:a14="http://schemas.microsoft.com/office/drawing/2010/main">
-        <mc:Choice Requires="a14">
-          <p:sp>
-            <p:nvSpPr>
-              <p:cNvPr id="22" name="Textfeld 21">
-                <a:extLst>
-                  <a:ext uri="{FF2B5EF4-FFF2-40B4-BE49-F238E27FC236}">
-                    <a16:creationId xmlns:a16="http://schemas.microsoft.com/office/drawing/2014/main" id="{813309B0-BBE7-4190-8464-7D586E26B3B0}"/>
-                  </a:ext>
-                </a:extLst>
-              </p:cNvPr>
-              <p:cNvSpPr txBox="1"/>
-              <p:nvPr/>
-            </p:nvSpPr>
-            <p:spPr>
-              <a:xfrm>
-                <a:off x="6454684" y="1131500"/>
-                <a:ext cx="278346" cy="276999"/>
-              </a:xfrm>
-              <a:prstGeom prst="rect">
-                <a:avLst/>
-              </a:prstGeom>
-              <a:noFill/>
-            </p:spPr>
-            <p:txBody>
-              <a:bodyPr wrap="none" lIns="0" tIns="0" rIns="0" bIns="0" rtlCol="0">
-                <a:spAutoFit/>
-              </a:bodyPr>
-              <a:lstStyle/>
-              <a:p>
-                <a:pPr/>
-                <a14:m>
-                  <m:oMathPara xmlns:m="http://schemas.openxmlformats.org/officeDocument/2006/math">
-                    <m:oMathParaPr>
-                      <m:jc m:val="centerGroup"/>
-                    </m:oMathParaPr>
-                    <m:oMath xmlns:m="http://schemas.openxmlformats.org/officeDocument/2006/math">
-                      <m:sSub>
-                        <m:sSubPr>
-                          <m:ctrlPr>
-                            <a:rPr lang="de-DE" b="0" i="1" smtClean="0">
-                              <a:latin typeface="Cambria Math" panose="02040503050406030204" pitchFamily="18" charset="0"/>
-                            </a:rPr>
-                          </m:ctrlPr>
-                        </m:sSubPr>
-                        <m:e>
-                          <m:r>
-                            <a:rPr lang="de-DE" b="0" i="1" smtClean="0">
-                              <a:latin typeface="Cambria Math" panose="02040503050406030204" pitchFamily="18" charset="0"/>
-                            </a:rPr>
-                            <m:t>𝐿</m:t>
-                          </m:r>
-                        </m:e>
-                        <m:sub>
-                          <m:r>
-                            <a:rPr lang="de-DE" b="0" i="1" smtClean="0">
-                              <a:latin typeface="Cambria Math" panose="02040503050406030204" pitchFamily="18" charset="0"/>
-                            </a:rPr>
-                            <m:t>1</m:t>
-                          </m:r>
-                        </m:sub>
-                      </m:sSub>
-                    </m:oMath>
-                  </m:oMathPara>
-                </a14:m>
-                <a:endParaRPr lang="en-US" dirty="0"/>
-              </a:p>
-            </p:txBody>
-          </p:sp>
-        </mc:Choice>
-        <mc:Fallback xmlns="">
-          <p:sp>
-            <p:nvSpPr>
-              <p:cNvPr id="22" name="Textfeld 21">
-                <a:extLst>
-                  <a:ext uri="{FF2B5EF4-FFF2-40B4-BE49-F238E27FC236}">
-                    <a16:creationId xmlns:a16="http://schemas.microsoft.com/office/drawing/2014/main" id="{813309B0-BBE7-4190-8464-7D586E26B3B0}"/>
-                  </a:ext>
-                </a:extLst>
-              </p:cNvPr>
-              <p:cNvSpPr txBox="1">
-                <a:spLocks noRot="1" noChangeAspect="1" noMove="1" noResize="1" noEditPoints="1" noAdjustHandles="1" noChangeArrowheads="1" noChangeShapeType="1" noTextEdit="1"/>
-              </p:cNvSpPr>
-              <p:nvPr/>
-            </p:nvSpPr>
-            <p:spPr>
-              <a:xfrm>
-                <a:off x="6454684" y="1131500"/>
-                <a:ext cx="278346" cy="276999"/>
-              </a:xfrm>
-              <a:prstGeom prst="rect">
-                <a:avLst/>
-              </a:prstGeom>
-              <a:blipFill>
-                <a:blip r:embed="rId3"/>
-                <a:stretch>
-                  <a:fillRect l="-22222" r="-6667" b="-15556"/>
-                </a:stretch>
-              </a:blipFill>
-            </p:spPr>
-            <p:txBody>
-              <a:bodyPr/>
-              <a:lstStyle/>
-              <a:p>
-                <a:r>
-                  <a:rPr lang="en-US">
-                    <a:noFill/>
-                  </a:rPr>
-                  <a:t> </a:t>
-                </a:r>
-              </a:p>
-            </p:txBody>
-          </p:sp>
-        </mc:Fallback>
-      </mc:AlternateContent>
-      <mc:AlternateContent xmlns:mc="http://schemas.openxmlformats.org/markup-compatibility/2006" xmlns:a14="http://schemas.microsoft.com/office/drawing/2010/main">
-        <mc:Choice Requires="a14">
-          <p:sp>
-            <p:nvSpPr>
-              <p:cNvPr id="23" name="Textfeld 22">
-                <a:extLst>
-                  <a:ext uri="{FF2B5EF4-FFF2-40B4-BE49-F238E27FC236}">
-                    <a16:creationId xmlns:a16="http://schemas.microsoft.com/office/drawing/2014/main" id="{662207E4-96C8-45B3-ACC5-2BBBBFD41FD8}"/>
-                  </a:ext>
-                </a:extLst>
-              </p:cNvPr>
-              <p:cNvSpPr txBox="1"/>
-              <p:nvPr/>
-            </p:nvSpPr>
-            <p:spPr>
-              <a:xfrm>
-                <a:off x="6458742" y="2858698"/>
-                <a:ext cx="283667" cy="276999"/>
-              </a:xfrm>
-              <a:prstGeom prst="rect">
-                <a:avLst/>
-              </a:prstGeom>
-              <a:noFill/>
-            </p:spPr>
-            <p:txBody>
-              <a:bodyPr wrap="none" lIns="0" tIns="0" rIns="0" bIns="0" rtlCol="0">
-                <a:spAutoFit/>
-              </a:bodyPr>
-              <a:lstStyle/>
-              <a:p>
-                <a:pPr/>
-                <a14:m>
-                  <m:oMathPara xmlns:m="http://schemas.openxmlformats.org/officeDocument/2006/math">
-                    <m:oMathParaPr>
-                      <m:jc m:val="centerGroup"/>
-                    </m:oMathParaPr>
-                    <m:oMath xmlns:m="http://schemas.openxmlformats.org/officeDocument/2006/math">
-                      <m:sSub>
-                        <m:sSubPr>
-                          <m:ctrlPr>
-                            <a:rPr lang="de-DE" b="0" i="1" smtClean="0">
-                              <a:latin typeface="Cambria Math" panose="02040503050406030204" pitchFamily="18" charset="0"/>
-                            </a:rPr>
-                          </m:ctrlPr>
-                        </m:sSubPr>
-                        <m:e>
-                          <m:r>
-                            <a:rPr lang="de-DE" b="0" i="1" smtClean="0">
-                              <a:latin typeface="Cambria Math" panose="02040503050406030204" pitchFamily="18" charset="0"/>
-                            </a:rPr>
-                            <m:t>𝐿</m:t>
-                          </m:r>
-                        </m:e>
-                        <m:sub>
-                          <m:r>
-                            <a:rPr lang="de-DE" b="0" i="1" smtClean="0">
-                              <a:latin typeface="Cambria Math" panose="02040503050406030204" pitchFamily="18" charset="0"/>
-                            </a:rPr>
-                            <m:t>2</m:t>
-                          </m:r>
-                        </m:sub>
-                      </m:sSub>
-                    </m:oMath>
-                  </m:oMathPara>
-                </a14:m>
-                <a:endParaRPr lang="en-US" dirty="0"/>
-              </a:p>
-            </p:txBody>
-          </p:sp>
-        </mc:Choice>
-        <mc:Fallback xmlns="">
-          <p:sp>
-            <p:nvSpPr>
-              <p:cNvPr id="23" name="Textfeld 22">
-                <a:extLst>
-                  <a:ext uri="{FF2B5EF4-FFF2-40B4-BE49-F238E27FC236}">
-                    <a16:creationId xmlns:a16="http://schemas.microsoft.com/office/drawing/2014/main" id="{662207E4-96C8-45B3-ACC5-2BBBBFD41FD8}"/>
-                  </a:ext>
-                </a:extLst>
-              </p:cNvPr>
-              <p:cNvSpPr txBox="1">
-                <a:spLocks noRot="1" noChangeAspect="1" noMove="1" noResize="1" noEditPoints="1" noAdjustHandles="1" noChangeArrowheads="1" noChangeShapeType="1" noTextEdit="1"/>
-              </p:cNvSpPr>
-              <p:nvPr/>
-            </p:nvSpPr>
-            <p:spPr>
-              <a:xfrm>
-                <a:off x="6458742" y="2858698"/>
-                <a:ext cx="283667" cy="276999"/>
-              </a:xfrm>
-              <a:prstGeom prst="rect">
-                <a:avLst/>
-              </a:prstGeom>
-              <a:blipFill>
-                <a:blip r:embed="rId4"/>
-                <a:stretch>
-                  <a:fillRect l="-21739" r="-6522" b="-15556"/>
-                </a:stretch>
-              </a:blipFill>
-            </p:spPr>
-            <p:txBody>
-              <a:bodyPr/>
-              <a:lstStyle/>
-              <a:p>
-                <a:r>
-                  <a:rPr lang="en-US">
-                    <a:noFill/>
-                  </a:rPr>
-                  <a:t> </a:t>
-                </a:r>
-              </a:p>
-            </p:txBody>
-          </p:sp>
-        </mc:Fallback>
-      </mc:AlternateContent>
-      <mc:AlternateContent xmlns:mc="http://schemas.openxmlformats.org/markup-compatibility/2006" xmlns:a14="http://schemas.microsoft.com/office/drawing/2010/main">
-        <mc:Choice Requires="a14">
-          <p:sp>
-            <p:nvSpPr>
-              <p:cNvPr id="24" name="Inhaltsplatzhalter 2">
-                <a:extLst>
-                  <a:ext uri="{FF2B5EF4-FFF2-40B4-BE49-F238E27FC236}">
-                    <a16:creationId xmlns:a16="http://schemas.microsoft.com/office/drawing/2014/main" id="{CA5BD58C-5AFB-41D8-839A-0F8F35487B51}"/>
-                  </a:ext>
-                </a:extLst>
-              </p:cNvPr>
-              <p:cNvSpPr>
-                <a:spLocks noGrp="1"/>
-              </p:cNvSpPr>
-              <p:nvPr>
-                <p:ph idx="1"/>
-              </p:nvPr>
-            </p:nvSpPr>
-            <p:spPr>
-              <a:xfrm>
-                <a:off x="838200" y="1825625"/>
-                <a:ext cx="10515600" cy="4351338"/>
-              </a:xfrm>
-            </p:spPr>
-            <p:txBody>
-              <a:bodyPr>
-                <a:normAutofit/>
-              </a:bodyPr>
-              <a:lstStyle/>
-              <a:p>
-                <a:r>
-                  <a:rPr lang="en-US" sz="2400" dirty="0"/>
-                  <a:t>Whether flow attaches at </a:t>
-                </a:r>
-                <a:br>
-                  <a:rPr lang="en-US" sz="2400" dirty="0"/>
-                </a:br>
-                <a:r>
-                  <a:rPr lang="en-US" sz="2400" dirty="0"/>
-                  <a:t>top or bottom depends on </a:t>
-                </a:r>
-                <a14:m>
-                  <m:oMath xmlns:m="http://schemas.openxmlformats.org/officeDocument/2006/math">
-                    <m:sSub>
-                      <m:sSubPr>
-                        <m:ctrlPr>
-                          <a:rPr lang="en-US" sz="2400" b="0" i="1" smtClean="0">
-                            <a:latin typeface="Cambria Math" panose="02040503050406030204" pitchFamily="18" charset="0"/>
-                          </a:rPr>
-                        </m:ctrlPr>
-                      </m:sSubPr>
-                      <m:e>
-                        <m:r>
-                          <a:rPr lang="en-US" sz="2400" b="0" i="1" smtClean="0">
-                            <a:latin typeface="Cambria Math" panose="02040503050406030204" pitchFamily="18" charset="0"/>
-                          </a:rPr>
-                          <m:t>𝐿</m:t>
-                        </m:r>
-                      </m:e>
-                      <m:sub>
-                        <m:r>
-                          <a:rPr lang="en-US" sz="2400" b="0" i="1" smtClean="0">
-                            <a:latin typeface="Cambria Math" panose="02040503050406030204" pitchFamily="18" charset="0"/>
-                          </a:rPr>
-                          <m:t>1</m:t>
-                        </m:r>
-                      </m:sub>
-                    </m:sSub>
-                    <m:r>
-                      <a:rPr lang="en-US" sz="2400" b="0" i="0" smtClean="0">
-                        <a:latin typeface="Cambria Math" panose="02040503050406030204" pitchFamily="18" charset="0"/>
-                      </a:rPr>
-                      <m:t>/</m:t>
-                    </m:r>
-                    <m:sSub>
-                      <m:sSubPr>
-                        <m:ctrlPr>
-                          <a:rPr lang="en-US" sz="2400" i="1">
-                            <a:latin typeface="Cambria Math" panose="02040503050406030204" pitchFamily="18" charset="0"/>
-                          </a:rPr>
-                        </m:ctrlPr>
-                      </m:sSubPr>
-                      <m:e>
-                        <m:r>
-                          <a:rPr lang="en-US" sz="2400" i="1">
-                            <a:latin typeface="Cambria Math" panose="02040503050406030204" pitchFamily="18" charset="0"/>
-                          </a:rPr>
-                          <m:t>𝐿</m:t>
-                        </m:r>
-                      </m:e>
-                      <m:sub>
-                        <m:r>
-                          <a:rPr lang="en-US" sz="2400" b="0" i="1" smtClean="0">
-                            <a:latin typeface="Cambria Math" panose="02040503050406030204" pitchFamily="18" charset="0"/>
-                          </a:rPr>
-                          <m:t>2</m:t>
-                        </m:r>
-                      </m:sub>
-                    </m:sSub>
-                  </m:oMath>
-                </a14:m>
-                <a:endParaRPr lang="en-US" sz="2400" dirty="0"/>
-              </a:p>
-              <a:p>
-                <a:r>
-                  <a:rPr lang="en-US" sz="2400" dirty="0"/>
-                  <a:t>NN may be trained to learn this</a:t>
-                </a:r>
-                <a:br>
-                  <a:rPr lang="en-US" sz="2400" dirty="0"/>
-                </a:br>
-                <a:r>
-                  <a:rPr lang="en-US" sz="2400" dirty="0"/>
-                  <a:t>relation</a:t>
-                </a:r>
-              </a:p>
-              <a:p>
-                <a:r>
-                  <a:rPr lang="en-US" sz="2400" dirty="0"/>
-                  <a:t>For</a:t>
-                </a:r>
-                <a14:m>
-                  <m:oMath xmlns:m="http://schemas.openxmlformats.org/officeDocument/2006/math">
-                    <m:r>
-                      <a:rPr lang="de-DE" sz="2400" b="0" i="0" smtClean="0">
-                        <a:latin typeface="Cambria Math" panose="02040503050406030204" pitchFamily="18" charset="0"/>
-                      </a:rPr>
-                      <m:t> </m:t>
-                    </m:r>
-                    <m:sSub>
-                      <m:sSubPr>
-                        <m:ctrlPr>
-                          <a:rPr lang="en-US" sz="2400" i="1">
-                            <a:latin typeface="Cambria Math" panose="02040503050406030204" pitchFamily="18" charset="0"/>
-                          </a:rPr>
-                        </m:ctrlPr>
-                      </m:sSubPr>
-                      <m:e>
-                        <m:r>
-                          <a:rPr lang="en-US" sz="2400" i="1">
-                            <a:latin typeface="Cambria Math" panose="02040503050406030204" pitchFamily="18" charset="0"/>
-                          </a:rPr>
-                          <m:t>𝐿</m:t>
-                        </m:r>
-                      </m:e>
-                      <m:sub>
-                        <m:r>
-                          <a:rPr lang="en-US" sz="2400" i="1">
-                            <a:latin typeface="Cambria Math" panose="02040503050406030204" pitchFamily="18" charset="0"/>
-                          </a:rPr>
-                          <m:t>1</m:t>
-                        </m:r>
-                      </m:sub>
-                    </m:sSub>
-                    <m:r>
-                      <a:rPr lang="de-DE" sz="2400" b="0" i="0" smtClean="0">
-                        <a:latin typeface="Cambria Math" panose="02040503050406030204" pitchFamily="18" charset="0"/>
-                      </a:rPr>
-                      <m:t>=</m:t>
-                    </m:r>
-                    <m:sSub>
-                      <m:sSubPr>
-                        <m:ctrlPr>
-                          <a:rPr lang="en-US" sz="2400" i="1">
-                            <a:latin typeface="Cambria Math" panose="02040503050406030204" pitchFamily="18" charset="0"/>
-                          </a:rPr>
-                        </m:ctrlPr>
-                      </m:sSubPr>
-                      <m:e>
-                        <m:r>
-                          <a:rPr lang="en-US" sz="2400" i="1">
-                            <a:latin typeface="Cambria Math" panose="02040503050406030204" pitchFamily="18" charset="0"/>
-                          </a:rPr>
-                          <m:t>𝐿</m:t>
-                        </m:r>
-                      </m:e>
-                      <m:sub>
-                        <m:r>
-                          <a:rPr lang="en-US" sz="2400" i="1">
-                            <a:latin typeface="Cambria Math" panose="02040503050406030204" pitchFamily="18" charset="0"/>
-                          </a:rPr>
-                          <m:t>2</m:t>
-                        </m:r>
-                      </m:sub>
-                    </m:sSub>
-                  </m:oMath>
-                </a14:m>
-                <a:r>
-                  <a:rPr lang="en-US" sz="2400" dirty="0"/>
-                  <a:t>, the outcome is </a:t>
-                </a:r>
-                <a:br>
-                  <a:rPr lang="en-US" sz="2400" dirty="0"/>
-                </a:br>
-                <a:r>
-                  <a:rPr lang="en-US" sz="2400" dirty="0"/>
-                  <a:t>essentially random</a:t>
-                </a:r>
-              </a:p>
-              <a:p>
-                <a:pPr>
-                  <a:buFont typeface="Calibri" panose="020F0502020204030204" pitchFamily="34" charset="0"/>
-                  <a:buChar char="→"/>
-                </a:pPr>
-                <a:r>
-                  <a:rPr lang="en-US" sz="2400" dirty="0"/>
-                  <a:t> A NN trained with MSE loss would most likely produce a superposition of both cases to minimize error</a:t>
-                </a:r>
-              </a:p>
-              <a:p>
-                <a:r>
-                  <a:rPr lang="en-US" sz="2400" dirty="0"/>
-                  <a:t>A trained discriminator network could easily identify this as a “forgery”</a:t>
-                </a:r>
-              </a:p>
-              <a:p>
-                <a:pPr>
-                  <a:buFont typeface="Calibri" panose="020F0502020204030204" pitchFamily="34" charset="0"/>
-                  <a:buChar char="→"/>
-                </a:pPr>
-                <a:r>
-                  <a:rPr lang="en-US" sz="2400" dirty="0"/>
-                  <a:t> </a:t>
-                </a:r>
-                <a:r>
-                  <a:rPr lang="en-US" sz="2400" dirty="0" err="1"/>
-                  <a:t>Adversarially</a:t>
-                </a:r>
-                <a:r>
-                  <a:rPr lang="en-US" sz="2400" dirty="0"/>
-                  <a:t> trained generator would likely learn to pick and choose one</a:t>
-                </a:r>
-              </a:p>
-            </p:txBody>
-          </p:sp>
-        </mc:Choice>
-        <mc:Fallback xmlns="">
-          <p:sp>
-            <p:nvSpPr>
-              <p:cNvPr id="24" name="Inhaltsplatzhalter 2">
-                <a:extLst>
-                  <a:ext uri="{FF2B5EF4-FFF2-40B4-BE49-F238E27FC236}">
-                    <a16:creationId xmlns:a16="http://schemas.microsoft.com/office/drawing/2014/main" id="{CA5BD58C-5AFB-41D8-839A-0F8F35487B51}"/>
-                  </a:ext>
-                </a:extLst>
-              </p:cNvPr>
-              <p:cNvSpPr>
-                <a:spLocks noGrp="1" noRot="1" noChangeAspect="1" noMove="1" noResize="1" noEditPoints="1" noAdjustHandles="1" noChangeArrowheads="1" noChangeShapeType="1" noTextEdit="1"/>
-              </p:cNvSpPr>
-              <p:nvPr>
-                <p:ph idx="1"/>
-              </p:nvPr>
-            </p:nvSpPr>
-            <p:spPr>
-              <a:xfrm>
-                <a:off x="838200" y="1825625"/>
-                <a:ext cx="10515600" cy="4351338"/>
-              </a:xfrm>
-              <a:blipFill>
-                <a:blip r:embed="rId5"/>
-                <a:stretch>
-                  <a:fillRect l="-928" t="-1961"/>
-                </a:stretch>
-              </a:blipFill>
-            </p:spPr>
-            <p:txBody>
-              <a:bodyPr/>
-              <a:lstStyle/>
-              <a:p>
-                <a:r>
-                  <a:rPr lang="en-US">
-                    <a:noFill/>
-                  </a:rPr>
-                  <a:t> </a:t>
-                </a:r>
-              </a:p>
-            </p:txBody>
-          </p:sp>
-        </mc:Fallback>
-      </mc:AlternateContent>
-      <p:grpSp>
-        <p:nvGrpSpPr>
-          <p:cNvPr id="17" name="Gruppieren 16">
-            <a:extLst>
-              <a:ext uri="{FF2B5EF4-FFF2-40B4-BE49-F238E27FC236}">
-                <a16:creationId xmlns:a16="http://schemas.microsoft.com/office/drawing/2014/main" id="{C74AB452-F579-42B1-B5A1-FE33CA94343A}"/>
-              </a:ext>
-            </a:extLst>
-          </p:cNvPr>
-          <p:cNvGrpSpPr/>
-          <p:nvPr/>
-        </p:nvGrpSpPr>
-        <p:grpSpPr>
-          <a:xfrm flipV="1">
-            <a:off x="5699760" y="2565400"/>
-            <a:ext cx="6014720" cy="863600"/>
-            <a:chOff x="2235200" y="2225040"/>
-            <a:chExt cx="6014720" cy="863600"/>
-          </a:xfrm>
-        </p:grpSpPr>
-        <p:cxnSp>
-          <p:nvCxnSpPr>
-            <p:cNvPr id="14" name="Gerader Verbinder 13">
-              <a:extLst>
-                <a:ext uri="{FF2B5EF4-FFF2-40B4-BE49-F238E27FC236}">
-                  <a16:creationId xmlns:a16="http://schemas.microsoft.com/office/drawing/2014/main" id="{26A05E71-85FB-48EB-8D12-DAF7D5240563}"/>
-                </a:ext>
-              </a:extLst>
-            </p:cNvPr>
-            <p:cNvCxnSpPr>
-              <a:cxnSpLocks/>
-            </p:cNvCxnSpPr>
-            <p:nvPr/>
-          </p:nvCxnSpPr>
-          <p:spPr>
-            <a:xfrm rot="10800000" flipH="1" flipV="1">
-              <a:off x="2235200" y="3088640"/>
-              <a:ext cx="1452880" cy="0"/>
-            </a:xfrm>
-            <a:prstGeom prst="line">
-              <a:avLst/>
-            </a:prstGeom>
-            <a:ln w="19050">
-              <a:solidFill>
-                <a:schemeClr val="tx1"/>
-              </a:solidFill>
-            </a:ln>
-          </p:spPr>
-          <p:style>
-            <a:lnRef idx="1">
-              <a:schemeClr val="accent1"/>
-            </a:lnRef>
-            <a:fillRef idx="0">
-              <a:schemeClr val="accent1"/>
-            </a:fillRef>
-            <a:effectRef idx="0">
-              <a:schemeClr val="accent1"/>
-            </a:effectRef>
-            <a:fontRef idx="minor">
-              <a:schemeClr val="tx1"/>
-            </a:fontRef>
-          </p:style>
-        </p:cxnSp>
-        <p:cxnSp>
-          <p:nvCxnSpPr>
-            <p:cNvPr id="15" name="Gerader Verbinder 14">
-              <a:extLst>
-                <a:ext uri="{FF2B5EF4-FFF2-40B4-BE49-F238E27FC236}">
-                  <a16:creationId xmlns:a16="http://schemas.microsoft.com/office/drawing/2014/main" id="{749424FE-EDDB-4EC4-AABF-7CD730122EAE}"/>
-                </a:ext>
-              </a:extLst>
-            </p:cNvPr>
-            <p:cNvCxnSpPr>
-              <a:cxnSpLocks/>
-            </p:cNvCxnSpPr>
-            <p:nvPr/>
-          </p:nvCxnSpPr>
-          <p:spPr>
-            <a:xfrm rot="10800000" flipH="1">
-              <a:off x="3688080" y="2225040"/>
-              <a:ext cx="0" cy="863600"/>
-            </a:xfrm>
-            <a:prstGeom prst="line">
-              <a:avLst/>
-            </a:prstGeom>
-            <a:ln w="19050">
-              <a:solidFill>
-                <a:schemeClr val="tx1"/>
-              </a:solidFill>
-            </a:ln>
-          </p:spPr>
-          <p:style>
-            <a:lnRef idx="1">
-              <a:schemeClr val="accent1"/>
-            </a:lnRef>
-            <a:fillRef idx="0">
-              <a:schemeClr val="accent1"/>
-            </a:fillRef>
-            <a:effectRef idx="0">
-              <a:schemeClr val="accent1"/>
-            </a:effectRef>
-            <a:fontRef idx="minor">
-              <a:schemeClr val="tx1"/>
-            </a:fontRef>
-          </p:style>
-        </p:cxnSp>
-        <p:cxnSp>
-          <p:nvCxnSpPr>
-            <p:cNvPr id="16" name="Gerader Verbinder 15">
-              <a:extLst>
-                <a:ext uri="{FF2B5EF4-FFF2-40B4-BE49-F238E27FC236}">
-                  <a16:creationId xmlns:a16="http://schemas.microsoft.com/office/drawing/2014/main" id="{C7781603-A902-465C-AD58-177E701E64AD}"/>
-                </a:ext>
-              </a:extLst>
-            </p:cNvPr>
-            <p:cNvCxnSpPr>
-              <a:cxnSpLocks/>
-            </p:cNvCxnSpPr>
-            <p:nvPr/>
-          </p:nvCxnSpPr>
-          <p:spPr>
-            <a:xfrm rot="10800000" flipH="1" flipV="1">
-              <a:off x="3688080" y="2225040"/>
-              <a:ext cx="4561840" cy="0"/>
-            </a:xfrm>
-            <a:prstGeom prst="line">
-              <a:avLst/>
-            </a:prstGeom>
-            <a:ln w="19050">
-              <a:solidFill>
-                <a:schemeClr val="tx1"/>
-              </a:solidFill>
-            </a:ln>
-          </p:spPr>
-          <p:style>
-            <a:lnRef idx="1">
-              <a:schemeClr val="accent1"/>
-            </a:lnRef>
-            <a:fillRef idx="0">
-              <a:schemeClr val="accent1"/>
-            </a:fillRef>
-            <a:effectRef idx="0">
-              <a:schemeClr val="accent1"/>
-            </a:effectRef>
-            <a:fontRef idx="minor">
-              <a:schemeClr val="tx1"/>
-            </a:fontRef>
-          </p:style>
-        </p:cxnSp>
-      </p:grpSp>
-      <p:pic>
-        <p:nvPicPr>
-          <p:cNvPr id="27" name="Grafik 26">
-            <a:extLst>
-              <a:ext uri="{FF2B5EF4-FFF2-40B4-BE49-F238E27FC236}">
-                <a16:creationId xmlns:a16="http://schemas.microsoft.com/office/drawing/2014/main" id="{8B14E45A-11FE-4974-814C-ECD930C07B63}"/>
-              </a:ext>
-            </a:extLst>
-          </p:cNvPr>
-          <p:cNvPicPr>
-            <a:picLocks noChangeAspect="1"/>
-          </p:cNvPicPr>
-          <p:nvPr/>
-        </p:nvPicPr>
-        <p:blipFill rotWithShape="1">
-          <a:blip r:embed="rId6"/>
-          <a:srcRect t="2520" b="-1"/>
-          <a:stretch/>
-        </p:blipFill>
-        <p:spPr>
-          <a:xfrm>
-            <a:off x="6804394" y="1690688"/>
-            <a:ext cx="7332283" cy="1765937"/>
-          </a:xfrm>
-          <a:prstGeom prst="rect">
-            <a:avLst/>
-          </a:prstGeom>
-        </p:spPr>
-      </p:pic>
-      <p:pic>
-        <p:nvPicPr>
-          <p:cNvPr id="30" name="Grafik 29">
-            <a:extLst>
-              <a:ext uri="{FF2B5EF4-FFF2-40B4-BE49-F238E27FC236}">
-                <a16:creationId xmlns:a16="http://schemas.microsoft.com/office/drawing/2014/main" id="{95C3EA18-8600-4194-AFC4-93ED058AC2EB}"/>
-              </a:ext>
-            </a:extLst>
-          </p:cNvPr>
-          <p:cNvPicPr>
-            <a:picLocks noChangeAspect="1"/>
-          </p:cNvPicPr>
-          <p:nvPr/>
-        </p:nvPicPr>
-        <p:blipFill>
-          <a:blip r:embed="rId7"/>
-          <a:stretch>
-            <a:fillRect/>
-          </a:stretch>
-        </p:blipFill>
-        <p:spPr>
-          <a:xfrm>
-            <a:off x="6831824" y="816325"/>
-            <a:ext cx="7079153" cy="2640300"/>
-          </a:xfrm>
-          <a:prstGeom prst="rect">
-            <a:avLst/>
-          </a:prstGeom>
-        </p:spPr>
-      </p:pic>
-    </p:spTree>
-    <p:extLst>
-      <p:ext uri="{BB962C8B-B14F-4D97-AF65-F5344CB8AC3E}">
-        <p14:creationId xmlns:p14="http://schemas.microsoft.com/office/powerpoint/2010/main" val="2610409452"/>
-      </p:ext>
-    </p:extLst>
-  </p:cSld>
-  <p:clrMapOvr>
-    <a:masterClrMapping/>
-  </p:clrMapOvr>
-  <p:timing>
-    <p:tnLst>
-      <p:par>
-        <p:cTn id="1" dur="indefinite" restart="never" nodeType="tmRoot">
-          <p:childTnLst>
-            <p:seq concurrent="1" nextAc="seek">
-              <p:cTn id="2" dur="indefinite" nodeType="mainSeq">
-                <p:childTnLst>
-                  <p:par>
-                    <p:cTn id="3" fill="hold">
-                      <p:stCondLst>
-                        <p:cond delay="indefinite"/>
-                      </p:stCondLst>
-                      <p:childTnLst>
-                        <p:par>
-                          <p:cTn id="4" fill="hold">
-                            <p:stCondLst>
-                              <p:cond delay="0"/>
-                            </p:stCondLst>
-                            <p:childTnLst>
-                              <p:par>
-                                <p:cTn id="5" presetID="1" presetClass="entr" presetSubtype="0" fill="hold" grpId="0" nodeType="clickEffect">
-                                  <p:stCondLst>
-                                    <p:cond delay="0"/>
-                                  </p:stCondLst>
-                                  <p:childTnLst>
-                                    <p:set>
-                                      <p:cBhvr>
-                                        <p:cTn id="6" dur="1" fill="hold">
-                                          <p:stCondLst>
-                                            <p:cond delay="0"/>
-                                          </p:stCondLst>
-                                        </p:cTn>
-                                        <p:tgtEl>
-                                          <p:spTgt spid="24">
-                                            <p:txEl>
-                                              <p:pRg st="0" end="0"/>
-                                            </p:txEl>
-                                          </p:spTgt>
-                                        </p:tgtEl>
-                                        <p:attrNameLst>
-                                          <p:attrName>style.visibility</p:attrName>
-                                        </p:attrNameLst>
-                                      </p:cBhvr>
-                                      <p:to>
-                                        <p:strVal val="visible"/>
-                                      </p:to>
-                                    </p:set>
-                                  </p:childTnLst>
-                                </p:cTn>
-                              </p:par>
-                            </p:childTnLst>
-                          </p:cTn>
-                        </p:par>
-                      </p:childTnLst>
-                    </p:cTn>
-                  </p:par>
-                  <p:par>
-                    <p:cTn id="7" fill="hold">
-                      <p:stCondLst>
-                        <p:cond delay="indefinite"/>
-                      </p:stCondLst>
-                      <p:childTnLst>
-                        <p:par>
-                          <p:cTn id="8" fill="hold">
-                            <p:stCondLst>
-                              <p:cond delay="0"/>
-                            </p:stCondLst>
-                            <p:childTnLst>
-                              <p:par>
-                                <p:cTn id="9" presetID="10" presetClass="entr" presetSubtype="0" fill="hold" nodeType="clickEffect">
-                                  <p:stCondLst>
-                                    <p:cond delay="0"/>
-                                  </p:stCondLst>
-                                  <p:childTnLst>
-                                    <p:set>
-                                      <p:cBhvr>
-                                        <p:cTn id="10" dur="1" fill="hold">
-                                          <p:stCondLst>
-                                            <p:cond delay="0"/>
-                                          </p:stCondLst>
-                                        </p:cTn>
-                                        <p:tgtEl>
-                                          <p:spTgt spid="27"/>
-                                        </p:tgtEl>
-                                        <p:attrNameLst>
-                                          <p:attrName>style.visibility</p:attrName>
-                                        </p:attrNameLst>
-                                      </p:cBhvr>
-                                      <p:to>
-                                        <p:strVal val="visible"/>
-                                      </p:to>
-                                    </p:set>
-                                    <p:animEffect transition="in" filter="fade">
-                                      <p:cBhvr>
-                                        <p:cTn id="11" dur="500"/>
-                                        <p:tgtEl>
-                                          <p:spTgt spid="27"/>
-                                        </p:tgtEl>
-                                      </p:cBhvr>
-                                    </p:animEffect>
-                                  </p:childTnLst>
-                                </p:cTn>
-                              </p:par>
-                            </p:childTnLst>
-                          </p:cTn>
-                        </p:par>
-                      </p:childTnLst>
-                    </p:cTn>
-                  </p:par>
-                  <p:par>
-                    <p:cTn id="12" fill="hold">
-                      <p:stCondLst>
-                        <p:cond delay="indefinite"/>
-                      </p:stCondLst>
-                      <p:childTnLst>
-                        <p:par>
-                          <p:cTn id="13" fill="hold">
-                            <p:stCondLst>
-                              <p:cond delay="0"/>
-                            </p:stCondLst>
-                            <p:childTnLst>
-                              <p:par>
-                                <p:cTn id="14" presetID="10" presetClass="exit" presetSubtype="0" fill="hold" nodeType="clickEffect">
-                                  <p:stCondLst>
-                                    <p:cond delay="0"/>
-                                  </p:stCondLst>
-                                  <p:childTnLst>
-                                    <p:animEffect transition="out" filter="fade">
-                                      <p:cBhvr>
-                                        <p:cTn id="15" dur="500"/>
-                                        <p:tgtEl>
-                                          <p:spTgt spid="27"/>
-                                        </p:tgtEl>
-                                      </p:cBhvr>
-                                    </p:animEffect>
-                                    <p:set>
-                                      <p:cBhvr>
-                                        <p:cTn id="16" dur="1" fill="hold">
-                                          <p:stCondLst>
-                                            <p:cond delay="499"/>
-                                          </p:stCondLst>
-                                        </p:cTn>
-                                        <p:tgtEl>
-                                          <p:spTgt spid="27"/>
-                                        </p:tgtEl>
-                                        <p:attrNameLst>
-                                          <p:attrName>style.visibility</p:attrName>
-                                        </p:attrNameLst>
-                                      </p:cBhvr>
-                                      <p:to>
-                                        <p:strVal val="hidden"/>
-                                      </p:to>
-                                    </p:set>
-                                  </p:childTnLst>
-                                </p:cTn>
-                              </p:par>
-                              <p:par>
-                                <p:cTn id="17" presetID="10" presetClass="entr" presetSubtype="0" fill="hold" nodeType="withEffect">
-                                  <p:stCondLst>
-                                    <p:cond delay="0"/>
-                                  </p:stCondLst>
-                                  <p:childTnLst>
-                                    <p:set>
-                                      <p:cBhvr>
-                                        <p:cTn id="18" dur="1" fill="hold">
-                                          <p:stCondLst>
-                                            <p:cond delay="0"/>
-                                          </p:stCondLst>
-                                        </p:cTn>
-                                        <p:tgtEl>
-                                          <p:spTgt spid="28"/>
-                                        </p:tgtEl>
-                                        <p:attrNameLst>
-                                          <p:attrName>style.visibility</p:attrName>
-                                        </p:attrNameLst>
-                                      </p:cBhvr>
-                                      <p:to>
-                                        <p:strVal val="visible"/>
-                                      </p:to>
-                                    </p:set>
-                                    <p:animEffect transition="in" filter="fade">
-                                      <p:cBhvr>
-                                        <p:cTn id="19" dur="500"/>
-                                        <p:tgtEl>
-                                          <p:spTgt spid="28"/>
-                                        </p:tgtEl>
-                                      </p:cBhvr>
-                                    </p:animEffect>
-                                  </p:childTnLst>
-                                </p:cTn>
-                              </p:par>
-                            </p:childTnLst>
-                          </p:cTn>
-                        </p:par>
-                      </p:childTnLst>
-                    </p:cTn>
-                  </p:par>
-                  <p:par>
-                    <p:cTn id="20" fill="hold">
-                      <p:stCondLst>
-                        <p:cond delay="indefinite"/>
-                      </p:stCondLst>
-                      <p:childTnLst>
-                        <p:par>
-                          <p:cTn id="21" fill="hold">
-                            <p:stCondLst>
-                              <p:cond delay="0"/>
-                            </p:stCondLst>
-                            <p:childTnLst>
-                              <p:par>
-                                <p:cTn id="22" presetID="1" presetClass="exit" presetSubtype="0" fill="hold" nodeType="clickEffect">
-                                  <p:stCondLst>
-                                    <p:cond delay="0"/>
-                                  </p:stCondLst>
-                                  <p:childTnLst>
-                                    <p:set>
-                                      <p:cBhvr>
-                                        <p:cTn id="23" dur="1" fill="hold">
-                                          <p:stCondLst>
-                                            <p:cond delay="0"/>
-                                          </p:stCondLst>
-                                        </p:cTn>
-                                        <p:tgtEl>
-                                          <p:spTgt spid="28"/>
-                                        </p:tgtEl>
-                                        <p:attrNameLst>
-                                          <p:attrName>style.visibility</p:attrName>
-                                        </p:attrNameLst>
-                                      </p:cBhvr>
-                                      <p:to>
-                                        <p:strVal val="hidden"/>
-                                      </p:to>
-                                    </p:set>
-                                  </p:childTnLst>
-                                </p:cTn>
-                              </p:par>
-                            </p:childTnLst>
-                          </p:cTn>
-                        </p:par>
-                      </p:childTnLst>
-                    </p:cTn>
-                  </p:par>
-                  <p:par>
-                    <p:cTn id="24" fill="hold">
-                      <p:stCondLst>
-                        <p:cond delay="indefinite"/>
-                      </p:stCondLst>
-                      <p:childTnLst>
-                        <p:par>
-                          <p:cTn id="25" fill="hold">
-                            <p:stCondLst>
-                              <p:cond delay="0"/>
-                            </p:stCondLst>
-                            <p:childTnLst>
-                              <p:par>
-                                <p:cTn id="26" presetID="1" presetClass="entr" presetSubtype="0" fill="hold" grpId="0" nodeType="clickEffect">
-                                  <p:stCondLst>
-                                    <p:cond delay="0"/>
-                                  </p:stCondLst>
-                                  <p:childTnLst>
-                                    <p:set>
-                                      <p:cBhvr>
-                                        <p:cTn id="27" dur="1" fill="hold">
-                                          <p:stCondLst>
-                                            <p:cond delay="0"/>
-                                          </p:stCondLst>
-                                        </p:cTn>
-                                        <p:tgtEl>
-                                          <p:spTgt spid="24">
-                                            <p:txEl>
-                                              <p:pRg st="1" end="1"/>
-                                            </p:txEl>
-                                          </p:spTgt>
-                                        </p:tgtEl>
-                                        <p:attrNameLst>
-                                          <p:attrName>style.visibility</p:attrName>
-                                        </p:attrNameLst>
-                                      </p:cBhvr>
-                                      <p:to>
-                                        <p:strVal val="visible"/>
-                                      </p:to>
-                                    </p:set>
-                                  </p:childTnLst>
-                                </p:cTn>
-                              </p:par>
-                            </p:childTnLst>
-                          </p:cTn>
-                        </p:par>
-                      </p:childTnLst>
-                    </p:cTn>
-                  </p:par>
-                  <p:par>
-                    <p:cTn id="28" fill="hold">
-                      <p:stCondLst>
-                        <p:cond delay="indefinite"/>
-                      </p:stCondLst>
-                      <p:childTnLst>
-                        <p:par>
-                          <p:cTn id="29" fill="hold">
-                            <p:stCondLst>
-                              <p:cond delay="0"/>
-                            </p:stCondLst>
-                            <p:childTnLst>
-                              <p:par>
-                                <p:cTn id="30" presetID="1" presetClass="entr" presetSubtype="0" fill="hold" grpId="0" nodeType="clickEffect">
-                                  <p:stCondLst>
-                                    <p:cond delay="0"/>
-                                  </p:stCondLst>
-                                  <p:childTnLst>
-                                    <p:set>
-                                      <p:cBhvr>
-                                        <p:cTn id="31" dur="1" fill="hold">
-                                          <p:stCondLst>
-                                            <p:cond delay="0"/>
-                                          </p:stCondLst>
-                                        </p:cTn>
-                                        <p:tgtEl>
-                                          <p:spTgt spid="24">
-                                            <p:txEl>
-                                              <p:pRg st="2" end="2"/>
-                                            </p:txEl>
-                                          </p:spTgt>
-                                        </p:tgtEl>
-                                        <p:attrNameLst>
-                                          <p:attrName>style.visibility</p:attrName>
-                                        </p:attrNameLst>
-                                      </p:cBhvr>
-                                      <p:to>
-                                        <p:strVal val="visible"/>
-                                      </p:to>
-                                    </p:set>
-                                  </p:childTnLst>
-                                </p:cTn>
-                              </p:par>
-                            </p:childTnLst>
-                          </p:cTn>
-                        </p:par>
-                      </p:childTnLst>
-                    </p:cTn>
-                  </p:par>
-                  <p:par>
-                    <p:cTn id="32" fill="hold">
-                      <p:stCondLst>
-                        <p:cond delay="indefinite"/>
-                      </p:stCondLst>
-                      <p:childTnLst>
-                        <p:par>
-                          <p:cTn id="33" fill="hold">
-                            <p:stCondLst>
-                              <p:cond delay="0"/>
-                            </p:stCondLst>
-                            <p:childTnLst>
-                              <p:par>
-                                <p:cTn id="34" presetID="1" presetClass="entr" presetSubtype="0" fill="hold" grpId="0" nodeType="clickEffect">
-                                  <p:stCondLst>
-                                    <p:cond delay="0"/>
-                                  </p:stCondLst>
-                                  <p:childTnLst>
-                                    <p:set>
-                                      <p:cBhvr>
-                                        <p:cTn id="35" dur="1" fill="hold">
-                                          <p:stCondLst>
-                                            <p:cond delay="0"/>
-                                          </p:stCondLst>
-                                        </p:cTn>
-                                        <p:tgtEl>
-                                          <p:spTgt spid="24">
-                                            <p:txEl>
-                                              <p:pRg st="3" end="3"/>
-                                            </p:txEl>
-                                          </p:spTgt>
-                                        </p:tgtEl>
-                                        <p:attrNameLst>
-                                          <p:attrName>style.visibility</p:attrName>
-                                        </p:attrNameLst>
-                                      </p:cBhvr>
-                                      <p:to>
-                                        <p:strVal val="visible"/>
-                                      </p:to>
-                                    </p:set>
-                                  </p:childTnLst>
-                                </p:cTn>
-                              </p:par>
-                            </p:childTnLst>
-                          </p:cTn>
-                        </p:par>
-                      </p:childTnLst>
-                    </p:cTn>
-                  </p:par>
-                  <p:par>
-                    <p:cTn id="36" fill="hold">
-                      <p:stCondLst>
-                        <p:cond delay="indefinite"/>
-                      </p:stCondLst>
-                      <p:childTnLst>
-                        <p:par>
-                          <p:cTn id="37" fill="hold">
-                            <p:stCondLst>
-                              <p:cond delay="0"/>
-                            </p:stCondLst>
-                            <p:childTnLst>
-                              <p:par>
-                                <p:cTn id="38" presetID="10" presetClass="entr" presetSubtype="0" fill="hold" nodeType="clickEffect">
-                                  <p:stCondLst>
-                                    <p:cond delay="0"/>
-                                  </p:stCondLst>
-                                  <p:childTnLst>
-                                    <p:set>
-                                      <p:cBhvr>
-                                        <p:cTn id="39" dur="1" fill="hold">
-                                          <p:stCondLst>
-                                            <p:cond delay="0"/>
-                                          </p:stCondLst>
-                                        </p:cTn>
-                                        <p:tgtEl>
-                                          <p:spTgt spid="30"/>
-                                        </p:tgtEl>
-                                        <p:attrNameLst>
-                                          <p:attrName>style.visibility</p:attrName>
-                                        </p:attrNameLst>
-                                      </p:cBhvr>
-                                      <p:to>
-                                        <p:strVal val="visible"/>
-                                      </p:to>
-                                    </p:set>
-                                    <p:animEffect transition="in" filter="fade">
-                                      <p:cBhvr>
-                                        <p:cTn id="40" dur="500"/>
-                                        <p:tgtEl>
-                                          <p:spTgt spid="30"/>
-                                        </p:tgtEl>
-                                      </p:cBhvr>
-                                    </p:animEffect>
-                                  </p:childTnLst>
-                                </p:cTn>
-                              </p:par>
-                            </p:childTnLst>
-                          </p:cTn>
-                        </p:par>
-                      </p:childTnLst>
-                    </p:cTn>
-                  </p:par>
-                  <p:par>
-                    <p:cTn id="41" fill="hold">
-                      <p:stCondLst>
-                        <p:cond delay="indefinite"/>
-                      </p:stCondLst>
-                      <p:childTnLst>
-                        <p:par>
-                          <p:cTn id="42" fill="hold">
-                            <p:stCondLst>
-                              <p:cond delay="0"/>
-                            </p:stCondLst>
-                            <p:childTnLst>
-                              <p:par>
-                                <p:cTn id="43" presetID="1" presetClass="entr" presetSubtype="0" fill="hold" grpId="0" nodeType="clickEffect">
-                                  <p:stCondLst>
-                                    <p:cond delay="0"/>
-                                  </p:stCondLst>
-                                  <p:childTnLst>
-                                    <p:set>
-                                      <p:cBhvr>
-                                        <p:cTn id="44" dur="1" fill="hold">
-                                          <p:stCondLst>
-                                            <p:cond delay="0"/>
-                                          </p:stCondLst>
-                                        </p:cTn>
-                                        <p:tgtEl>
-                                          <p:spTgt spid="24">
-                                            <p:txEl>
-                                              <p:pRg st="4" end="4"/>
-                                            </p:txEl>
-                                          </p:spTgt>
-                                        </p:tgtEl>
-                                        <p:attrNameLst>
-                                          <p:attrName>style.visibility</p:attrName>
-                                        </p:attrNameLst>
-                                      </p:cBhvr>
-                                      <p:to>
-                                        <p:strVal val="visible"/>
-                                      </p:to>
-                                    </p:set>
-                                  </p:childTnLst>
-                                </p:cTn>
-                              </p:par>
-                            </p:childTnLst>
-                          </p:cTn>
-                        </p:par>
-                      </p:childTnLst>
-                    </p:cTn>
-                  </p:par>
-                  <p:par>
-                    <p:cTn id="45" fill="hold">
-                      <p:stCondLst>
-                        <p:cond delay="indefinite"/>
-                      </p:stCondLst>
-                      <p:childTnLst>
-                        <p:par>
-                          <p:cTn id="46" fill="hold">
-                            <p:stCondLst>
-                              <p:cond delay="0"/>
-                            </p:stCondLst>
-                            <p:childTnLst>
-                              <p:par>
-                                <p:cTn id="47" presetID="1" presetClass="entr" presetSubtype="0" fill="hold" grpId="0" nodeType="clickEffect">
-                                  <p:stCondLst>
-                                    <p:cond delay="0"/>
-                                  </p:stCondLst>
-                                  <p:childTnLst>
-                                    <p:set>
-                                      <p:cBhvr>
-                                        <p:cTn id="48" dur="1" fill="hold">
-                                          <p:stCondLst>
-                                            <p:cond delay="0"/>
-                                          </p:stCondLst>
-                                        </p:cTn>
-                                        <p:tgtEl>
-                                          <p:spTgt spid="24">
-                                            <p:txEl>
-                                              <p:pRg st="5" end="5"/>
-                                            </p:txEl>
-                                          </p:spTgt>
-                                        </p:tgtEl>
-                                        <p:attrNameLst>
-                                          <p:attrName>style.visibility</p:attrName>
-                                        </p:attrNameLst>
-                                      </p:cBhvr>
-                                      <p:to>
-                                        <p:strVal val="visible"/>
-                                      </p:to>
-                                    </p:set>
-                                  </p:childTnLst>
-                                </p:cTn>
-                              </p:par>
-                            </p:childTnLst>
-                          </p:cTn>
-                        </p:par>
-                      </p:childTnLst>
-                    </p:cTn>
-                  </p:par>
-                  <p:par>
-                    <p:cTn id="49" fill="hold">
-                      <p:stCondLst>
-                        <p:cond delay="indefinite"/>
-                      </p:stCondLst>
-                      <p:childTnLst>
-                        <p:par>
-                          <p:cTn id="50" fill="hold">
-                            <p:stCondLst>
-                              <p:cond delay="0"/>
-                            </p:stCondLst>
-                            <p:childTnLst>
-                              <p:par>
-                                <p:cTn id="51" presetID="10" presetClass="exit" presetSubtype="0" fill="hold" nodeType="clickEffect">
-                                  <p:stCondLst>
-                                    <p:cond delay="0"/>
-                                  </p:stCondLst>
-                                  <p:childTnLst>
-                                    <p:animEffect transition="out" filter="fade">
-                                      <p:cBhvr>
-                                        <p:cTn id="52" dur="500"/>
-                                        <p:tgtEl>
-                                          <p:spTgt spid="30"/>
-                                        </p:tgtEl>
-                                      </p:cBhvr>
-                                    </p:animEffect>
-                                    <p:set>
-                                      <p:cBhvr>
-                                        <p:cTn id="53" dur="1" fill="hold">
-                                          <p:stCondLst>
-                                            <p:cond delay="499"/>
-                                          </p:stCondLst>
-                                        </p:cTn>
-                                        <p:tgtEl>
-                                          <p:spTgt spid="30"/>
-                                        </p:tgtEl>
-                                        <p:attrNameLst>
-                                          <p:attrName>style.visibility</p:attrName>
-                                        </p:attrNameLst>
-                                      </p:cBhvr>
-                                      <p:to>
-                                        <p:strVal val="hidden"/>
-                                      </p:to>
-                                    </p:set>
-                                  </p:childTnLst>
-                                </p:cTn>
-                              </p:par>
-                              <p:par>
-                                <p:cTn id="54" presetID="10" presetClass="entr" presetSubtype="0" fill="hold" nodeType="withEffect">
-                                  <p:stCondLst>
-                                    <p:cond delay="0"/>
-                                  </p:stCondLst>
-                                  <p:childTnLst>
-                                    <p:set>
-                                      <p:cBhvr>
-                                        <p:cTn id="55" dur="1" fill="hold">
-                                          <p:stCondLst>
-                                            <p:cond delay="0"/>
-                                          </p:stCondLst>
-                                        </p:cTn>
-                                        <p:tgtEl>
-                                          <p:spTgt spid="27"/>
-                                        </p:tgtEl>
-                                        <p:attrNameLst>
-                                          <p:attrName>style.visibility</p:attrName>
-                                        </p:attrNameLst>
-                                      </p:cBhvr>
-                                      <p:to>
-                                        <p:strVal val="visible"/>
-                                      </p:to>
-                                    </p:set>
-                                    <p:animEffect transition="in" filter="fade">
-                                      <p:cBhvr>
-                                        <p:cTn id="56" dur="500"/>
-                                        <p:tgtEl>
-                                          <p:spTgt spid="27"/>
-                                        </p:tgtEl>
-                                      </p:cBhvr>
-                                    </p:animEffect>
-                                  </p:childTnLst>
-                                </p:cTn>
-                              </p:par>
-                            </p:childTnLst>
-                          </p:cTn>
-                        </p:par>
-                      </p:childTnLst>
-                    </p:cTn>
-                  </p:par>
-                </p:childTnLst>
-              </p:cTn>
-              <p:prevCondLst>
-                <p:cond evt="onPrev" delay="0">
-                  <p:tgtEl>
-                    <p:sldTgt/>
-                  </p:tgtEl>
-                </p:cond>
-              </p:prevCondLst>
-              <p:nextCondLst>
-                <p:cond evt="onNext" delay="0">
-                  <p:tgtEl>
-                    <p:sldTgt/>
-                  </p:tgtEl>
-                </p:cond>
-              </p:nextCondLst>
-            </p:seq>
-          </p:childTnLst>
-        </p:cTn>
-      </p:par>
-    </p:tnLst>
-    <p:bldLst>
-      <p:bldP spid="24" grpId="0" uiExpand="1" build="p"/>
-    </p:bldLst>
-  </p:timing>
-</p:sld>
-</file>
-
 <file path=ppt/theme/theme1.xml><?xml version="1.0" encoding="utf-8"?>
 <a:theme xmlns:a="http://schemas.openxmlformats.org/drawingml/2006/main" name="Office">
   <a:themeElements>
